--- a/RechercheInterpolaçãoSpline/InterpolaçãoSplineCubica.pptx
+++ b/RechercheInterpolaçãoSpline/InterpolaçãoSplineCubica.pptx
@@ -111,6 +111,11 @@
       </a:defRPr>
     </a:lvl9pPr>
   </p:defaultTextStyle>
+  <p:extLst>
+    <p:ext uri="{EFAFB233-063F-42B5-8137-9DF3F51BA10A}">
+      <p15:sldGuideLst xmlns:p15="http://schemas.microsoft.com/office/powerpoint/2012/main"/>
+    </p:ext>
+  </p:extLst>
 </p:presentation>
 </file>
 
@@ -164,7 +169,7 @@
           <a:noFill/>
           <a:extLst>
             <a:ext uri="{909E8E84-426E-40dd-AFC4-6F175D3DCCD1}">
-              <a14:hiddenFill xmlns:a14="http://schemas.microsoft.com/office/drawing/2010/main" xmlns="">
+              <a14:hiddenFill xmlns="" xmlns:a14="http://schemas.microsoft.com/office/drawing/2010/main">
                 <a:solidFill>
                   <a:srgbClr val="FFFFFF"/>
                 </a:solidFill>
@@ -224,7 +229,7 @@
             </a:ln>
             <a:extLst>
               <a:ext uri="{91240B29-F687-4f45-9708-019B960494DF}">
-                <a14:hiddenLine xmlns:a14="http://schemas.microsoft.com/office/drawing/2010/main" xmlns="" w="9525">
+                <a14:hiddenLine xmlns="" xmlns:a14="http://schemas.microsoft.com/office/drawing/2010/main" w="9525">
                   <a:solidFill>
                     <a:srgbClr val="000000"/>
                   </a:solidFill>
@@ -314,7 +319,7 @@
             </a:ln>
             <a:extLst>
               <a:ext uri="{91240B29-F687-4f45-9708-019B960494DF}">
-                <a14:hiddenLine xmlns:a14="http://schemas.microsoft.com/office/drawing/2010/main" xmlns="" w="9525">
+                <a14:hiddenLine xmlns="" xmlns:a14="http://schemas.microsoft.com/office/drawing/2010/main" w="9525">
                   <a:solidFill>
                     <a:srgbClr val="000000"/>
                   </a:solidFill>
@@ -404,7 +409,7 @@
             </a:ln>
             <a:extLst>
               <a:ext uri="{91240B29-F687-4f45-9708-019B960494DF}">
-                <a14:hiddenLine xmlns:a14="http://schemas.microsoft.com/office/drawing/2010/main" xmlns="" w="9525">
+                <a14:hiddenLine xmlns="" xmlns:a14="http://schemas.microsoft.com/office/drawing/2010/main" w="9525">
                   <a:solidFill>
                     <a:srgbClr val="000000"/>
                   </a:solidFill>
@@ -438,7 +443,7 @@
             </a:ln>
             <a:extLst>
               <a:ext uri="{91240B29-F687-4f45-9708-019B960494DF}">
-                <a14:hiddenLine xmlns:a14="http://schemas.microsoft.com/office/drawing/2010/main" xmlns="" w="9525">
+                <a14:hiddenLine xmlns="" xmlns:a14="http://schemas.microsoft.com/office/drawing/2010/main" w="9525">
                   <a:solidFill>
                     <a:srgbClr val="000000"/>
                   </a:solidFill>
@@ -528,7 +533,7 @@
             </a:ln>
             <a:extLst>
               <a:ext uri="{91240B29-F687-4f45-9708-019B960494DF}">
-                <a14:hiddenLine xmlns:a14="http://schemas.microsoft.com/office/drawing/2010/main" xmlns="" w="9525">
+                <a14:hiddenLine xmlns="" xmlns:a14="http://schemas.microsoft.com/office/drawing/2010/main" w="9525">
                   <a:solidFill>
                     <a:srgbClr val="000000"/>
                   </a:solidFill>
@@ -590,7 +595,7 @@
             </a:ln>
             <a:extLst>
               <a:ext uri="{91240B29-F687-4f45-9708-019B960494DF}">
-                <a14:hiddenLine xmlns:a14="http://schemas.microsoft.com/office/drawing/2010/main" xmlns="" w="9525">
+                <a14:hiddenLine xmlns="" xmlns:a14="http://schemas.microsoft.com/office/drawing/2010/main" w="9525">
                   <a:solidFill>
                     <a:srgbClr val="000000"/>
                   </a:solidFill>
@@ -652,7 +657,7 @@
             </a:ln>
             <a:extLst>
               <a:ext uri="{91240B29-F687-4f45-9708-019B960494DF}">
-                <a14:hiddenLine xmlns:a14="http://schemas.microsoft.com/office/drawing/2010/main" xmlns="" w="9525">
+                <a14:hiddenLine xmlns="" xmlns:a14="http://schemas.microsoft.com/office/drawing/2010/main" w="9525">
                   <a:solidFill>
                     <a:srgbClr val="000000"/>
                   </a:solidFill>
@@ -742,7 +747,7 @@
             </a:ln>
             <a:extLst>
               <a:ext uri="{91240B29-F687-4f45-9708-019B960494DF}">
-                <a14:hiddenLine xmlns:a14="http://schemas.microsoft.com/office/drawing/2010/main" xmlns="" w="9525">
+                <a14:hiddenLine xmlns="" xmlns:a14="http://schemas.microsoft.com/office/drawing/2010/main" w="9525">
                   <a:solidFill>
                     <a:srgbClr val="000000"/>
                   </a:solidFill>
@@ -804,7 +809,7 @@
             </a:ln>
             <a:extLst>
               <a:ext uri="{91240B29-F687-4f45-9708-019B960494DF}">
-                <a14:hiddenLine xmlns:a14="http://schemas.microsoft.com/office/drawing/2010/main" xmlns="" w="9525">
+                <a14:hiddenLine xmlns="" xmlns:a14="http://schemas.microsoft.com/office/drawing/2010/main" w="9525">
                   <a:solidFill>
                     <a:srgbClr val="000000"/>
                   </a:solidFill>
@@ -866,7 +871,7 @@
             </a:ln>
             <a:extLst>
               <a:ext uri="{91240B29-F687-4f45-9708-019B960494DF}">
-                <a14:hiddenLine xmlns:a14="http://schemas.microsoft.com/office/drawing/2010/main" xmlns="" w="9525">
+                <a14:hiddenLine xmlns="" xmlns:a14="http://schemas.microsoft.com/office/drawing/2010/main" w="9525">
                   <a:solidFill>
                     <a:srgbClr val="000000"/>
                   </a:solidFill>
@@ -956,7 +961,7 @@
             </a:ln>
             <a:extLst>
               <a:ext uri="{91240B29-F687-4f45-9708-019B960494DF}">
-                <a14:hiddenLine xmlns:a14="http://schemas.microsoft.com/office/drawing/2010/main" xmlns="" w="9525">
+                <a14:hiddenLine xmlns="" xmlns:a14="http://schemas.microsoft.com/office/drawing/2010/main" w="9525">
                   <a:solidFill>
                     <a:srgbClr val="000000"/>
                   </a:solidFill>
@@ -1046,7 +1051,7 @@
             </a:ln>
             <a:extLst>
               <a:ext uri="{91240B29-F687-4f45-9708-019B960494DF}">
-                <a14:hiddenLine xmlns:a14="http://schemas.microsoft.com/office/drawing/2010/main" xmlns="" w="9525">
+                <a14:hiddenLine xmlns="" xmlns:a14="http://schemas.microsoft.com/office/drawing/2010/main" w="9525">
                   <a:solidFill>
                     <a:srgbClr val="000000"/>
                   </a:solidFill>
@@ -1108,7 +1113,7 @@
             </a:ln>
             <a:extLst>
               <a:ext uri="{91240B29-F687-4f45-9708-019B960494DF}">
-                <a14:hiddenLine xmlns:a14="http://schemas.microsoft.com/office/drawing/2010/main" xmlns="" w="9525">
+                <a14:hiddenLine xmlns="" xmlns:a14="http://schemas.microsoft.com/office/drawing/2010/main" w="9525">
                   <a:solidFill>
                     <a:srgbClr val="000000"/>
                   </a:solidFill>
@@ -1218,7 +1223,7 @@
             </a:ln>
             <a:extLst>
               <a:ext uri="{91240B29-F687-4f45-9708-019B960494DF}">
-                <a14:hiddenLine xmlns:a14="http://schemas.microsoft.com/office/drawing/2010/main" xmlns="" w="9525">
+                <a14:hiddenLine xmlns="" xmlns:a14="http://schemas.microsoft.com/office/drawing/2010/main" w="9525">
                   <a:solidFill>
                     <a:srgbClr val="000000"/>
                   </a:solidFill>
@@ -1280,7 +1285,7 @@
             </a:ln>
             <a:extLst>
               <a:ext uri="{91240B29-F687-4f45-9708-019B960494DF}">
-                <a14:hiddenLine xmlns:a14="http://schemas.microsoft.com/office/drawing/2010/main" xmlns="" w="9525">
+                <a14:hiddenLine xmlns="" xmlns:a14="http://schemas.microsoft.com/office/drawing/2010/main" w="9525">
                   <a:solidFill>
                     <a:srgbClr val="000000"/>
                   </a:solidFill>
@@ -1370,7 +1375,7 @@
             </a:ln>
             <a:extLst>
               <a:ext uri="{91240B29-F687-4f45-9708-019B960494DF}">
-                <a14:hiddenLine xmlns:a14="http://schemas.microsoft.com/office/drawing/2010/main" xmlns="" w="9525">
+                <a14:hiddenLine xmlns="" xmlns:a14="http://schemas.microsoft.com/office/drawing/2010/main" w="9525">
                   <a:solidFill>
                     <a:srgbClr val="000000"/>
                   </a:solidFill>
@@ -1460,7 +1465,7 @@
             </a:ln>
             <a:extLst>
               <a:ext uri="{91240B29-F687-4f45-9708-019B960494DF}">
-                <a14:hiddenLine xmlns:a14="http://schemas.microsoft.com/office/drawing/2010/main" xmlns="" w="9525">
+                <a14:hiddenLine xmlns="" xmlns:a14="http://schemas.microsoft.com/office/drawing/2010/main" w="9525">
                   <a:solidFill>
                     <a:srgbClr val="000000"/>
                   </a:solidFill>
@@ -1522,7 +1527,7 @@
             </a:ln>
             <a:extLst>
               <a:ext uri="{91240B29-F687-4f45-9708-019B960494DF}">
-                <a14:hiddenLine xmlns:a14="http://schemas.microsoft.com/office/drawing/2010/main" xmlns="" w="9525">
+                <a14:hiddenLine xmlns="" xmlns:a14="http://schemas.microsoft.com/office/drawing/2010/main" w="9525">
                   <a:solidFill>
                     <a:srgbClr val="000000"/>
                   </a:solidFill>
@@ -1612,7 +1617,7 @@
             </a:ln>
             <a:extLst>
               <a:ext uri="{91240B29-F687-4f45-9708-019B960494DF}">
-                <a14:hiddenLine xmlns:a14="http://schemas.microsoft.com/office/drawing/2010/main" xmlns="" w="9525">
+                <a14:hiddenLine xmlns="" xmlns:a14="http://schemas.microsoft.com/office/drawing/2010/main" w="9525">
                   <a:solidFill>
                     <a:srgbClr val="000000"/>
                   </a:solidFill>
@@ -1702,7 +1707,7 @@
             </a:ln>
             <a:extLst>
               <a:ext uri="{91240B29-F687-4f45-9708-019B960494DF}">
-                <a14:hiddenLine xmlns:a14="http://schemas.microsoft.com/office/drawing/2010/main" xmlns="" w="9525">
+                <a14:hiddenLine xmlns="" xmlns:a14="http://schemas.microsoft.com/office/drawing/2010/main" w="9525">
                   <a:solidFill>
                     <a:srgbClr val="000000"/>
                   </a:solidFill>
@@ -1758,7 +1763,7 @@
             </a:ln>
             <a:extLst>
               <a:ext uri="{91240B29-F687-4f45-9708-019B960494DF}">
-                <a14:hiddenLine xmlns:a14="http://schemas.microsoft.com/office/drawing/2010/main" xmlns="" w="9525">
+                <a14:hiddenLine xmlns="" xmlns:a14="http://schemas.microsoft.com/office/drawing/2010/main" w="9525">
                   <a:solidFill>
                     <a:srgbClr val="000000"/>
                   </a:solidFill>
@@ -1848,7 +1853,7 @@
             </a:ln>
             <a:extLst>
               <a:ext uri="{91240B29-F687-4f45-9708-019B960494DF}">
-                <a14:hiddenLine xmlns:a14="http://schemas.microsoft.com/office/drawing/2010/main" xmlns="" w="9525">
+                <a14:hiddenLine xmlns="" xmlns:a14="http://schemas.microsoft.com/office/drawing/2010/main" w="9525">
                   <a:solidFill>
                     <a:srgbClr val="000000"/>
                   </a:solidFill>
@@ -1904,7 +1909,7 @@
             </a:ln>
             <a:extLst>
               <a:ext uri="{91240B29-F687-4f45-9708-019B960494DF}">
-                <a14:hiddenLine xmlns:a14="http://schemas.microsoft.com/office/drawing/2010/main" xmlns="" w="9525">
+                <a14:hiddenLine xmlns="" xmlns:a14="http://schemas.microsoft.com/office/drawing/2010/main" w="9525">
                   <a:solidFill>
                     <a:srgbClr val="000000"/>
                   </a:solidFill>
@@ -1994,7 +1999,7 @@
             </a:ln>
             <a:extLst>
               <a:ext uri="{91240B29-F687-4f45-9708-019B960494DF}">
-                <a14:hiddenLine xmlns:a14="http://schemas.microsoft.com/office/drawing/2010/main" xmlns="" w="9525">
+                <a14:hiddenLine xmlns="" xmlns:a14="http://schemas.microsoft.com/office/drawing/2010/main" w="9525">
                   <a:solidFill>
                     <a:srgbClr val="000000"/>
                   </a:solidFill>
@@ -2062,7 +2067,7 @@
             </a:ln>
             <a:extLst>
               <a:ext uri="{91240B29-F687-4f45-9708-019B960494DF}">
-                <a14:hiddenLine xmlns:a14="http://schemas.microsoft.com/office/drawing/2010/main" xmlns="" w="9525">
+                <a14:hiddenLine xmlns="" xmlns:a14="http://schemas.microsoft.com/office/drawing/2010/main" w="9525">
                   <a:solidFill>
                     <a:srgbClr val="000000"/>
                   </a:solidFill>
@@ -2152,7 +2157,7 @@
             </a:ln>
             <a:extLst>
               <a:ext uri="{91240B29-F687-4f45-9708-019B960494DF}">
-                <a14:hiddenLine xmlns:a14="http://schemas.microsoft.com/office/drawing/2010/main" xmlns="" w="9525">
+                <a14:hiddenLine xmlns="" xmlns:a14="http://schemas.microsoft.com/office/drawing/2010/main" w="9525">
                   <a:solidFill>
                     <a:srgbClr val="000000"/>
                   </a:solidFill>
@@ -2220,7 +2225,7 @@
             </a:ln>
             <a:extLst>
               <a:ext uri="{91240B29-F687-4f45-9708-019B960494DF}">
-                <a14:hiddenLine xmlns:a14="http://schemas.microsoft.com/office/drawing/2010/main" xmlns="" w="9525">
+                <a14:hiddenLine xmlns="" xmlns:a14="http://schemas.microsoft.com/office/drawing/2010/main" w="9525">
                   <a:solidFill>
                     <a:srgbClr val="000000"/>
                   </a:solidFill>
@@ -2310,7 +2315,7 @@
             </a:ln>
             <a:extLst>
               <a:ext uri="{91240B29-F687-4f45-9708-019B960494DF}">
-                <a14:hiddenLine xmlns:a14="http://schemas.microsoft.com/office/drawing/2010/main" xmlns="" w="9525">
+                <a14:hiddenLine xmlns="" xmlns:a14="http://schemas.microsoft.com/office/drawing/2010/main" w="9525">
                   <a:solidFill>
                     <a:srgbClr val="000000"/>
                   </a:solidFill>
@@ -2344,7 +2349,7 @@
             </a:ln>
             <a:extLst>
               <a:ext uri="{91240B29-F687-4f45-9708-019B960494DF}">
-                <a14:hiddenLine xmlns:a14="http://schemas.microsoft.com/office/drawing/2010/main" xmlns="" w="9525">
+                <a14:hiddenLine xmlns="" xmlns:a14="http://schemas.microsoft.com/office/drawing/2010/main" w="9525">
                   <a:solidFill>
                     <a:srgbClr val="000000"/>
                   </a:solidFill>
@@ -2434,7 +2439,7 @@
             </a:ln>
             <a:extLst>
               <a:ext uri="{91240B29-F687-4f45-9708-019B960494DF}">
-                <a14:hiddenLine xmlns:a14="http://schemas.microsoft.com/office/drawing/2010/main" xmlns="" w="9525">
+                <a14:hiddenLine xmlns="" xmlns:a14="http://schemas.microsoft.com/office/drawing/2010/main" w="9525">
                   <a:solidFill>
                     <a:srgbClr val="000000"/>
                   </a:solidFill>
@@ -2496,7 +2501,7 @@
             </a:ln>
             <a:extLst>
               <a:ext uri="{91240B29-F687-4f45-9708-019B960494DF}">
-                <a14:hiddenLine xmlns:a14="http://schemas.microsoft.com/office/drawing/2010/main" xmlns="" w="9525">
+                <a14:hiddenLine xmlns="" xmlns:a14="http://schemas.microsoft.com/office/drawing/2010/main" w="9525">
                   <a:solidFill>
                     <a:srgbClr val="000000"/>
                   </a:solidFill>
@@ -2558,7 +2563,7 @@
             </a:ln>
             <a:extLst>
               <a:ext uri="{91240B29-F687-4f45-9708-019B960494DF}">
-                <a14:hiddenLine xmlns:a14="http://schemas.microsoft.com/office/drawing/2010/main" xmlns="" w="9525">
+                <a14:hiddenLine xmlns="" xmlns:a14="http://schemas.microsoft.com/office/drawing/2010/main" w="9525">
                   <a:solidFill>
                     <a:srgbClr val="000000"/>
                   </a:solidFill>
@@ -2648,7 +2653,7 @@
             </a:ln>
             <a:extLst>
               <a:ext uri="{91240B29-F687-4f45-9708-019B960494DF}">
-                <a14:hiddenLine xmlns:a14="http://schemas.microsoft.com/office/drawing/2010/main" xmlns="" w="9525">
+                <a14:hiddenLine xmlns="" xmlns:a14="http://schemas.microsoft.com/office/drawing/2010/main" w="9525">
                   <a:solidFill>
                     <a:srgbClr val="000000"/>
                   </a:solidFill>
@@ -2716,7 +2721,7 @@
             </a:ln>
             <a:extLst>
               <a:ext uri="{91240B29-F687-4f45-9708-019B960494DF}">
-                <a14:hiddenLine xmlns:a14="http://schemas.microsoft.com/office/drawing/2010/main" xmlns="" w="9525">
+                <a14:hiddenLine xmlns="" xmlns:a14="http://schemas.microsoft.com/office/drawing/2010/main" w="9525">
                   <a:solidFill>
                     <a:srgbClr val="000000"/>
                   </a:solidFill>
@@ -2778,7 +2783,7 @@
             </a:ln>
             <a:extLst>
               <a:ext uri="{91240B29-F687-4f45-9708-019B960494DF}">
-                <a14:hiddenLine xmlns:a14="http://schemas.microsoft.com/office/drawing/2010/main" xmlns="" w="9525">
+                <a14:hiddenLine xmlns="" xmlns:a14="http://schemas.microsoft.com/office/drawing/2010/main" w="9525">
                   <a:solidFill>
                     <a:srgbClr val="000000"/>
                   </a:solidFill>
@@ -2868,7 +2873,7 @@
             </a:ln>
             <a:extLst>
               <a:ext uri="{91240B29-F687-4f45-9708-019B960494DF}">
-                <a14:hiddenLine xmlns:a14="http://schemas.microsoft.com/office/drawing/2010/main" xmlns="" w="9525">
+                <a14:hiddenLine xmlns="" xmlns:a14="http://schemas.microsoft.com/office/drawing/2010/main" w="9525">
                   <a:solidFill>
                     <a:srgbClr val="000000"/>
                   </a:solidFill>
@@ -2930,7 +2935,7 @@
             </a:ln>
             <a:extLst>
               <a:ext uri="{91240B29-F687-4f45-9708-019B960494DF}">
-                <a14:hiddenLine xmlns:a14="http://schemas.microsoft.com/office/drawing/2010/main" xmlns="" w="9525">
+                <a14:hiddenLine xmlns="" xmlns:a14="http://schemas.microsoft.com/office/drawing/2010/main" w="9525">
                   <a:solidFill>
                     <a:srgbClr val="000000"/>
                   </a:solidFill>
@@ -3020,7 +3025,7 @@
             </a:ln>
             <a:extLst>
               <a:ext uri="{91240B29-F687-4f45-9708-019B960494DF}">
-                <a14:hiddenLine xmlns:a14="http://schemas.microsoft.com/office/drawing/2010/main" xmlns="" w="9525">
+                <a14:hiddenLine xmlns="" xmlns:a14="http://schemas.microsoft.com/office/drawing/2010/main" w="9525">
                   <a:solidFill>
                     <a:srgbClr val="000000"/>
                   </a:solidFill>
@@ -3082,7 +3087,7 @@
             </a:ln>
             <a:extLst>
               <a:ext uri="{91240B29-F687-4f45-9708-019B960494DF}">
-                <a14:hiddenLine xmlns:a14="http://schemas.microsoft.com/office/drawing/2010/main" xmlns="" w="9525">
+                <a14:hiddenLine xmlns="" xmlns:a14="http://schemas.microsoft.com/office/drawing/2010/main" w="9525">
                   <a:solidFill>
                     <a:srgbClr val="000000"/>
                   </a:solidFill>
@@ -3172,7 +3177,7 @@
             </a:ln>
             <a:extLst>
               <a:ext uri="{91240B29-F687-4f45-9708-019B960494DF}">
-                <a14:hiddenLine xmlns:a14="http://schemas.microsoft.com/office/drawing/2010/main" xmlns="" w="9525">
+                <a14:hiddenLine xmlns="" xmlns:a14="http://schemas.microsoft.com/office/drawing/2010/main" w="9525">
                   <a:solidFill>
                     <a:srgbClr val="000000"/>
                   </a:solidFill>
@@ -3206,7 +3211,7 @@
             </a:ln>
             <a:extLst>
               <a:ext uri="{91240B29-F687-4f45-9708-019B960494DF}">
-                <a14:hiddenLine xmlns:a14="http://schemas.microsoft.com/office/drawing/2010/main" xmlns="" w="9525">
+                <a14:hiddenLine xmlns="" xmlns:a14="http://schemas.microsoft.com/office/drawing/2010/main" w="9525">
                   <a:solidFill>
                     <a:srgbClr val="000000"/>
                   </a:solidFill>
@@ -3271,7 +3276,7 @@
             </a:ln>
             <a:extLst>
               <a:ext uri="{91240B29-F687-4f45-9708-019B960494DF}">
-                <a14:hiddenLine xmlns:a14="http://schemas.microsoft.com/office/drawing/2010/main" xmlns="" w="9525">
+                <a14:hiddenLine xmlns="" xmlns:a14="http://schemas.microsoft.com/office/drawing/2010/main" w="9525">
                   <a:solidFill>
                     <a:srgbClr val="000000"/>
                   </a:solidFill>
@@ -3361,7 +3366,7 @@
             </a:ln>
             <a:extLst>
               <a:ext uri="{91240B29-F687-4f45-9708-019B960494DF}">
-                <a14:hiddenLine xmlns:a14="http://schemas.microsoft.com/office/drawing/2010/main" xmlns="" w="9525">
+                <a14:hiddenLine xmlns="" xmlns:a14="http://schemas.microsoft.com/office/drawing/2010/main" w="9525">
                   <a:solidFill>
                     <a:srgbClr val="000000"/>
                   </a:solidFill>
@@ -3423,7 +3428,7 @@
             </a:ln>
             <a:extLst>
               <a:ext uri="{91240B29-F687-4f45-9708-019B960494DF}">
-                <a14:hiddenLine xmlns:a14="http://schemas.microsoft.com/office/drawing/2010/main" xmlns="" w="9525">
+                <a14:hiddenLine xmlns="" xmlns:a14="http://schemas.microsoft.com/office/drawing/2010/main" w="9525">
                   <a:solidFill>
                     <a:srgbClr val="000000"/>
                   </a:solidFill>
@@ -3513,7 +3518,7 @@
             </a:ln>
             <a:extLst>
               <a:ext uri="{91240B29-F687-4f45-9708-019B960494DF}">
-                <a14:hiddenLine xmlns:a14="http://schemas.microsoft.com/office/drawing/2010/main" xmlns="" w="9525">
+                <a14:hiddenLine xmlns="" xmlns:a14="http://schemas.microsoft.com/office/drawing/2010/main" w="9525">
                   <a:solidFill>
                     <a:srgbClr val="000000"/>
                   </a:solidFill>
@@ -3603,7 +3608,7 @@
             </a:ln>
             <a:extLst>
               <a:ext uri="{91240B29-F687-4f45-9708-019B960494DF}">
-                <a14:hiddenLine xmlns:a14="http://schemas.microsoft.com/office/drawing/2010/main" xmlns="" w="9525">
+                <a14:hiddenLine xmlns="" xmlns:a14="http://schemas.microsoft.com/office/drawing/2010/main" w="9525">
                   <a:solidFill>
                     <a:srgbClr val="000000"/>
                   </a:solidFill>
@@ -3668,7 +3673,7 @@
             </a:ln>
             <a:extLst>
               <a:ext uri="{91240B29-F687-4f45-9708-019B960494DF}">
-                <a14:hiddenLine xmlns:a14="http://schemas.microsoft.com/office/drawing/2010/main" xmlns="" w="9525">
+                <a14:hiddenLine xmlns="" xmlns:a14="http://schemas.microsoft.com/office/drawing/2010/main" w="9525">
                   <a:solidFill>
                     <a:srgbClr val="000000"/>
                   </a:solidFill>
@@ -3730,7 +3735,7 @@
             </a:ln>
             <a:extLst>
               <a:ext uri="{91240B29-F687-4f45-9708-019B960494DF}">
-                <a14:hiddenLine xmlns:a14="http://schemas.microsoft.com/office/drawing/2010/main" xmlns="" w="9525">
+                <a14:hiddenLine xmlns="" xmlns:a14="http://schemas.microsoft.com/office/drawing/2010/main" w="9525">
                   <a:solidFill>
                     <a:srgbClr val="000000"/>
                   </a:solidFill>
@@ -3820,7 +3825,7 @@
             </a:ln>
             <a:extLst>
               <a:ext uri="{91240B29-F687-4f45-9708-019B960494DF}">
-                <a14:hiddenLine xmlns:a14="http://schemas.microsoft.com/office/drawing/2010/main" xmlns="" w="9525">
+                <a14:hiddenLine xmlns="" xmlns:a14="http://schemas.microsoft.com/office/drawing/2010/main" w="9525">
                   <a:solidFill>
                     <a:srgbClr val="000000"/>
                   </a:solidFill>
@@ -3910,7 +3915,7 @@
             </a:ln>
             <a:extLst>
               <a:ext uri="{91240B29-F687-4f45-9708-019B960494DF}">
-                <a14:hiddenLine xmlns:a14="http://schemas.microsoft.com/office/drawing/2010/main" xmlns="" w="9525">
+                <a14:hiddenLine xmlns="" xmlns:a14="http://schemas.microsoft.com/office/drawing/2010/main" w="9525">
                   <a:solidFill>
                     <a:srgbClr val="000000"/>
                   </a:solidFill>
@@ -3972,7 +3977,7 @@
             </a:ln>
             <a:extLst>
               <a:ext uri="{91240B29-F687-4f45-9708-019B960494DF}">
-                <a14:hiddenLine xmlns:a14="http://schemas.microsoft.com/office/drawing/2010/main" xmlns="" w="9525">
+                <a14:hiddenLine xmlns="" xmlns:a14="http://schemas.microsoft.com/office/drawing/2010/main" w="9525">
                   <a:solidFill>
                     <a:srgbClr val="000000"/>
                   </a:solidFill>
@@ -4092,7 +4097,7 @@
             </a:ln>
             <a:extLst>
               <a:ext uri="{91240B29-F687-4f45-9708-019B960494DF}">
-                <a14:hiddenLine xmlns:a14="http://schemas.microsoft.com/office/drawing/2010/main" xmlns="" w="9525">
+                <a14:hiddenLine xmlns="" xmlns:a14="http://schemas.microsoft.com/office/drawing/2010/main" w="9525">
                   <a:solidFill>
                     <a:srgbClr val="000000"/>
                   </a:solidFill>
@@ -4160,7 +4165,7 @@
             </a:ln>
             <a:extLst>
               <a:ext uri="{91240B29-F687-4f45-9708-019B960494DF}">
-                <a14:hiddenLine xmlns:a14="http://schemas.microsoft.com/office/drawing/2010/main" xmlns="" w="9525">
+                <a14:hiddenLine xmlns="" xmlns:a14="http://schemas.microsoft.com/office/drawing/2010/main" w="9525">
                   <a:solidFill>
                     <a:srgbClr val="000000"/>
                   </a:solidFill>
@@ -4250,7 +4255,7 @@
             </a:ln>
             <a:extLst>
               <a:ext uri="{91240B29-F687-4f45-9708-019B960494DF}">
-                <a14:hiddenLine xmlns:a14="http://schemas.microsoft.com/office/drawing/2010/main" xmlns="" w="9525">
+                <a14:hiddenLine xmlns="" xmlns:a14="http://schemas.microsoft.com/office/drawing/2010/main" w="9525">
                   <a:solidFill>
                     <a:srgbClr val="000000"/>
                   </a:solidFill>
@@ -4390,7 +4395,7 @@
           <a:p>
             <a:fld id="{48A87A34-81AB-432B-8DAE-1953F412C126}" type="datetimeFigureOut">
               <a:rPr lang="en-US" dirty="0"/>
-              <a:t>1/22/2018</a:t>
+              <a:t>1/25/2018</a:t>
             </a:fld>
             <a:endParaRPr lang="en-US" dirty="0"/>
           </a:p>
@@ -4652,7 +4657,7 @@
           <a:p>
             <a:fld id="{48A87A34-81AB-432B-8DAE-1953F412C126}" type="datetimeFigureOut">
               <a:rPr lang="en-US" dirty="0"/>
-              <a:t>1/22/2018</a:t>
+              <a:t>1/25/2018</a:t>
             </a:fld>
             <a:endParaRPr lang="en-US" dirty="0"/>
           </a:p>
@@ -4843,7 +4848,7 @@
           <a:p>
             <a:fld id="{48A87A34-81AB-432B-8DAE-1953F412C126}" type="datetimeFigureOut">
               <a:rPr lang="en-US" dirty="0"/>
-              <a:t>1/22/2018</a:t>
+              <a:t>1/25/2018</a:t>
             </a:fld>
             <a:endParaRPr lang="en-US" dirty="0"/>
           </a:p>
@@ -5101,7 +5106,7 @@
           <a:p>
             <a:fld id="{48A87A34-81AB-432B-8DAE-1953F412C126}" type="datetimeFigureOut">
               <a:rPr lang="en-US" dirty="0"/>
-              <a:t>1/22/2018</a:t>
+              <a:t>1/25/2018</a:t>
             </a:fld>
             <a:endParaRPr lang="en-US" dirty="0"/>
           </a:p>
@@ -5530,7 +5535,7 @@
           <a:p>
             <a:fld id="{48A87A34-81AB-432B-8DAE-1953F412C126}" type="datetimeFigureOut">
               <a:rPr lang="en-US" dirty="0"/>
-              <a:t>1/22/2018</a:t>
+              <a:t>1/25/2018</a:t>
             </a:fld>
             <a:endParaRPr lang="en-US" dirty="0"/>
           </a:p>
@@ -6071,7 +6076,7 @@
           <a:p>
             <a:fld id="{48A87A34-81AB-432B-8DAE-1953F412C126}" type="datetimeFigureOut">
               <a:rPr lang="en-US" dirty="0"/>
-              <a:t>1/22/2018</a:t>
+              <a:t>1/25/2018</a:t>
             </a:fld>
             <a:endParaRPr lang="en-US" dirty="0"/>
           </a:p>
@@ -6786,7 +6791,7 @@
           <a:p>
             <a:fld id="{48A87A34-81AB-432B-8DAE-1953F412C126}" type="datetimeFigureOut">
               <a:rPr lang="en-US" dirty="0"/>
-              <a:t>1/22/2018</a:t>
+              <a:t>1/25/2018</a:t>
             </a:fld>
             <a:endParaRPr lang="en-US" dirty="0"/>
           </a:p>
@@ -6951,7 +6956,7 @@
           <a:p>
             <a:fld id="{48A87A34-81AB-432B-8DAE-1953F412C126}" type="datetimeFigureOut">
               <a:rPr lang="en-US" dirty="0"/>
-              <a:t>1/22/2018</a:t>
+              <a:t>1/25/2018</a:t>
             </a:fld>
             <a:endParaRPr lang="en-US" dirty="0"/>
           </a:p>
@@ -7126,7 +7131,7 @@
           <a:p>
             <a:fld id="{48A87A34-81AB-432B-8DAE-1953F412C126}" type="datetimeFigureOut">
               <a:rPr lang="en-US" dirty="0"/>
-              <a:t>1/22/2018</a:t>
+              <a:t>1/25/2018</a:t>
             </a:fld>
             <a:endParaRPr lang="en-US" dirty="0"/>
           </a:p>
@@ -7291,7 +7296,7 @@
           <a:p>
             <a:fld id="{48A87A34-81AB-432B-8DAE-1953F412C126}" type="datetimeFigureOut">
               <a:rPr lang="en-US" dirty="0"/>
-              <a:t>1/22/2018</a:t>
+              <a:t>1/25/2018</a:t>
             </a:fld>
             <a:endParaRPr lang="en-US" dirty="0"/>
           </a:p>
@@ -7536,7 +7541,7 @@
           <a:p>
             <a:fld id="{48A87A34-81AB-432B-8DAE-1953F412C126}" type="datetimeFigureOut">
               <a:rPr lang="en-US" dirty="0"/>
-              <a:t>1/22/2018</a:t>
+              <a:t>1/25/2018</a:t>
             </a:fld>
             <a:endParaRPr lang="en-US" dirty="0"/>
           </a:p>
@@ -7763,7 +7768,7 @@
           <a:p>
             <a:fld id="{48A87A34-81AB-432B-8DAE-1953F412C126}" type="datetimeFigureOut">
               <a:rPr lang="en-US" dirty="0"/>
-              <a:t>1/22/2018</a:t>
+              <a:t>1/25/2018</a:t>
             </a:fld>
             <a:endParaRPr lang="en-US" dirty="0"/>
           </a:p>
@@ -8139,7 +8144,7 @@
           <a:p>
             <a:fld id="{48A87A34-81AB-432B-8DAE-1953F412C126}" type="datetimeFigureOut">
               <a:rPr lang="en-US" dirty="0"/>
-              <a:t>1/22/2018</a:t>
+              <a:t>1/25/2018</a:t>
             </a:fld>
             <a:endParaRPr lang="en-US" dirty="0"/>
           </a:p>
@@ -8252,7 +8257,7 @@
           <a:p>
             <a:fld id="{48A87A34-81AB-432B-8DAE-1953F412C126}" type="datetimeFigureOut">
               <a:rPr lang="en-US" dirty="0"/>
-              <a:t>1/22/2018</a:t>
+              <a:t>1/25/2018</a:t>
             </a:fld>
             <a:endParaRPr lang="en-US" dirty="0"/>
           </a:p>
@@ -8342,7 +8347,7 @@
           <a:p>
             <a:fld id="{48A87A34-81AB-432B-8DAE-1953F412C126}" type="datetimeFigureOut">
               <a:rPr lang="en-US" dirty="0"/>
-              <a:t>1/22/2018</a:t>
+              <a:t>1/25/2018</a:t>
             </a:fld>
             <a:endParaRPr lang="en-US" dirty="0"/>
           </a:p>
@@ -8586,7 +8591,7 @@
           <a:p>
             <a:fld id="{48A87A34-81AB-432B-8DAE-1953F412C126}" type="datetimeFigureOut">
               <a:rPr lang="en-US" dirty="0"/>
-              <a:t>1/22/2018</a:t>
+              <a:t>1/25/2018</a:t>
             </a:fld>
             <a:endParaRPr lang="en-US" dirty="0"/>
           </a:p>
@@ -8861,7 +8866,7 @@
           <a:p>
             <a:fld id="{48A87A34-81AB-432B-8DAE-1953F412C126}" type="datetimeFigureOut">
               <a:rPr lang="en-US" dirty="0"/>
-              <a:t>1/22/2018</a:t>
+              <a:t>1/25/2018</a:t>
             </a:fld>
             <a:endParaRPr lang="en-US" dirty="0"/>
           </a:p>
@@ -8972,7 +8977,7 @@
           <a:noFill/>
           <a:extLst>
             <a:ext uri="{909E8E84-426E-40dd-AFC4-6F175D3DCCD1}">
-              <a14:hiddenFill xmlns:a14="http://schemas.microsoft.com/office/drawing/2010/main" xmlns="">
+              <a14:hiddenFill xmlns="" xmlns:a14="http://schemas.microsoft.com/office/drawing/2010/main">
                 <a:solidFill>
                   <a:srgbClr val="FFFFFF"/>
                 </a:solidFill>
@@ -9046,7 +9051,7 @@
               </a:ln>
               <a:extLst>
                 <a:ext uri="{91240B29-F687-4f45-9708-019B960494DF}">
-                  <a14:hiddenLine xmlns:a14="http://schemas.microsoft.com/office/drawing/2010/main" xmlns="" w="9525">
+                  <a14:hiddenLine xmlns="" xmlns:a14="http://schemas.microsoft.com/office/drawing/2010/main" w="9525">
                     <a:solidFill>
                       <a:srgbClr val="000000"/>
                     </a:solidFill>
@@ -9136,7 +9141,7 @@
               </a:ln>
               <a:extLst>
                 <a:ext uri="{91240B29-F687-4f45-9708-019B960494DF}">
-                  <a14:hiddenLine xmlns:a14="http://schemas.microsoft.com/office/drawing/2010/main" xmlns="" w="9525">
+                  <a14:hiddenLine xmlns="" xmlns:a14="http://schemas.microsoft.com/office/drawing/2010/main" w="9525">
                     <a:solidFill>
                       <a:srgbClr val="000000"/>
                     </a:solidFill>
@@ -9226,7 +9231,7 @@
               </a:ln>
               <a:extLst>
                 <a:ext uri="{91240B29-F687-4f45-9708-019B960494DF}">
-                  <a14:hiddenLine xmlns:a14="http://schemas.microsoft.com/office/drawing/2010/main" xmlns="" w="9525">
+                  <a14:hiddenLine xmlns="" xmlns:a14="http://schemas.microsoft.com/office/drawing/2010/main" w="9525">
                     <a:solidFill>
                       <a:srgbClr val="000000"/>
                     </a:solidFill>
@@ -9288,7 +9293,7 @@
               </a:ln>
               <a:extLst>
                 <a:ext uri="{91240B29-F687-4f45-9708-019B960494DF}">
-                  <a14:hiddenLine xmlns:a14="http://schemas.microsoft.com/office/drawing/2010/main" xmlns="" w="9525">
+                  <a14:hiddenLine xmlns="" xmlns:a14="http://schemas.microsoft.com/office/drawing/2010/main" w="9525">
                     <a:solidFill>
                       <a:srgbClr val="000000"/>
                     </a:solidFill>
@@ -9378,7 +9383,7 @@
               </a:ln>
               <a:extLst>
                 <a:ext uri="{91240B29-F687-4f45-9708-019B960494DF}">
-                  <a14:hiddenLine xmlns:a14="http://schemas.microsoft.com/office/drawing/2010/main" xmlns="" w="9525">
+                  <a14:hiddenLine xmlns="" xmlns:a14="http://schemas.microsoft.com/office/drawing/2010/main" w="9525">
                     <a:solidFill>
                       <a:srgbClr val="000000"/>
                     </a:solidFill>
@@ -9440,7 +9445,7 @@
               </a:ln>
               <a:extLst>
                 <a:ext uri="{91240B29-F687-4f45-9708-019B960494DF}">
-                  <a14:hiddenLine xmlns:a14="http://schemas.microsoft.com/office/drawing/2010/main" xmlns="" w="9525">
+                  <a14:hiddenLine xmlns="" xmlns:a14="http://schemas.microsoft.com/office/drawing/2010/main" w="9525">
                     <a:solidFill>
                       <a:srgbClr val="000000"/>
                     </a:solidFill>
@@ -9502,7 +9507,7 @@
               </a:ln>
               <a:extLst>
                 <a:ext uri="{91240B29-F687-4f45-9708-019B960494DF}">
-                  <a14:hiddenLine xmlns:a14="http://schemas.microsoft.com/office/drawing/2010/main" xmlns="" w="9525">
+                  <a14:hiddenLine xmlns="" xmlns:a14="http://schemas.microsoft.com/office/drawing/2010/main" w="9525">
                     <a:solidFill>
                       <a:srgbClr val="000000"/>
                     </a:solidFill>
@@ -9592,7 +9597,7 @@
               </a:ln>
               <a:extLst>
                 <a:ext uri="{91240B29-F687-4f45-9708-019B960494DF}">
-                  <a14:hiddenLine xmlns:a14="http://schemas.microsoft.com/office/drawing/2010/main" xmlns="" w="9525">
+                  <a14:hiddenLine xmlns="" xmlns:a14="http://schemas.microsoft.com/office/drawing/2010/main" w="9525">
                     <a:solidFill>
                       <a:srgbClr val="000000"/>
                     </a:solidFill>
@@ -9682,7 +9687,7 @@
               </a:ln>
               <a:extLst>
                 <a:ext uri="{91240B29-F687-4f45-9708-019B960494DF}">
-                  <a14:hiddenLine xmlns:a14="http://schemas.microsoft.com/office/drawing/2010/main" xmlns="" w="9525">
+                  <a14:hiddenLine xmlns="" xmlns:a14="http://schemas.microsoft.com/office/drawing/2010/main" w="9525">
                     <a:solidFill>
                       <a:srgbClr val="000000"/>
                     </a:solidFill>
@@ -9744,7 +9749,7 @@
               </a:ln>
               <a:extLst>
                 <a:ext uri="{91240B29-F687-4f45-9708-019B960494DF}">
-                  <a14:hiddenLine xmlns:a14="http://schemas.microsoft.com/office/drawing/2010/main" xmlns="" w="9525">
+                  <a14:hiddenLine xmlns="" xmlns:a14="http://schemas.microsoft.com/office/drawing/2010/main" w="9525">
                     <a:solidFill>
                       <a:srgbClr val="000000"/>
                     </a:solidFill>
@@ -9854,7 +9859,7 @@
               </a:ln>
               <a:extLst>
                 <a:ext uri="{91240B29-F687-4f45-9708-019B960494DF}">
-                  <a14:hiddenLine xmlns:a14="http://schemas.microsoft.com/office/drawing/2010/main" xmlns="" w="9525">
+                  <a14:hiddenLine xmlns="" xmlns:a14="http://schemas.microsoft.com/office/drawing/2010/main" w="9525">
                     <a:solidFill>
                       <a:srgbClr val="000000"/>
                     </a:solidFill>
@@ -9938,7 +9943,7 @@
               </a:ln>
               <a:extLst>
                 <a:ext uri="{91240B29-F687-4f45-9708-019B960494DF}">
-                  <a14:hiddenLine xmlns:a14="http://schemas.microsoft.com/office/drawing/2010/main" xmlns="" w="9525">
+                  <a14:hiddenLine xmlns="" xmlns:a14="http://schemas.microsoft.com/office/drawing/2010/main" w="9525">
                     <a:solidFill>
                       <a:srgbClr val="000000"/>
                     </a:solidFill>
@@ -10000,7 +10005,7 @@
               </a:ln>
               <a:extLst>
                 <a:ext uri="{91240B29-F687-4f45-9708-019B960494DF}">
-                  <a14:hiddenLine xmlns:a14="http://schemas.microsoft.com/office/drawing/2010/main" xmlns="" w="9525">
+                  <a14:hiddenLine xmlns="" xmlns:a14="http://schemas.microsoft.com/office/drawing/2010/main" w="9525">
                     <a:solidFill>
                       <a:srgbClr val="000000"/>
                     </a:solidFill>
@@ -10062,7 +10067,7 @@
               </a:ln>
               <a:extLst>
                 <a:ext uri="{91240B29-F687-4f45-9708-019B960494DF}">
-                  <a14:hiddenLine xmlns:a14="http://schemas.microsoft.com/office/drawing/2010/main" xmlns="" w="9525">
+                  <a14:hiddenLine xmlns="" xmlns:a14="http://schemas.microsoft.com/office/drawing/2010/main" w="9525">
                     <a:solidFill>
                       <a:srgbClr val="000000"/>
                     </a:solidFill>
@@ -10152,7 +10157,7 @@
               </a:ln>
               <a:extLst>
                 <a:ext uri="{91240B29-F687-4f45-9708-019B960494DF}">
-                  <a14:hiddenLine xmlns:a14="http://schemas.microsoft.com/office/drawing/2010/main" xmlns="" w="9525">
+                  <a14:hiddenLine xmlns="" xmlns:a14="http://schemas.microsoft.com/office/drawing/2010/main" w="9525">
                     <a:solidFill>
                       <a:srgbClr val="000000"/>
                     </a:solidFill>
@@ -10186,7 +10191,7 @@
               </a:ln>
               <a:extLst>
                 <a:ext uri="{91240B29-F687-4f45-9708-019B960494DF}">
-                  <a14:hiddenLine xmlns:a14="http://schemas.microsoft.com/office/drawing/2010/main" xmlns="" w="9525">
+                  <a14:hiddenLine xmlns="" xmlns:a14="http://schemas.microsoft.com/office/drawing/2010/main" w="9525">
                     <a:solidFill>
                       <a:srgbClr val="000000"/>
                     </a:solidFill>
@@ -10251,7 +10256,7 @@
               </a:ln>
               <a:extLst>
                 <a:ext uri="{91240B29-F687-4f45-9708-019B960494DF}">
-                  <a14:hiddenLine xmlns:a14="http://schemas.microsoft.com/office/drawing/2010/main" xmlns="" w="9525">
+                  <a14:hiddenLine xmlns="" xmlns:a14="http://schemas.microsoft.com/office/drawing/2010/main" w="9525">
                     <a:solidFill>
                       <a:srgbClr val="000000"/>
                     </a:solidFill>
@@ -10341,7 +10346,7 @@
               </a:ln>
               <a:extLst>
                 <a:ext uri="{91240B29-F687-4f45-9708-019B960494DF}">
-                  <a14:hiddenLine xmlns:a14="http://schemas.microsoft.com/office/drawing/2010/main" xmlns="" w="9525">
+                  <a14:hiddenLine xmlns="" xmlns:a14="http://schemas.microsoft.com/office/drawing/2010/main" w="9525">
                     <a:solidFill>
                       <a:srgbClr val="000000"/>
                     </a:solidFill>
@@ -10403,7 +10408,7 @@
               </a:ln>
               <a:extLst>
                 <a:ext uri="{91240B29-F687-4f45-9708-019B960494DF}">
-                  <a14:hiddenLine xmlns:a14="http://schemas.microsoft.com/office/drawing/2010/main" xmlns="" w="9525">
+                  <a14:hiddenLine xmlns="" xmlns:a14="http://schemas.microsoft.com/office/drawing/2010/main" w="9525">
                     <a:solidFill>
                       <a:srgbClr val="000000"/>
                     </a:solidFill>
@@ -10493,7 +10498,7 @@
               </a:ln>
               <a:extLst>
                 <a:ext uri="{91240B29-F687-4f45-9708-019B960494DF}">
-                  <a14:hiddenLine xmlns:a14="http://schemas.microsoft.com/office/drawing/2010/main" xmlns="" w="9525">
+                  <a14:hiddenLine xmlns="" xmlns:a14="http://schemas.microsoft.com/office/drawing/2010/main" w="9525">
                     <a:solidFill>
                       <a:srgbClr val="000000"/>
                     </a:solidFill>
@@ -10558,7 +10563,7 @@
               </a:ln>
               <a:extLst>
                 <a:ext uri="{91240B29-F687-4f45-9708-019B960494DF}">
-                  <a14:hiddenLine xmlns:a14="http://schemas.microsoft.com/office/drawing/2010/main" xmlns="" w="9525">
+                  <a14:hiddenLine xmlns="" xmlns:a14="http://schemas.microsoft.com/office/drawing/2010/main" w="9525">
                     <a:solidFill>
                       <a:srgbClr val="000000"/>
                     </a:solidFill>
@@ -10620,7 +10625,7 @@
               </a:ln>
               <a:extLst>
                 <a:ext uri="{91240B29-F687-4f45-9708-019B960494DF}">
-                  <a14:hiddenLine xmlns:a14="http://schemas.microsoft.com/office/drawing/2010/main" xmlns="" w="9525">
+                  <a14:hiddenLine xmlns="" xmlns:a14="http://schemas.microsoft.com/office/drawing/2010/main" w="9525">
                     <a:solidFill>
                       <a:srgbClr val="000000"/>
                     </a:solidFill>
@@ -10710,7 +10715,7 @@
               </a:ln>
               <a:extLst>
                 <a:ext uri="{91240B29-F687-4f45-9708-019B960494DF}">
-                  <a14:hiddenLine xmlns:a14="http://schemas.microsoft.com/office/drawing/2010/main" xmlns="" w="9525">
+                  <a14:hiddenLine xmlns="" xmlns:a14="http://schemas.microsoft.com/office/drawing/2010/main" w="9525">
                     <a:solidFill>
                       <a:srgbClr val="000000"/>
                     </a:solidFill>
@@ -10800,7 +10805,7 @@
               </a:ln>
               <a:extLst>
                 <a:ext uri="{91240B29-F687-4f45-9708-019B960494DF}">
-                  <a14:hiddenLine xmlns:a14="http://schemas.microsoft.com/office/drawing/2010/main" xmlns="" w="9525">
+                  <a14:hiddenLine xmlns="" xmlns:a14="http://schemas.microsoft.com/office/drawing/2010/main" w="9525">
                     <a:solidFill>
                       <a:srgbClr val="000000"/>
                     </a:solidFill>
@@ -10865,7 +10870,7 @@
               </a:ln>
               <a:extLst>
                 <a:ext uri="{91240B29-F687-4f45-9708-019B960494DF}">
-                  <a14:hiddenLine xmlns:a14="http://schemas.microsoft.com/office/drawing/2010/main" xmlns="" w="9525">
+                  <a14:hiddenLine xmlns="" xmlns:a14="http://schemas.microsoft.com/office/drawing/2010/main" w="9525">
                     <a:solidFill>
                       <a:srgbClr val="000000"/>
                     </a:solidFill>
@@ -10985,7 +10990,7 @@
               </a:ln>
               <a:extLst>
                 <a:ext uri="{91240B29-F687-4f45-9708-019B960494DF}">
-                  <a14:hiddenLine xmlns:a14="http://schemas.microsoft.com/office/drawing/2010/main" xmlns="" w="9525">
+                  <a14:hiddenLine xmlns="" xmlns:a14="http://schemas.microsoft.com/office/drawing/2010/main" w="9525">
                     <a:solidFill>
                       <a:srgbClr val="000000"/>
                     </a:solidFill>
@@ -11083,7 +11088,7 @@
               </a:ln>
               <a:extLst>
                 <a:ext uri="{91240B29-F687-4f45-9708-019B960494DF}">
-                  <a14:hiddenLine xmlns:a14="http://schemas.microsoft.com/office/drawing/2010/main" xmlns="" w="9525">
+                  <a14:hiddenLine xmlns="" xmlns:a14="http://schemas.microsoft.com/office/drawing/2010/main" w="9525">
                     <a:solidFill>
                       <a:srgbClr val="000000"/>
                     </a:solidFill>
@@ -11198,7 +11203,7 @@
               </a:ln>
               <a:extLst>
                 <a:ext uri="{91240B29-F687-4f45-9708-019B960494DF}">
-                  <a14:hiddenLine xmlns:a14="http://schemas.microsoft.com/office/drawing/2010/main" xmlns="" w="9525">
+                  <a14:hiddenLine xmlns="" xmlns:a14="http://schemas.microsoft.com/office/drawing/2010/main" w="9525">
                     <a:solidFill>
                       <a:srgbClr val="000000"/>
                     </a:solidFill>
@@ -11288,7 +11293,7 @@
               </a:ln>
               <a:extLst>
                 <a:ext uri="{91240B29-F687-4f45-9708-019B960494DF}">
-                  <a14:hiddenLine xmlns:a14="http://schemas.microsoft.com/office/drawing/2010/main" xmlns="" w="9525">
+                  <a14:hiddenLine xmlns="" xmlns:a14="http://schemas.microsoft.com/office/drawing/2010/main" w="9525">
                     <a:solidFill>
                       <a:srgbClr val="000000"/>
                     </a:solidFill>
@@ -11353,7 +11358,7 @@
               </a:ln>
               <a:extLst>
                 <a:ext uri="{91240B29-F687-4f45-9708-019B960494DF}">
-                  <a14:hiddenLine xmlns:a14="http://schemas.microsoft.com/office/drawing/2010/main" xmlns="" w="9525">
+                  <a14:hiddenLine xmlns="" xmlns:a14="http://schemas.microsoft.com/office/drawing/2010/main" w="9525">
                     <a:solidFill>
                       <a:srgbClr val="000000"/>
                     </a:solidFill>
@@ -11443,7 +11448,7 @@
               </a:ln>
               <a:extLst>
                 <a:ext uri="{91240B29-F687-4f45-9708-019B960494DF}">
-                  <a14:hiddenLine xmlns:a14="http://schemas.microsoft.com/office/drawing/2010/main" xmlns="" w="9525">
+                  <a14:hiddenLine xmlns="" xmlns:a14="http://schemas.microsoft.com/office/drawing/2010/main" w="9525">
                     <a:solidFill>
                       <a:srgbClr val="000000"/>
                     </a:solidFill>
@@ -11511,7 +11516,7 @@
               </a:ln>
               <a:extLst>
                 <a:ext uri="{91240B29-F687-4f45-9708-019B960494DF}">
-                  <a14:hiddenLine xmlns:a14="http://schemas.microsoft.com/office/drawing/2010/main" xmlns="" w="9525">
+                  <a14:hiddenLine xmlns="" xmlns:a14="http://schemas.microsoft.com/office/drawing/2010/main" w="9525">
                     <a:solidFill>
                       <a:srgbClr val="000000"/>
                     </a:solidFill>
@@ -11601,7 +11606,7 @@
               </a:ln>
               <a:extLst>
                 <a:ext uri="{91240B29-F687-4f45-9708-019B960494DF}">
-                  <a14:hiddenLine xmlns:a14="http://schemas.microsoft.com/office/drawing/2010/main" xmlns="" w="9525">
+                  <a14:hiddenLine xmlns="" xmlns:a14="http://schemas.microsoft.com/office/drawing/2010/main" w="9525">
                     <a:solidFill>
                       <a:srgbClr val="000000"/>
                     </a:solidFill>
@@ -11669,7 +11674,7 @@
               </a:ln>
               <a:extLst>
                 <a:ext uri="{91240B29-F687-4f45-9708-019B960494DF}">
-                  <a14:hiddenLine xmlns:a14="http://schemas.microsoft.com/office/drawing/2010/main" xmlns="" w="9525">
+                  <a14:hiddenLine xmlns="" xmlns:a14="http://schemas.microsoft.com/office/drawing/2010/main" w="9525">
                     <a:solidFill>
                       <a:srgbClr val="000000"/>
                     </a:solidFill>
@@ -11759,7 +11764,7 @@
               </a:ln>
               <a:extLst>
                 <a:ext uri="{91240B29-F687-4f45-9708-019B960494DF}">
-                  <a14:hiddenLine xmlns:a14="http://schemas.microsoft.com/office/drawing/2010/main" xmlns="" w="9525">
+                  <a14:hiddenLine xmlns="" xmlns:a14="http://schemas.microsoft.com/office/drawing/2010/main" w="9525">
                     <a:solidFill>
                       <a:srgbClr val="000000"/>
                     </a:solidFill>
@@ -11793,7 +11798,7 @@
               </a:ln>
               <a:extLst>
                 <a:ext uri="{91240B29-F687-4f45-9708-019B960494DF}">
-                  <a14:hiddenLine xmlns:a14="http://schemas.microsoft.com/office/drawing/2010/main" xmlns="" w="9525">
+                  <a14:hiddenLine xmlns="" xmlns:a14="http://schemas.microsoft.com/office/drawing/2010/main" w="9525">
                     <a:solidFill>
                       <a:srgbClr val="000000"/>
                     </a:solidFill>
@@ -11934,7 +11939,7 @@
             <a:fld id="{48A87A34-81AB-432B-8DAE-1953F412C126}" type="datetimeFigureOut">
               <a:rPr lang="en-US" dirty="0"/>
               <a:pPr/>
-              <a:t>1/22/2018</a:t>
+              <a:t>1/25/2018</a:t>
             </a:fld>
             <a:endParaRPr lang="en-US" dirty="0"/>
           </a:p>
@@ -12600,7 +12605,6 @@
               <a:rPr lang="pt-BR" sz="4400" dirty="0" smtClean="0"/>
               <a:t>Interpolação spline cúbica</a:t>
             </a:r>
-            <a:endParaRPr lang="pt-BR" sz="4400" dirty="0" smtClean="0"/>
           </a:p>
         </p:txBody>
       </p:sp>
@@ -12614,6 +12618,13 @@
   <p:clrMapOvr>
     <a:masterClrMapping/>
   </p:clrMapOvr>
+  <p:timing>
+    <p:tnLst>
+      <p:par>
+        <p:cTn id="1" dur="indefinite" restart="never" nodeType="tmRoot"/>
+      </p:par>
+    </p:tnLst>
+  </p:timing>
 </p:sld>
 </file>
 
@@ -12721,6 +12732,13 @@
   <p:clrMapOvr>
     <a:masterClrMapping/>
   </p:clrMapOvr>
+  <p:timing>
+    <p:tnLst>
+      <p:par>
+        <p:cTn id="1" dur="indefinite" restart="never" nodeType="tmRoot"/>
+      </p:par>
+    </p:tnLst>
+  </p:timing>
 </p:sld>
 </file>
 
@@ -12786,18 +12804,120 @@
         </p:nvSpPr>
         <p:spPr>
           <a:xfrm>
-            <a:off x="1141412" y="1636295"/>
-            <a:ext cx="9905999" cy="4154906"/>
+            <a:off x="1141412" y="1636294"/>
+            <a:ext cx="9905999" cy="4932947"/>
           </a:xfrm>
         </p:spPr>
         <p:txBody>
           <a:bodyPr/>
           <a:lstStyle/>
           <a:p>
+            <a:r>
+              <a:rPr lang="pt-BR" dirty="0"/>
+              <a:t>Em </a:t>
+            </a:r>
+            <a:r>
+              <a:rPr lang="pt-BR" dirty="0">
+                <a:hlinkClick r:id="rId2" tooltip="Matemática"/>
+              </a:rPr>
+              <a:t>matemática</a:t>
+            </a:r>
+            <a:r>
+              <a:rPr lang="pt-BR" dirty="0"/>
+              <a:t>, denomina-se </a:t>
+            </a:r>
+            <a:r>
+              <a:rPr lang="pt-BR" b="1" dirty="0"/>
+              <a:t>interpolação</a:t>
+            </a:r>
+            <a:r>
+              <a:rPr lang="pt-BR" dirty="0"/>
+              <a:t> o método que permite construir um novo conjunto de dados a partir de um conjunto discreto de dados pontuais previamente conhecidos</a:t>
+            </a:r>
+            <a:r>
+              <a:rPr lang="pt-BR" dirty="0" smtClean="0"/>
+              <a:t>.</a:t>
+            </a:r>
+          </a:p>
+          <a:p>
+            <a:r>
+              <a:rPr lang="pt-BR" dirty="0"/>
+              <a:t>Através da interpolação, pode-se construir uma </a:t>
+            </a:r>
+            <a:r>
+              <a:rPr lang="pt-BR" dirty="0">
+                <a:hlinkClick r:id="rId3" tooltip="Função (matemática)"/>
+              </a:rPr>
+              <a:t>função</a:t>
+            </a:r>
+            <a:r>
+              <a:rPr lang="pt-BR" dirty="0"/>
+              <a:t> que aproximadamente se "encaixe" nestes dados pontuais, conferindo-lhes, então, a continuidade desejada.</a:t>
+            </a:r>
             <a:endParaRPr lang="pt-BR" dirty="0"/>
           </a:p>
         </p:txBody>
       </p:sp>
+      <p:pic>
+        <p:nvPicPr>
+          <p:cNvPr id="5" name="Image 4"/>
+          <p:cNvPicPr>
+            <a:picLocks noChangeAspect="1"/>
+          </p:cNvPicPr>
+          <p:nvPr/>
+        </p:nvPicPr>
+        <p:blipFill>
+          <a:blip r:embed="rId4">
+            <a:extLst>
+              <a:ext uri="{28A0092B-C50C-407E-A947-70E740481C1C}">
+                <a14:useLocalDpi xmlns:a14="http://schemas.microsoft.com/office/drawing/2010/main" val="0"/>
+              </a:ext>
+            </a:extLst>
+          </a:blip>
+          <a:stretch>
+            <a:fillRect/>
+          </a:stretch>
+        </p:blipFill>
+        <p:spPr>
+          <a:xfrm>
+            <a:off x="6807053" y="4379495"/>
+            <a:ext cx="3227284" cy="2187740"/>
+          </a:xfrm>
+          <a:prstGeom prst="rect">
+            <a:avLst/>
+          </a:prstGeom>
+        </p:spPr>
+      </p:pic>
+      <p:pic>
+        <p:nvPicPr>
+          <p:cNvPr id="6" name="Image 5"/>
+          <p:cNvPicPr>
+            <a:picLocks noChangeAspect="1"/>
+          </p:cNvPicPr>
+          <p:nvPr/>
+        </p:nvPicPr>
+        <p:blipFill>
+          <a:blip r:embed="rId5">
+            <a:extLst>
+              <a:ext uri="{28A0092B-C50C-407E-A947-70E740481C1C}">
+                <a14:useLocalDpi xmlns:a14="http://schemas.microsoft.com/office/drawing/2010/main" val="0"/>
+              </a:ext>
+            </a:extLst>
+          </a:blip>
+          <a:stretch>
+            <a:fillRect/>
+          </a:stretch>
+        </p:blipFill>
+        <p:spPr>
+          <a:xfrm>
+            <a:off x="2165684" y="4379495"/>
+            <a:ext cx="2782261" cy="2189746"/>
+          </a:xfrm>
+          <a:prstGeom prst="rect">
+            <a:avLst/>
+          </a:prstGeom>
+        </p:spPr>
+      </p:pic>
     </p:spTree>
     <p:extLst>
       <p:ext uri="{BB962C8B-B14F-4D97-AF65-F5344CB8AC3E}">
@@ -12808,6 +12928,13 @@
   <p:clrMapOvr>
     <a:masterClrMapping/>
   </p:clrMapOvr>
+  <p:timing>
+    <p:tnLst>
+      <p:par>
+        <p:cTn id="1" dur="indefinite" restart="never" nodeType="tmRoot"/>
+      </p:par>
+    </p:tnLst>
+  </p:timing>
 </p:sld>
 </file>
 
@@ -12873,18 +13000,142 @@
         </p:nvSpPr>
         <p:spPr>
           <a:xfrm>
-            <a:off x="1141412" y="1660358"/>
+            <a:off x="1141412" y="1490281"/>
             <a:ext cx="9905999" cy="4130843"/>
           </a:xfrm>
         </p:spPr>
         <p:txBody>
-          <a:bodyPr/>
+          <a:bodyPr>
+            <a:normAutofit/>
+          </a:bodyPr>
           <a:lstStyle/>
           <a:p>
+            <a:r>
+              <a:rPr lang="pt-BR" dirty="0" smtClean="0"/>
+              <a:t>Um</a:t>
+            </a:r>
+            <a:r>
+              <a:rPr lang="pt-BR" dirty="0"/>
+              <a:t> </a:t>
+            </a:r>
+            <a:r>
+              <a:rPr lang="pt-BR" b="1" dirty="0"/>
+              <a:t>spline</a:t>
+            </a:r>
+            <a:r>
+              <a:rPr lang="pt-BR" dirty="0"/>
+              <a:t> é uma </a:t>
+            </a:r>
+            <a:r>
+              <a:rPr lang="pt-BR" dirty="0">
+                <a:hlinkClick r:id="rId2" tooltip="Curva"/>
+              </a:rPr>
+              <a:t>curva</a:t>
+            </a:r>
+            <a:r>
+              <a:rPr lang="pt-BR" dirty="0"/>
+              <a:t> definida matematicamente por dois ou mais </a:t>
+            </a:r>
+            <a:r>
+              <a:rPr lang="pt-BR" i="1" dirty="0"/>
+              <a:t>pontos de controle</a:t>
+            </a:r>
+            <a:r>
+              <a:rPr lang="pt-BR" dirty="0"/>
+              <a:t>. Os pontos de controle que ficam na curva são chamados de </a:t>
+            </a:r>
+            <a:r>
+              <a:rPr lang="pt-BR" i="1" dirty="0"/>
+              <a:t>nós</a:t>
+            </a:r>
+            <a:r>
+              <a:rPr lang="pt-BR" dirty="0"/>
+              <a:t>. Os demais pontos definem a </a:t>
+            </a:r>
+            <a:r>
+              <a:rPr lang="pt-BR" dirty="0">
+                <a:hlinkClick r:id="rId3" tooltip="Tangente"/>
+              </a:rPr>
+              <a:t>tangente</a:t>
+            </a:r>
+            <a:r>
+              <a:rPr lang="pt-BR" dirty="0"/>
+              <a:t> à curva em seus respectivos </a:t>
+            </a:r>
+            <a:r>
+              <a:rPr lang="pt-BR" i="1" dirty="0">
+                <a:hlinkClick r:id="rId4" tooltip="Nodo"/>
+              </a:rPr>
+              <a:t>nós</a:t>
+            </a:r>
+            <a:r>
+              <a:rPr lang="pt-BR" dirty="0"/>
+              <a:t>. Por exemplo, a </a:t>
+            </a:r>
+            <a:r>
+              <a:rPr lang="pt-BR" dirty="0">
+                <a:hlinkClick r:id="rId5" tooltip="Curva de Bézier"/>
+              </a:rPr>
+              <a:t>curva de Bézier</a:t>
+            </a:r>
+            <a:r>
+              <a:rPr lang="pt-BR" dirty="0"/>
+              <a:t> definida pelos pontos (A, B, C e D) é delimitada pelos nós A e D e nesses nós, a curva é tangente ao </a:t>
+            </a:r>
+            <a:r>
+              <a:rPr lang="pt-BR" dirty="0">
+                <a:hlinkClick r:id="rId6" tooltip="Vetor (matemática)"/>
+              </a:rPr>
+              <a:t>vetores</a:t>
+            </a:r>
+            <a:r>
+              <a:rPr lang="pt-BR" dirty="0"/>
+              <a:t> AB e DC respectivamente. Variando as posições dos pontos B e C, a curva apenas varia sua </a:t>
+            </a:r>
+            <a:r>
+              <a:rPr lang="pt-BR" dirty="0">
+                <a:hlinkClick r:id="rId7" tooltip="Inclinação"/>
+              </a:rPr>
+              <a:t>inclinação</a:t>
+            </a:r>
+            <a:r>
+              <a:rPr lang="pt-BR" dirty="0"/>
+              <a:t>, mas continua passando pelos pontos A e D.</a:t>
+            </a:r>
             <a:endParaRPr lang="pt-BR" dirty="0"/>
           </a:p>
         </p:txBody>
       </p:sp>
+      <p:pic>
+        <p:nvPicPr>
+          <p:cNvPr id="4" name="Image 3"/>
+          <p:cNvPicPr>
+            <a:picLocks noChangeAspect="1"/>
+          </p:cNvPicPr>
+          <p:nvPr/>
+        </p:nvPicPr>
+        <p:blipFill>
+          <a:blip r:embed="rId8">
+            <a:extLst>
+              <a:ext uri="{28A0092B-C50C-407E-A947-70E740481C1C}">
+                <a14:useLocalDpi xmlns:a14="http://schemas.microsoft.com/office/drawing/2010/main" val="0"/>
+              </a:ext>
+            </a:extLst>
+          </a:blip>
+          <a:stretch>
+            <a:fillRect/>
+          </a:stretch>
+        </p:blipFill>
+        <p:spPr>
+          <a:xfrm>
+            <a:off x="4054643" y="4348152"/>
+            <a:ext cx="3512310" cy="2209060"/>
+          </a:xfrm>
+          <a:prstGeom prst="rect">
+            <a:avLst/>
+          </a:prstGeom>
+        </p:spPr>
+      </p:pic>
     </p:spTree>
     <p:extLst>
       <p:ext uri="{BB962C8B-B14F-4D97-AF65-F5344CB8AC3E}">
@@ -12895,6 +13146,13 @@
   <p:clrMapOvr>
     <a:masterClrMapping/>
   </p:clrMapOvr>
+  <p:timing>
+    <p:tnLst>
+      <p:par>
+        <p:cTn id="1" dur="indefinite" restart="never" nodeType="tmRoot"/>
+      </p:par>
+    </p:tnLst>
+  </p:timing>
 </p:sld>
 </file>
 
@@ -12962,15 +13220,132 @@
         </p:nvSpPr>
         <p:spPr>
           <a:xfrm>
-            <a:off x="1141412" y="1515979"/>
-            <a:ext cx="9905999" cy="4275222"/>
+            <a:off x="1141413" y="1612232"/>
+            <a:ext cx="6763334" cy="2382253"/>
           </a:xfrm>
         </p:spPr>
         <p:txBody>
-          <a:bodyPr/>
+          <a:bodyPr>
+            <a:normAutofit fontScale="85000" lnSpcReduction="10000"/>
+          </a:bodyPr>
           <a:lstStyle/>
           <a:p>
-            <a:endParaRPr lang="pt-BR"/>
+            <a:pPr algn="just"/>
+            <a:r>
+              <a:rPr lang="pt-BR" dirty="0"/>
+              <a:t>O conceito de spline originou-se de uma tecnica de desenho na qual era usada uma faixa </a:t>
+            </a:r>
+            <a:r>
+              <a:rPr lang="pt-BR" dirty="0" smtClean="0"/>
+              <a:t>fina </a:t>
+            </a:r>
+            <a:r>
+              <a:rPr lang="pt-BR" dirty="0"/>
+              <a:t>e flexivel (chamada spline) para desenhar uma curva lisa passando por um conjunto </a:t>
+            </a:r>
+            <a:r>
+              <a:rPr lang="pt-BR" dirty="0" smtClean="0"/>
+              <a:t>de pontos</a:t>
+            </a:r>
+            <a:r>
+              <a:rPr lang="pt-BR" dirty="0"/>
+              <a:t>. Nesta tecnica, o desenhista coloca papel sobre uma tabua de madeira prega tachinhas, ou pinos </a:t>
+            </a:r>
+            <a:r>
+              <a:rPr lang="pt-BR" dirty="0" smtClean="0"/>
+              <a:t>no papel </a:t>
+            </a:r>
+            <a:r>
+              <a:rPr lang="pt-BR" dirty="0"/>
+              <a:t>(e na tabua) nas posições dos pontos dados. </a:t>
+            </a:r>
+            <a:endParaRPr lang="pt-BR" dirty="0" smtClean="0"/>
+          </a:p>
+          <a:p>
+            <a:endParaRPr lang="pt-BR" dirty="0"/>
+          </a:p>
+        </p:txBody>
+      </p:sp>
+      <p:pic>
+        <p:nvPicPr>
+          <p:cNvPr id="4" name="Image 3"/>
+          <p:cNvPicPr>
+            <a:picLocks noChangeAspect="1"/>
+          </p:cNvPicPr>
+          <p:nvPr/>
+        </p:nvPicPr>
+        <p:blipFill rotWithShape="1">
+          <a:blip r:embed="rId2">
+            <a:duotone>
+              <a:prstClr val="black"/>
+              <a:schemeClr val="accent5">
+                <a:tint val="45000"/>
+                <a:satMod val="400000"/>
+              </a:schemeClr>
+            </a:duotone>
+            <a:extLst>
+              <a:ext uri="{28A0092B-C50C-407E-A947-70E740481C1C}">
+                <a14:useLocalDpi xmlns:a14="http://schemas.microsoft.com/office/drawing/2010/main" val="0"/>
+              </a:ext>
+            </a:extLst>
+          </a:blip>
+          <a:srcRect l="4434" t="8626" r="5929" b="5153"/>
+          <a:stretch/>
+        </p:blipFill>
+        <p:spPr>
+          <a:xfrm>
+            <a:off x="7904747" y="1612233"/>
+            <a:ext cx="3275012" cy="2382252"/>
+          </a:xfrm>
+          <a:prstGeom prst="rect">
+            <a:avLst/>
+          </a:prstGeom>
+        </p:spPr>
+      </p:pic>
+      <p:sp>
+        <p:nvSpPr>
+          <p:cNvPr id="6" name="ZoneTexte 5"/>
+          <p:cNvSpPr txBox="1"/>
+          <p:nvPr/>
+        </p:nvSpPr>
+        <p:spPr>
+          <a:xfrm>
+            <a:off x="1250490" y="4174959"/>
+            <a:ext cx="9929269" cy="1384995"/>
+          </a:xfrm>
+          <a:prstGeom prst="rect">
+            <a:avLst/>
+          </a:prstGeom>
+          <a:noFill/>
+        </p:spPr>
+        <p:txBody>
+          <a:bodyPr wrap="square" rtlCol="0">
+            <a:spAutoFit/>
+          </a:bodyPr>
+          <a:lstStyle/>
+          <a:p>
+            <a:pPr marL="228600" indent="-228600" algn="just" defTabSz="914400">
+              <a:lnSpc>
+                <a:spcPct val="110000"/>
+              </a:lnSpc>
+              <a:spcBef>
+                <a:spcPts val="1000"/>
+              </a:spcBef>
+              <a:buSzPct val="125000"/>
+              <a:buFont typeface="Arial" panose="020B0604020202020204" pitchFamily="34" charset="0"/>
+              <a:buChar char="•"/>
+            </a:pPr>
+            <a:r>
+              <a:rPr lang="pt-BR" dirty="0"/>
+              <a:t> </a:t>
+            </a:r>
+            <a:r>
+              <a:rPr lang="pt-BR" sz="2000" dirty="0"/>
+              <a:t>As curvas de terceiro grau usadas para conectar cada par de pontos dados são chamadas de splines cubicos. Essas funções podem ser construıdas de modo que as conexões entre equações cubicas adjacentes sejam visualmente lisas.</a:t>
+            </a:r>
+          </a:p>
+          <a:p>
+            <a:endParaRPr lang="pt-BR" dirty="0"/>
           </a:p>
         </p:txBody>
       </p:sp>
@@ -12984,6 +13359,13 @@
   <p:clrMapOvr>
     <a:masterClrMapping/>
   </p:clrMapOvr>
+  <p:timing>
+    <p:tnLst>
+      <p:par>
+        <p:cTn id="1" dur="indefinite" restart="never" nodeType="tmRoot"/>
+      </p:par>
+    </p:tnLst>
+  </p:timing>
 </p:sld>
 </file>
 
@@ -13071,6 +13453,13 @@
   <p:clrMapOvr>
     <a:masterClrMapping/>
   </p:clrMapOvr>
+  <p:timing>
+    <p:tnLst>
+      <p:par>
+        <p:cTn id="1" dur="indefinite" restart="never" nodeType="tmRoot"/>
+      </p:par>
+    </p:tnLst>
+  </p:timing>
 </p:sld>
 </file>
 
@@ -13116,7 +13505,15 @@
             <a:pPr algn="ctr"/>
             <a:r>
               <a:rPr lang="pt-BR" dirty="0"/>
-              <a:t>Em Que dominios é usadoa Interposição spline cubico </a:t>
+              <a:t>Em Que dominios é </a:t>
+            </a:r>
+            <a:r>
+              <a:rPr lang="pt-BR" dirty="0" smtClean="0"/>
+              <a:t>usado a </a:t>
+            </a:r>
+            <a:r>
+              <a:rPr lang="pt-BR" dirty="0"/>
+              <a:t>Interposição spline cubico </a:t>
             </a:r>
             <a:r>
               <a:rPr lang="pt-BR" dirty="0" smtClean="0"/>
@@ -13160,6 +13557,13 @@
   <p:clrMapOvr>
     <a:masterClrMapping/>
   </p:clrMapOvr>
+  <p:timing>
+    <p:tnLst>
+      <p:par>
+        <p:cTn id="1" dur="indefinite" restart="never" nodeType="tmRoot"/>
+      </p:par>
+    </p:tnLst>
+  </p:timing>
 </p:sld>
 </file>
 
@@ -13246,6 +13650,13 @@
   <p:clrMapOvr>
     <a:masterClrMapping/>
   </p:clrMapOvr>
+  <p:timing>
+    <p:tnLst>
+      <p:par>
+        <p:cTn id="1" dur="indefinite" restart="never" nodeType="tmRoot"/>
+      </p:par>
+    </p:tnLst>
+  </p:timing>
 </p:sld>
 </file>
 

--- a/RechercheInterpolaçãoSpline/InterpolaçãoSplineCubica.pptx
+++ b/RechercheInterpolaçãoSpline/InterpolaçãoSplineCubica.pptx
@@ -11,8 +11,11 @@
     <p:sldId id="259" r:id="rId5"/>
     <p:sldId id="260" r:id="rId6"/>
     <p:sldId id="261" r:id="rId7"/>
-    <p:sldId id="262" r:id="rId8"/>
-    <p:sldId id="263" r:id="rId9"/>
+    <p:sldId id="264" r:id="rId8"/>
+    <p:sldId id="265" r:id="rId9"/>
+    <p:sldId id="266" r:id="rId10"/>
+    <p:sldId id="262" r:id="rId11"/>
+    <p:sldId id="263" r:id="rId12"/>
   </p:sldIdLst>
   <p:sldSz cx="12192000" cy="6858000"/>
   <p:notesSz cx="6858000" cy="9144000"/>
@@ -169,7 +172,7 @@
           <a:noFill/>
           <a:extLst>
             <a:ext uri="{909E8E84-426E-40dd-AFC4-6F175D3DCCD1}">
-              <a14:hiddenFill xmlns="" xmlns:a14="http://schemas.microsoft.com/office/drawing/2010/main">
+              <a14:hiddenFill xmlns:a14="http://schemas.microsoft.com/office/drawing/2010/main" xmlns="">
                 <a:solidFill>
                   <a:srgbClr val="FFFFFF"/>
                 </a:solidFill>
@@ -229,7 +232,7 @@
             </a:ln>
             <a:extLst>
               <a:ext uri="{91240B29-F687-4f45-9708-019B960494DF}">
-                <a14:hiddenLine xmlns="" xmlns:a14="http://schemas.microsoft.com/office/drawing/2010/main" w="9525">
+                <a14:hiddenLine xmlns:a14="http://schemas.microsoft.com/office/drawing/2010/main" xmlns="" w="9525">
                   <a:solidFill>
                     <a:srgbClr val="000000"/>
                   </a:solidFill>
@@ -319,7 +322,7 @@
             </a:ln>
             <a:extLst>
               <a:ext uri="{91240B29-F687-4f45-9708-019B960494DF}">
-                <a14:hiddenLine xmlns="" xmlns:a14="http://schemas.microsoft.com/office/drawing/2010/main" w="9525">
+                <a14:hiddenLine xmlns:a14="http://schemas.microsoft.com/office/drawing/2010/main" xmlns="" w="9525">
                   <a:solidFill>
                     <a:srgbClr val="000000"/>
                   </a:solidFill>
@@ -409,7 +412,7 @@
             </a:ln>
             <a:extLst>
               <a:ext uri="{91240B29-F687-4f45-9708-019B960494DF}">
-                <a14:hiddenLine xmlns="" xmlns:a14="http://schemas.microsoft.com/office/drawing/2010/main" w="9525">
+                <a14:hiddenLine xmlns:a14="http://schemas.microsoft.com/office/drawing/2010/main" xmlns="" w="9525">
                   <a:solidFill>
                     <a:srgbClr val="000000"/>
                   </a:solidFill>
@@ -443,7 +446,7 @@
             </a:ln>
             <a:extLst>
               <a:ext uri="{91240B29-F687-4f45-9708-019B960494DF}">
-                <a14:hiddenLine xmlns="" xmlns:a14="http://schemas.microsoft.com/office/drawing/2010/main" w="9525">
+                <a14:hiddenLine xmlns:a14="http://schemas.microsoft.com/office/drawing/2010/main" xmlns="" w="9525">
                   <a:solidFill>
                     <a:srgbClr val="000000"/>
                   </a:solidFill>
@@ -533,7 +536,7 @@
             </a:ln>
             <a:extLst>
               <a:ext uri="{91240B29-F687-4f45-9708-019B960494DF}">
-                <a14:hiddenLine xmlns="" xmlns:a14="http://schemas.microsoft.com/office/drawing/2010/main" w="9525">
+                <a14:hiddenLine xmlns:a14="http://schemas.microsoft.com/office/drawing/2010/main" xmlns="" w="9525">
                   <a:solidFill>
                     <a:srgbClr val="000000"/>
                   </a:solidFill>
@@ -595,7 +598,7 @@
             </a:ln>
             <a:extLst>
               <a:ext uri="{91240B29-F687-4f45-9708-019B960494DF}">
-                <a14:hiddenLine xmlns="" xmlns:a14="http://schemas.microsoft.com/office/drawing/2010/main" w="9525">
+                <a14:hiddenLine xmlns:a14="http://schemas.microsoft.com/office/drawing/2010/main" xmlns="" w="9525">
                   <a:solidFill>
                     <a:srgbClr val="000000"/>
                   </a:solidFill>
@@ -657,7 +660,7 @@
             </a:ln>
             <a:extLst>
               <a:ext uri="{91240B29-F687-4f45-9708-019B960494DF}">
-                <a14:hiddenLine xmlns="" xmlns:a14="http://schemas.microsoft.com/office/drawing/2010/main" w="9525">
+                <a14:hiddenLine xmlns:a14="http://schemas.microsoft.com/office/drawing/2010/main" xmlns="" w="9525">
                   <a:solidFill>
                     <a:srgbClr val="000000"/>
                   </a:solidFill>
@@ -747,7 +750,7 @@
             </a:ln>
             <a:extLst>
               <a:ext uri="{91240B29-F687-4f45-9708-019B960494DF}">
-                <a14:hiddenLine xmlns="" xmlns:a14="http://schemas.microsoft.com/office/drawing/2010/main" w="9525">
+                <a14:hiddenLine xmlns:a14="http://schemas.microsoft.com/office/drawing/2010/main" xmlns="" w="9525">
                   <a:solidFill>
                     <a:srgbClr val="000000"/>
                   </a:solidFill>
@@ -809,7 +812,7 @@
             </a:ln>
             <a:extLst>
               <a:ext uri="{91240B29-F687-4f45-9708-019B960494DF}">
-                <a14:hiddenLine xmlns="" xmlns:a14="http://schemas.microsoft.com/office/drawing/2010/main" w="9525">
+                <a14:hiddenLine xmlns:a14="http://schemas.microsoft.com/office/drawing/2010/main" xmlns="" w="9525">
                   <a:solidFill>
                     <a:srgbClr val="000000"/>
                   </a:solidFill>
@@ -871,7 +874,7 @@
             </a:ln>
             <a:extLst>
               <a:ext uri="{91240B29-F687-4f45-9708-019B960494DF}">
-                <a14:hiddenLine xmlns="" xmlns:a14="http://schemas.microsoft.com/office/drawing/2010/main" w="9525">
+                <a14:hiddenLine xmlns:a14="http://schemas.microsoft.com/office/drawing/2010/main" xmlns="" w="9525">
                   <a:solidFill>
                     <a:srgbClr val="000000"/>
                   </a:solidFill>
@@ -961,7 +964,7 @@
             </a:ln>
             <a:extLst>
               <a:ext uri="{91240B29-F687-4f45-9708-019B960494DF}">
-                <a14:hiddenLine xmlns="" xmlns:a14="http://schemas.microsoft.com/office/drawing/2010/main" w="9525">
+                <a14:hiddenLine xmlns:a14="http://schemas.microsoft.com/office/drawing/2010/main" xmlns="" w="9525">
                   <a:solidFill>
                     <a:srgbClr val="000000"/>
                   </a:solidFill>
@@ -1051,7 +1054,7 @@
             </a:ln>
             <a:extLst>
               <a:ext uri="{91240B29-F687-4f45-9708-019B960494DF}">
-                <a14:hiddenLine xmlns="" xmlns:a14="http://schemas.microsoft.com/office/drawing/2010/main" w="9525">
+                <a14:hiddenLine xmlns:a14="http://schemas.microsoft.com/office/drawing/2010/main" xmlns="" w="9525">
                   <a:solidFill>
                     <a:srgbClr val="000000"/>
                   </a:solidFill>
@@ -1113,7 +1116,7 @@
             </a:ln>
             <a:extLst>
               <a:ext uri="{91240B29-F687-4f45-9708-019B960494DF}">
-                <a14:hiddenLine xmlns="" xmlns:a14="http://schemas.microsoft.com/office/drawing/2010/main" w="9525">
+                <a14:hiddenLine xmlns:a14="http://schemas.microsoft.com/office/drawing/2010/main" xmlns="" w="9525">
                   <a:solidFill>
                     <a:srgbClr val="000000"/>
                   </a:solidFill>
@@ -1223,7 +1226,7 @@
             </a:ln>
             <a:extLst>
               <a:ext uri="{91240B29-F687-4f45-9708-019B960494DF}">
-                <a14:hiddenLine xmlns="" xmlns:a14="http://schemas.microsoft.com/office/drawing/2010/main" w="9525">
+                <a14:hiddenLine xmlns:a14="http://schemas.microsoft.com/office/drawing/2010/main" xmlns="" w="9525">
                   <a:solidFill>
                     <a:srgbClr val="000000"/>
                   </a:solidFill>
@@ -1285,7 +1288,7 @@
             </a:ln>
             <a:extLst>
               <a:ext uri="{91240B29-F687-4f45-9708-019B960494DF}">
-                <a14:hiddenLine xmlns="" xmlns:a14="http://schemas.microsoft.com/office/drawing/2010/main" w="9525">
+                <a14:hiddenLine xmlns:a14="http://schemas.microsoft.com/office/drawing/2010/main" xmlns="" w="9525">
                   <a:solidFill>
                     <a:srgbClr val="000000"/>
                   </a:solidFill>
@@ -1375,7 +1378,7 @@
             </a:ln>
             <a:extLst>
               <a:ext uri="{91240B29-F687-4f45-9708-019B960494DF}">
-                <a14:hiddenLine xmlns="" xmlns:a14="http://schemas.microsoft.com/office/drawing/2010/main" w="9525">
+                <a14:hiddenLine xmlns:a14="http://schemas.microsoft.com/office/drawing/2010/main" xmlns="" w="9525">
                   <a:solidFill>
                     <a:srgbClr val="000000"/>
                   </a:solidFill>
@@ -1465,7 +1468,7 @@
             </a:ln>
             <a:extLst>
               <a:ext uri="{91240B29-F687-4f45-9708-019B960494DF}">
-                <a14:hiddenLine xmlns="" xmlns:a14="http://schemas.microsoft.com/office/drawing/2010/main" w="9525">
+                <a14:hiddenLine xmlns:a14="http://schemas.microsoft.com/office/drawing/2010/main" xmlns="" w="9525">
                   <a:solidFill>
                     <a:srgbClr val="000000"/>
                   </a:solidFill>
@@ -1527,7 +1530,7 @@
             </a:ln>
             <a:extLst>
               <a:ext uri="{91240B29-F687-4f45-9708-019B960494DF}">
-                <a14:hiddenLine xmlns="" xmlns:a14="http://schemas.microsoft.com/office/drawing/2010/main" w="9525">
+                <a14:hiddenLine xmlns:a14="http://schemas.microsoft.com/office/drawing/2010/main" xmlns="" w="9525">
                   <a:solidFill>
                     <a:srgbClr val="000000"/>
                   </a:solidFill>
@@ -1617,7 +1620,7 @@
             </a:ln>
             <a:extLst>
               <a:ext uri="{91240B29-F687-4f45-9708-019B960494DF}">
-                <a14:hiddenLine xmlns="" xmlns:a14="http://schemas.microsoft.com/office/drawing/2010/main" w="9525">
+                <a14:hiddenLine xmlns:a14="http://schemas.microsoft.com/office/drawing/2010/main" xmlns="" w="9525">
                   <a:solidFill>
                     <a:srgbClr val="000000"/>
                   </a:solidFill>
@@ -1707,7 +1710,7 @@
             </a:ln>
             <a:extLst>
               <a:ext uri="{91240B29-F687-4f45-9708-019B960494DF}">
-                <a14:hiddenLine xmlns="" xmlns:a14="http://schemas.microsoft.com/office/drawing/2010/main" w="9525">
+                <a14:hiddenLine xmlns:a14="http://schemas.microsoft.com/office/drawing/2010/main" xmlns="" w="9525">
                   <a:solidFill>
                     <a:srgbClr val="000000"/>
                   </a:solidFill>
@@ -1763,7 +1766,7 @@
             </a:ln>
             <a:extLst>
               <a:ext uri="{91240B29-F687-4f45-9708-019B960494DF}">
-                <a14:hiddenLine xmlns="" xmlns:a14="http://schemas.microsoft.com/office/drawing/2010/main" w="9525">
+                <a14:hiddenLine xmlns:a14="http://schemas.microsoft.com/office/drawing/2010/main" xmlns="" w="9525">
                   <a:solidFill>
                     <a:srgbClr val="000000"/>
                   </a:solidFill>
@@ -1853,7 +1856,7 @@
             </a:ln>
             <a:extLst>
               <a:ext uri="{91240B29-F687-4f45-9708-019B960494DF}">
-                <a14:hiddenLine xmlns="" xmlns:a14="http://schemas.microsoft.com/office/drawing/2010/main" w="9525">
+                <a14:hiddenLine xmlns:a14="http://schemas.microsoft.com/office/drawing/2010/main" xmlns="" w="9525">
                   <a:solidFill>
                     <a:srgbClr val="000000"/>
                   </a:solidFill>
@@ -1909,7 +1912,7 @@
             </a:ln>
             <a:extLst>
               <a:ext uri="{91240B29-F687-4f45-9708-019B960494DF}">
-                <a14:hiddenLine xmlns="" xmlns:a14="http://schemas.microsoft.com/office/drawing/2010/main" w="9525">
+                <a14:hiddenLine xmlns:a14="http://schemas.microsoft.com/office/drawing/2010/main" xmlns="" w="9525">
                   <a:solidFill>
                     <a:srgbClr val="000000"/>
                   </a:solidFill>
@@ -1999,7 +2002,7 @@
             </a:ln>
             <a:extLst>
               <a:ext uri="{91240B29-F687-4f45-9708-019B960494DF}">
-                <a14:hiddenLine xmlns="" xmlns:a14="http://schemas.microsoft.com/office/drawing/2010/main" w="9525">
+                <a14:hiddenLine xmlns:a14="http://schemas.microsoft.com/office/drawing/2010/main" xmlns="" w="9525">
                   <a:solidFill>
                     <a:srgbClr val="000000"/>
                   </a:solidFill>
@@ -2067,7 +2070,7 @@
             </a:ln>
             <a:extLst>
               <a:ext uri="{91240B29-F687-4f45-9708-019B960494DF}">
-                <a14:hiddenLine xmlns="" xmlns:a14="http://schemas.microsoft.com/office/drawing/2010/main" w="9525">
+                <a14:hiddenLine xmlns:a14="http://schemas.microsoft.com/office/drawing/2010/main" xmlns="" w="9525">
                   <a:solidFill>
                     <a:srgbClr val="000000"/>
                   </a:solidFill>
@@ -2157,7 +2160,7 @@
             </a:ln>
             <a:extLst>
               <a:ext uri="{91240B29-F687-4f45-9708-019B960494DF}">
-                <a14:hiddenLine xmlns="" xmlns:a14="http://schemas.microsoft.com/office/drawing/2010/main" w="9525">
+                <a14:hiddenLine xmlns:a14="http://schemas.microsoft.com/office/drawing/2010/main" xmlns="" w="9525">
                   <a:solidFill>
                     <a:srgbClr val="000000"/>
                   </a:solidFill>
@@ -2225,7 +2228,7 @@
             </a:ln>
             <a:extLst>
               <a:ext uri="{91240B29-F687-4f45-9708-019B960494DF}">
-                <a14:hiddenLine xmlns="" xmlns:a14="http://schemas.microsoft.com/office/drawing/2010/main" w="9525">
+                <a14:hiddenLine xmlns:a14="http://schemas.microsoft.com/office/drawing/2010/main" xmlns="" w="9525">
                   <a:solidFill>
                     <a:srgbClr val="000000"/>
                   </a:solidFill>
@@ -2315,7 +2318,7 @@
             </a:ln>
             <a:extLst>
               <a:ext uri="{91240B29-F687-4f45-9708-019B960494DF}">
-                <a14:hiddenLine xmlns="" xmlns:a14="http://schemas.microsoft.com/office/drawing/2010/main" w="9525">
+                <a14:hiddenLine xmlns:a14="http://schemas.microsoft.com/office/drawing/2010/main" xmlns="" w="9525">
                   <a:solidFill>
                     <a:srgbClr val="000000"/>
                   </a:solidFill>
@@ -2349,7 +2352,7 @@
             </a:ln>
             <a:extLst>
               <a:ext uri="{91240B29-F687-4f45-9708-019B960494DF}">
-                <a14:hiddenLine xmlns="" xmlns:a14="http://schemas.microsoft.com/office/drawing/2010/main" w="9525">
+                <a14:hiddenLine xmlns:a14="http://schemas.microsoft.com/office/drawing/2010/main" xmlns="" w="9525">
                   <a:solidFill>
                     <a:srgbClr val="000000"/>
                   </a:solidFill>
@@ -2439,7 +2442,7 @@
             </a:ln>
             <a:extLst>
               <a:ext uri="{91240B29-F687-4f45-9708-019B960494DF}">
-                <a14:hiddenLine xmlns="" xmlns:a14="http://schemas.microsoft.com/office/drawing/2010/main" w="9525">
+                <a14:hiddenLine xmlns:a14="http://schemas.microsoft.com/office/drawing/2010/main" xmlns="" w="9525">
                   <a:solidFill>
                     <a:srgbClr val="000000"/>
                   </a:solidFill>
@@ -2501,7 +2504,7 @@
             </a:ln>
             <a:extLst>
               <a:ext uri="{91240B29-F687-4f45-9708-019B960494DF}">
-                <a14:hiddenLine xmlns="" xmlns:a14="http://schemas.microsoft.com/office/drawing/2010/main" w="9525">
+                <a14:hiddenLine xmlns:a14="http://schemas.microsoft.com/office/drawing/2010/main" xmlns="" w="9525">
                   <a:solidFill>
                     <a:srgbClr val="000000"/>
                   </a:solidFill>
@@ -2563,7 +2566,7 @@
             </a:ln>
             <a:extLst>
               <a:ext uri="{91240B29-F687-4f45-9708-019B960494DF}">
-                <a14:hiddenLine xmlns="" xmlns:a14="http://schemas.microsoft.com/office/drawing/2010/main" w="9525">
+                <a14:hiddenLine xmlns:a14="http://schemas.microsoft.com/office/drawing/2010/main" xmlns="" w="9525">
                   <a:solidFill>
                     <a:srgbClr val="000000"/>
                   </a:solidFill>
@@ -2653,7 +2656,7 @@
             </a:ln>
             <a:extLst>
               <a:ext uri="{91240B29-F687-4f45-9708-019B960494DF}">
-                <a14:hiddenLine xmlns="" xmlns:a14="http://schemas.microsoft.com/office/drawing/2010/main" w="9525">
+                <a14:hiddenLine xmlns:a14="http://schemas.microsoft.com/office/drawing/2010/main" xmlns="" w="9525">
                   <a:solidFill>
                     <a:srgbClr val="000000"/>
                   </a:solidFill>
@@ -2721,7 +2724,7 @@
             </a:ln>
             <a:extLst>
               <a:ext uri="{91240B29-F687-4f45-9708-019B960494DF}">
-                <a14:hiddenLine xmlns="" xmlns:a14="http://schemas.microsoft.com/office/drawing/2010/main" w="9525">
+                <a14:hiddenLine xmlns:a14="http://schemas.microsoft.com/office/drawing/2010/main" xmlns="" w="9525">
                   <a:solidFill>
                     <a:srgbClr val="000000"/>
                   </a:solidFill>
@@ -2783,7 +2786,7 @@
             </a:ln>
             <a:extLst>
               <a:ext uri="{91240B29-F687-4f45-9708-019B960494DF}">
-                <a14:hiddenLine xmlns="" xmlns:a14="http://schemas.microsoft.com/office/drawing/2010/main" w="9525">
+                <a14:hiddenLine xmlns:a14="http://schemas.microsoft.com/office/drawing/2010/main" xmlns="" w="9525">
                   <a:solidFill>
                     <a:srgbClr val="000000"/>
                   </a:solidFill>
@@ -2873,7 +2876,7 @@
             </a:ln>
             <a:extLst>
               <a:ext uri="{91240B29-F687-4f45-9708-019B960494DF}">
-                <a14:hiddenLine xmlns="" xmlns:a14="http://schemas.microsoft.com/office/drawing/2010/main" w="9525">
+                <a14:hiddenLine xmlns:a14="http://schemas.microsoft.com/office/drawing/2010/main" xmlns="" w="9525">
                   <a:solidFill>
                     <a:srgbClr val="000000"/>
                   </a:solidFill>
@@ -2935,7 +2938,7 @@
             </a:ln>
             <a:extLst>
               <a:ext uri="{91240B29-F687-4f45-9708-019B960494DF}">
-                <a14:hiddenLine xmlns="" xmlns:a14="http://schemas.microsoft.com/office/drawing/2010/main" w="9525">
+                <a14:hiddenLine xmlns:a14="http://schemas.microsoft.com/office/drawing/2010/main" xmlns="" w="9525">
                   <a:solidFill>
                     <a:srgbClr val="000000"/>
                   </a:solidFill>
@@ -3025,7 +3028,7 @@
             </a:ln>
             <a:extLst>
               <a:ext uri="{91240B29-F687-4f45-9708-019B960494DF}">
-                <a14:hiddenLine xmlns="" xmlns:a14="http://schemas.microsoft.com/office/drawing/2010/main" w="9525">
+                <a14:hiddenLine xmlns:a14="http://schemas.microsoft.com/office/drawing/2010/main" xmlns="" w="9525">
                   <a:solidFill>
                     <a:srgbClr val="000000"/>
                   </a:solidFill>
@@ -3087,7 +3090,7 @@
             </a:ln>
             <a:extLst>
               <a:ext uri="{91240B29-F687-4f45-9708-019B960494DF}">
-                <a14:hiddenLine xmlns="" xmlns:a14="http://schemas.microsoft.com/office/drawing/2010/main" w="9525">
+                <a14:hiddenLine xmlns:a14="http://schemas.microsoft.com/office/drawing/2010/main" xmlns="" w="9525">
                   <a:solidFill>
                     <a:srgbClr val="000000"/>
                   </a:solidFill>
@@ -3177,7 +3180,7 @@
             </a:ln>
             <a:extLst>
               <a:ext uri="{91240B29-F687-4f45-9708-019B960494DF}">
-                <a14:hiddenLine xmlns="" xmlns:a14="http://schemas.microsoft.com/office/drawing/2010/main" w="9525">
+                <a14:hiddenLine xmlns:a14="http://schemas.microsoft.com/office/drawing/2010/main" xmlns="" w="9525">
                   <a:solidFill>
                     <a:srgbClr val="000000"/>
                   </a:solidFill>
@@ -3211,7 +3214,7 @@
             </a:ln>
             <a:extLst>
               <a:ext uri="{91240B29-F687-4f45-9708-019B960494DF}">
-                <a14:hiddenLine xmlns="" xmlns:a14="http://schemas.microsoft.com/office/drawing/2010/main" w="9525">
+                <a14:hiddenLine xmlns:a14="http://schemas.microsoft.com/office/drawing/2010/main" xmlns="" w="9525">
                   <a:solidFill>
                     <a:srgbClr val="000000"/>
                   </a:solidFill>
@@ -3276,7 +3279,7 @@
             </a:ln>
             <a:extLst>
               <a:ext uri="{91240B29-F687-4f45-9708-019B960494DF}">
-                <a14:hiddenLine xmlns="" xmlns:a14="http://schemas.microsoft.com/office/drawing/2010/main" w="9525">
+                <a14:hiddenLine xmlns:a14="http://schemas.microsoft.com/office/drawing/2010/main" xmlns="" w="9525">
                   <a:solidFill>
                     <a:srgbClr val="000000"/>
                   </a:solidFill>
@@ -3366,7 +3369,7 @@
             </a:ln>
             <a:extLst>
               <a:ext uri="{91240B29-F687-4f45-9708-019B960494DF}">
-                <a14:hiddenLine xmlns="" xmlns:a14="http://schemas.microsoft.com/office/drawing/2010/main" w="9525">
+                <a14:hiddenLine xmlns:a14="http://schemas.microsoft.com/office/drawing/2010/main" xmlns="" w="9525">
                   <a:solidFill>
                     <a:srgbClr val="000000"/>
                   </a:solidFill>
@@ -3428,7 +3431,7 @@
             </a:ln>
             <a:extLst>
               <a:ext uri="{91240B29-F687-4f45-9708-019B960494DF}">
-                <a14:hiddenLine xmlns="" xmlns:a14="http://schemas.microsoft.com/office/drawing/2010/main" w="9525">
+                <a14:hiddenLine xmlns:a14="http://schemas.microsoft.com/office/drawing/2010/main" xmlns="" w="9525">
                   <a:solidFill>
                     <a:srgbClr val="000000"/>
                   </a:solidFill>
@@ -3518,7 +3521,7 @@
             </a:ln>
             <a:extLst>
               <a:ext uri="{91240B29-F687-4f45-9708-019B960494DF}">
-                <a14:hiddenLine xmlns="" xmlns:a14="http://schemas.microsoft.com/office/drawing/2010/main" w="9525">
+                <a14:hiddenLine xmlns:a14="http://schemas.microsoft.com/office/drawing/2010/main" xmlns="" w="9525">
                   <a:solidFill>
                     <a:srgbClr val="000000"/>
                   </a:solidFill>
@@ -3608,7 +3611,7 @@
             </a:ln>
             <a:extLst>
               <a:ext uri="{91240B29-F687-4f45-9708-019B960494DF}">
-                <a14:hiddenLine xmlns="" xmlns:a14="http://schemas.microsoft.com/office/drawing/2010/main" w="9525">
+                <a14:hiddenLine xmlns:a14="http://schemas.microsoft.com/office/drawing/2010/main" xmlns="" w="9525">
                   <a:solidFill>
                     <a:srgbClr val="000000"/>
                   </a:solidFill>
@@ -3673,7 +3676,7 @@
             </a:ln>
             <a:extLst>
               <a:ext uri="{91240B29-F687-4f45-9708-019B960494DF}">
-                <a14:hiddenLine xmlns="" xmlns:a14="http://schemas.microsoft.com/office/drawing/2010/main" w="9525">
+                <a14:hiddenLine xmlns:a14="http://schemas.microsoft.com/office/drawing/2010/main" xmlns="" w="9525">
                   <a:solidFill>
                     <a:srgbClr val="000000"/>
                   </a:solidFill>
@@ -3735,7 +3738,7 @@
             </a:ln>
             <a:extLst>
               <a:ext uri="{91240B29-F687-4f45-9708-019B960494DF}">
-                <a14:hiddenLine xmlns="" xmlns:a14="http://schemas.microsoft.com/office/drawing/2010/main" w="9525">
+                <a14:hiddenLine xmlns:a14="http://schemas.microsoft.com/office/drawing/2010/main" xmlns="" w="9525">
                   <a:solidFill>
                     <a:srgbClr val="000000"/>
                   </a:solidFill>
@@ -3825,7 +3828,7 @@
             </a:ln>
             <a:extLst>
               <a:ext uri="{91240B29-F687-4f45-9708-019B960494DF}">
-                <a14:hiddenLine xmlns="" xmlns:a14="http://schemas.microsoft.com/office/drawing/2010/main" w="9525">
+                <a14:hiddenLine xmlns:a14="http://schemas.microsoft.com/office/drawing/2010/main" xmlns="" w="9525">
                   <a:solidFill>
                     <a:srgbClr val="000000"/>
                   </a:solidFill>
@@ -3915,7 +3918,7 @@
             </a:ln>
             <a:extLst>
               <a:ext uri="{91240B29-F687-4f45-9708-019B960494DF}">
-                <a14:hiddenLine xmlns="" xmlns:a14="http://schemas.microsoft.com/office/drawing/2010/main" w="9525">
+                <a14:hiddenLine xmlns:a14="http://schemas.microsoft.com/office/drawing/2010/main" xmlns="" w="9525">
                   <a:solidFill>
                     <a:srgbClr val="000000"/>
                   </a:solidFill>
@@ -3977,7 +3980,7 @@
             </a:ln>
             <a:extLst>
               <a:ext uri="{91240B29-F687-4f45-9708-019B960494DF}">
-                <a14:hiddenLine xmlns="" xmlns:a14="http://schemas.microsoft.com/office/drawing/2010/main" w="9525">
+                <a14:hiddenLine xmlns:a14="http://schemas.microsoft.com/office/drawing/2010/main" xmlns="" w="9525">
                   <a:solidFill>
                     <a:srgbClr val="000000"/>
                   </a:solidFill>
@@ -4097,7 +4100,7 @@
             </a:ln>
             <a:extLst>
               <a:ext uri="{91240B29-F687-4f45-9708-019B960494DF}">
-                <a14:hiddenLine xmlns="" xmlns:a14="http://schemas.microsoft.com/office/drawing/2010/main" w="9525">
+                <a14:hiddenLine xmlns:a14="http://schemas.microsoft.com/office/drawing/2010/main" xmlns="" w="9525">
                   <a:solidFill>
                     <a:srgbClr val="000000"/>
                   </a:solidFill>
@@ -4165,7 +4168,7 @@
             </a:ln>
             <a:extLst>
               <a:ext uri="{91240B29-F687-4f45-9708-019B960494DF}">
-                <a14:hiddenLine xmlns="" xmlns:a14="http://schemas.microsoft.com/office/drawing/2010/main" w="9525">
+                <a14:hiddenLine xmlns:a14="http://schemas.microsoft.com/office/drawing/2010/main" xmlns="" w="9525">
                   <a:solidFill>
                     <a:srgbClr val="000000"/>
                   </a:solidFill>
@@ -4255,7 +4258,7 @@
             </a:ln>
             <a:extLst>
               <a:ext uri="{91240B29-F687-4f45-9708-019B960494DF}">
-                <a14:hiddenLine xmlns="" xmlns:a14="http://schemas.microsoft.com/office/drawing/2010/main" w="9525">
+                <a14:hiddenLine xmlns:a14="http://schemas.microsoft.com/office/drawing/2010/main" xmlns="" w="9525">
                   <a:solidFill>
                     <a:srgbClr val="000000"/>
                   </a:solidFill>
@@ -8977,7 +8980,7 @@
           <a:noFill/>
           <a:extLst>
             <a:ext uri="{909E8E84-426E-40dd-AFC4-6F175D3DCCD1}">
-              <a14:hiddenFill xmlns="" xmlns:a14="http://schemas.microsoft.com/office/drawing/2010/main">
+              <a14:hiddenFill xmlns:a14="http://schemas.microsoft.com/office/drawing/2010/main" xmlns="">
                 <a:solidFill>
                   <a:srgbClr val="FFFFFF"/>
                 </a:solidFill>
@@ -9051,7 +9054,7 @@
               </a:ln>
               <a:extLst>
                 <a:ext uri="{91240B29-F687-4f45-9708-019B960494DF}">
-                  <a14:hiddenLine xmlns="" xmlns:a14="http://schemas.microsoft.com/office/drawing/2010/main" w="9525">
+                  <a14:hiddenLine xmlns:a14="http://schemas.microsoft.com/office/drawing/2010/main" xmlns="" w="9525">
                     <a:solidFill>
                       <a:srgbClr val="000000"/>
                     </a:solidFill>
@@ -9141,7 +9144,7 @@
               </a:ln>
               <a:extLst>
                 <a:ext uri="{91240B29-F687-4f45-9708-019B960494DF}">
-                  <a14:hiddenLine xmlns="" xmlns:a14="http://schemas.microsoft.com/office/drawing/2010/main" w="9525">
+                  <a14:hiddenLine xmlns:a14="http://schemas.microsoft.com/office/drawing/2010/main" xmlns="" w="9525">
                     <a:solidFill>
                       <a:srgbClr val="000000"/>
                     </a:solidFill>
@@ -9231,7 +9234,7 @@
               </a:ln>
               <a:extLst>
                 <a:ext uri="{91240B29-F687-4f45-9708-019B960494DF}">
-                  <a14:hiddenLine xmlns="" xmlns:a14="http://schemas.microsoft.com/office/drawing/2010/main" w="9525">
+                  <a14:hiddenLine xmlns:a14="http://schemas.microsoft.com/office/drawing/2010/main" xmlns="" w="9525">
                     <a:solidFill>
                       <a:srgbClr val="000000"/>
                     </a:solidFill>
@@ -9293,7 +9296,7 @@
               </a:ln>
               <a:extLst>
                 <a:ext uri="{91240B29-F687-4f45-9708-019B960494DF}">
-                  <a14:hiddenLine xmlns="" xmlns:a14="http://schemas.microsoft.com/office/drawing/2010/main" w="9525">
+                  <a14:hiddenLine xmlns:a14="http://schemas.microsoft.com/office/drawing/2010/main" xmlns="" w="9525">
                     <a:solidFill>
                       <a:srgbClr val="000000"/>
                     </a:solidFill>
@@ -9383,7 +9386,7 @@
               </a:ln>
               <a:extLst>
                 <a:ext uri="{91240B29-F687-4f45-9708-019B960494DF}">
-                  <a14:hiddenLine xmlns="" xmlns:a14="http://schemas.microsoft.com/office/drawing/2010/main" w="9525">
+                  <a14:hiddenLine xmlns:a14="http://schemas.microsoft.com/office/drawing/2010/main" xmlns="" w="9525">
                     <a:solidFill>
                       <a:srgbClr val="000000"/>
                     </a:solidFill>
@@ -9445,7 +9448,7 @@
               </a:ln>
               <a:extLst>
                 <a:ext uri="{91240B29-F687-4f45-9708-019B960494DF}">
-                  <a14:hiddenLine xmlns="" xmlns:a14="http://schemas.microsoft.com/office/drawing/2010/main" w="9525">
+                  <a14:hiddenLine xmlns:a14="http://schemas.microsoft.com/office/drawing/2010/main" xmlns="" w="9525">
                     <a:solidFill>
                       <a:srgbClr val="000000"/>
                     </a:solidFill>
@@ -9507,7 +9510,7 @@
               </a:ln>
               <a:extLst>
                 <a:ext uri="{91240B29-F687-4f45-9708-019B960494DF}">
-                  <a14:hiddenLine xmlns="" xmlns:a14="http://schemas.microsoft.com/office/drawing/2010/main" w="9525">
+                  <a14:hiddenLine xmlns:a14="http://schemas.microsoft.com/office/drawing/2010/main" xmlns="" w="9525">
                     <a:solidFill>
                       <a:srgbClr val="000000"/>
                     </a:solidFill>
@@ -9597,7 +9600,7 @@
               </a:ln>
               <a:extLst>
                 <a:ext uri="{91240B29-F687-4f45-9708-019B960494DF}">
-                  <a14:hiddenLine xmlns="" xmlns:a14="http://schemas.microsoft.com/office/drawing/2010/main" w="9525">
+                  <a14:hiddenLine xmlns:a14="http://schemas.microsoft.com/office/drawing/2010/main" xmlns="" w="9525">
                     <a:solidFill>
                       <a:srgbClr val="000000"/>
                     </a:solidFill>
@@ -9687,7 +9690,7 @@
               </a:ln>
               <a:extLst>
                 <a:ext uri="{91240B29-F687-4f45-9708-019B960494DF}">
-                  <a14:hiddenLine xmlns="" xmlns:a14="http://schemas.microsoft.com/office/drawing/2010/main" w="9525">
+                  <a14:hiddenLine xmlns:a14="http://schemas.microsoft.com/office/drawing/2010/main" xmlns="" w="9525">
                     <a:solidFill>
                       <a:srgbClr val="000000"/>
                     </a:solidFill>
@@ -9749,7 +9752,7 @@
               </a:ln>
               <a:extLst>
                 <a:ext uri="{91240B29-F687-4f45-9708-019B960494DF}">
-                  <a14:hiddenLine xmlns="" xmlns:a14="http://schemas.microsoft.com/office/drawing/2010/main" w="9525">
+                  <a14:hiddenLine xmlns:a14="http://schemas.microsoft.com/office/drawing/2010/main" xmlns="" w="9525">
                     <a:solidFill>
                       <a:srgbClr val="000000"/>
                     </a:solidFill>
@@ -9859,7 +9862,7 @@
               </a:ln>
               <a:extLst>
                 <a:ext uri="{91240B29-F687-4f45-9708-019B960494DF}">
-                  <a14:hiddenLine xmlns="" xmlns:a14="http://schemas.microsoft.com/office/drawing/2010/main" w="9525">
+                  <a14:hiddenLine xmlns:a14="http://schemas.microsoft.com/office/drawing/2010/main" xmlns="" w="9525">
                     <a:solidFill>
                       <a:srgbClr val="000000"/>
                     </a:solidFill>
@@ -9943,7 +9946,7 @@
               </a:ln>
               <a:extLst>
                 <a:ext uri="{91240B29-F687-4f45-9708-019B960494DF}">
-                  <a14:hiddenLine xmlns="" xmlns:a14="http://schemas.microsoft.com/office/drawing/2010/main" w="9525">
+                  <a14:hiddenLine xmlns:a14="http://schemas.microsoft.com/office/drawing/2010/main" xmlns="" w="9525">
                     <a:solidFill>
                       <a:srgbClr val="000000"/>
                     </a:solidFill>
@@ -10005,7 +10008,7 @@
               </a:ln>
               <a:extLst>
                 <a:ext uri="{91240B29-F687-4f45-9708-019B960494DF}">
-                  <a14:hiddenLine xmlns="" xmlns:a14="http://schemas.microsoft.com/office/drawing/2010/main" w="9525">
+                  <a14:hiddenLine xmlns:a14="http://schemas.microsoft.com/office/drawing/2010/main" xmlns="" w="9525">
                     <a:solidFill>
                       <a:srgbClr val="000000"/>
                     </a:solidFill>
@@ -10067,7 +10070,7 @@
               </a:ln>
               <a:extLst>
                 <a:ext uri="{91240B29-F687-4f45-9708-019B960494DF}">
-                  <a14:hiddenLine xmlns="" xmlns:a14="http://schemas.microsoft.com/office/drawing/2010/main" w="9525">
+                  <a14:hiddenLine xmlns:a14="http://schemas.microsoft.com/office/drawing/2010/main" xmlns="" w="9525">
                     <a:solidFill>
                       <a:srgbClr val="000000"/>
                     </a:solidFill>
@@ -10157,7 +10160,7 @@
               </a:ln>
               <a:extLst>
                 <a:ext uri="{91240B29-F687-4f45-9708-019B960494DF}">
-                  <a14:hiddenLine xmlns="" xmlns:a14="http://schemas.microsoft.com/office/drawing/2010/main" w="9525">
+                  <a14:hiddenLine xmlns:a14="http://schemas.microsoft.com/office/drawing/2010/main" xmlns="" w="9525">
                     <a:solidFill>
                       <a:srgbClr val="000000"/>
                     </a:solidFill>
@@ -10191,7 +10194,7 @@
               </a:ln>
               <a:extLst>
                 <a:ext uri="{91240B29-F687-4f45-9708-019B960494DF}">
-                  <a14:hiddenLine xmlns="" xmlns:a14="http://schemas.microsoft.com/office/drawing/2010/main" w="9525">
+                  <a14:hiddenLine xmlns:a14="http://schemas.microsoft.com/office/drawing/2010/main" xmlns="" w="9525">
                     <a:solidFill>
                       <a:srgbClr val="000000"/>
                     </a:solidFill>
@@ -10256,7 +10259,7 @@
               </a:ln>
               <a:extLst>
                 <a:ext uri="{91240B29-F687-4f45-9708-019B960494DF}">
-                  <a14:hiddenLine xmlns="" xmlns:a14="http://schemas.microsoft.com/office/drawing/2010/main" w="9525">
+                  <a14:hiddenLine xmlns:a14="http://schemas.microsoft.com/office/drawing/2010/main" xmlns="" w="9525">
                     <a:solidFill>
                       <a:srgbClr val="000000"/>
                     </a:solidFill>
@@ -10346,7 +10349,7 @@
               </a:ln>
               <a:extLst>
                 <a:ext uri="{91240B29-F687-4f45-9708-019B960494DF}">
-                  <a14:hiddenLine xmlns="" xmlns:a14="http://schemas.microsoft.com/office/drawing/2010/main" w="9525">
+                  <a14:hiddenLine xmlns:a14="http://schemas.microsoft.com/office/drawing/2010/main" xmlns="" w="9525">
                     <a:solidFill>
                       <a:srgbClr val="000000"/>
                     </a:solidFill>
@@ -10408,7 +10411,7 @@
               </a:ln>
               <a:extLst>
                 <a:ext uri="{91240B29-F687-4f45-9708-019B960494DF}">
-                  <a14:hiddenLine xmlns="" xmlns:a14="http://schemas.microsoft.com/office/drawing/2010/main" w="9525">
+                  <a14:hiddenLine xmlns:a14="http://schemas.microsoft.com/office/drawing/2010/main" xmlns="" w="9525">
                     <a:solidFill>
                       <a:srgbClr val="000000"/>
                     </a:solidFill>
@@ -10498,7 +10501,7 @@
               </a:ln>
               <a:extLst>
                 <a:ext uri="{91240B29-F687-4f45-9708-019B960494DF}">
-                  <a14:hiddenLine xmlns="" xmlns:a14="http://schemas.microsoft.com/office/drawing/2010/main" w="9525">
+                  <a14:hiddenLine xmlns:a14="http://schemas.microsoft.com/office/drawing/2010/main" xmlns="" w="9525">
                     <a:solidFill>
                       <a:srgbClr val="000000"/>
                     </a:solidFill>
@@ -10563,7 +10566,7 @@
               </a:ln>
               <a:extLst>
                 <a:ext uri="{91240B29-F687-4f45-9708-019B960494DF}">
-                  <a14:hiddenLine xmlns="" xmlns:a14="http://schemas.microsoft.com/office/drawing/2010/main" w="9525">
+                  <a14:hiddenLine xmlns:a14="http://schemas.microsoft.com/office/drawing/2010/main" xmlns="" w="9525">
                     <a:solidFill>
                       <a:srgbClr val="000000"/>
                     </a:solidFill>
@@ -10625,7 +10628,7 @@
               </a:ln>
               <a:extLst>
                 <a:ext uri="{91240B29-F687-4f45-9708-019B960494DF}">
-                  <a14:hiddenLine xmlns="" xmlns:a14="http://schemas.microsoft.com/office/drawing/2010/main" w="9525">
+                  <a14:hiddenLine xmlns:a14="http://schemas.microsoft.com/office/drawing/2010/main" xmlns="" w="9525">
                     <a:solidFill>
                       <a:srgbClr val="000000"/>
                     </a:solidFill>
@@ -10715,7 +10718,7 @@
               </a:ln>
               <a:extLst>
                 <a:ext uri="{91240B29-F687-4f45-9708-019B960494DF}">
-                  <a14:hiddenLine xmlns="" xmlns:a14="http://schemas.microsoft.com/office/drawing/2010/main" w="9525">
+                  <a14:hiddenLine xmlns:a14="http://schemas.microsoft.com/office/drawing/2010/main" xmlns="" w="9525">
                     <a:solidFill>
                       <a:srgbClr val="000000"/>
                     </a:solidFill>
@@ -10805,7 +10808,7 @@
               </a:ln>
               <a:extLst>
                 <a:ext uri="{91240B29-F687-4f45-9708-019B960494DF}">
-                  <a14:hiddenLine xmlns="" xmlns:a14="http://schemas.microsoft.com/office/drawing/2010/main" w="9525">
+                  <a14:hiddenLine xmlns:a14="http://schemas.microsoft.com/office/drawing/2010/main" xmlns="" w="9525">
                     <a:solidFill>
                       <a:srgbClr val="000000"/>
                     </a:solidFill>
@@ -10870,7 +10873,7 @@
               </a:ln>
               <a:extLst>
                 <a:ext uri="{91240B29-F687-4f45-9708-019B960494DF}">
-                  <a14:hiddenLine xmlns="" xmlns:a14="http://schemas.microsoft.com/office/drawing/2010/main" w="9525">
+                  <a14:hiddenLine xmlns:a14="http://schemas.microsoft.com/office/drawing/2010/main" xmlns="" w="9525">
                     <a:solidFill>
                       <a:srgbClr val="000000"/>
                     </a:solidFill>
@@ -10990,7 +10993,7 @@
               </a:ln>
               <a:extLst>
                 <a:ext uri="{91240B29-F687-4f45-9708-019B960494DF}">
-                  <a14:hiddenLine xmlns="" xmlns:a14="http://schemas.microsoft.com/office/drawing/2010/main" w="9525">
+                  <a14:hiddenLine xmlns:a14="http://schemas.microsoft.com/office/drawing/2010/main" xmlns="" w="9525">
                     <a:solidFill>
                       <a:srgbClr val="000000"/>
                     </a:solidFill>
@@ -11088,7 +11091,7 @@
               </a:ln>
               <a:extLst>
                 <a:ext uri="{91240B29-F687-4f45-9708-019B960494DF}">
-                  <a14:hiddenLine xmlns="" xmlns:a14="http://schemas.microsoft.com/office/drawing/2010/main" w="9525">
+                  <a14:hiddenLine xmlns:a14="http://schemas.microsoft.com/office/drawing/2010/main" xmlns="" w="9525">
                     <a:solidFill>
                       <a:srgbClr val="000000"/>
                     </a:solidFill>
@@ -11203,7 +11206,7 @@
               </a:ln>
               <a:extLst>
                 <a:ext uri="{91240B29-F687-4f45-9708-019B960494DF}">
-                  <a14:hiddenLine xmlns="" xmlns:a14="http://schemas.microsoft.com/office/drawing/2010/main" w="9525">
+                  <a14:hiddenLine xmlns:a14="http://schemas.microsoft.com/office/drawing/2010/main" xmlns="" w="9525">
                     <a:solidFill>
                       <a:srgbClr val="000000"/>
                     </a:solidFill>
@@ -11293,7 +11296,7 @@
               </a:ln>
               <a:extLst>
                 <a:ext uri="{91240B29-F687-4f45-9708-019B960494DF}">
-                  <a14:hiddenLine xmlns="" xmlns:a14="http://schemas.microsoft.com/office/drawing/2010/main" w="9525">
+                  <a14:hiddenLine xmlns:a14="http://schemas.microsoft.com/office/drawing/2010/main" xmlns="" w="9525">
                     <a:solidFill>
                       <a:srgbClr val="000000"/>
                     </a:solidFill>
@@ -11358,7 +11361,7 @@
               </a:ln>
               <a:extLst>
                 <a:ext uri="{91240B29-F687-4f45-9708-019B960494DF}">
-                  <a14:hiddenLine xmlns="" xmlns:a14="http://schemas.microsoft.com/office/drawing/2010/main" w="9525">
+                  <a14:hiddenLine xmlns:a14="http://schemas.microsoft.com/office/drawing/2010/main" xmlns="" w="9525">
                     <a:solidFill>
                       <a:srgbClr val="000000"/>
                     </a:solidFill>
@@ -11448,7 +11451,7 @@
               </a:ln>
               <a:extLst>
                 <a:ext uri="{91240B29-F687-4f45-9708-019B960494DF}">
-                  <a14:hiddenLine xmlns="" xmlns:a14="http://schemas.microsoft.com/office/drawing/2010/main" w="9525">
+                  <a14:hiddenLine xmlns:a14="http://schemas.microsoft.com/office/drawing/2010/main" xmlns="" w="9525">
                     <a:solidFill>
                       <a:srgbClr val="000000"/>
                     </a:solidFill>
@@ -11516,7 +11519,7 @@
               </a:ln>
               <a:extLst>
                 <a:ext uri="{91240B29-F687-4f45-9708-019B960494DF}">
-                  <a14:hiddenLine xmlns="" xmlns:a14="http://schemas.microsoft.com/office/drawing/2010/main" w="9525">
+                  <a14:hiddenLine xmlns:a14="http://schemas.microsoft.com/office/drawing/2010/main" xmlns="" w="9525">
                     <a:solidFill>
                       <a:srgbClr val="000000"/>
                     </a:solidFill>
@@ -11606,7 +11609,7 @@
               </a:ln>
               <a:extLst>
                 <a:ext uri="{91240B29-F687-4f45-9708-019B960494DF}">
-                  <a14:hiddenLine xmlns="" xmlns:a14="http://schemas.microsoft.com/office/drawing/2010/main" w="9525">
+                  <a14:hiddenLine xmlns:a14="http://schemas.microsoft.com/office/drawing/2010/main" xmlns="" w="9525">
                     <a:solidFill>
                       <a:srgbClr val="000000"/>
                     </a:solidFill>
@@ -11674,7 +11677,7 @@
               </a:ln>
               <a:extLst>
                 <a:ext uri="{91240B29-F687-4f45-9708-019B960494DF}">
-                  <a14:hiddenLine xmlns="" xmlns:a14="http://schemas.microsoft.com/office/drawing/2010/main" w="9525">
+                  <a14:hiddenLine xmlns:a14="http://schemas.microsoft.com/office/drawing/2010/main" xmlns="" w="9525">
                     <a:solidFill>
                       <a:srgbClr val="000000"/>
                     </a:solidFill>
@@ -11764,7 +11767,7 @@
               </a:ln>
               <a:extLst>
                 <a:ext uri="{91240B29-F687-4f45-9708-019B960494DF}">
-                  <a14:hiddenLine xmlns="" xmlns:a14="http://schemas.microsoft.com/office/drawing/2010/main" w="9525">
+                  <a14:hiddenLine xmlns:a14="http://schemas.microsoft.com/office/drawing/2010/main" xmlns="" w="9525">
                     <a:solidFill>
                       <a:srgbClr val="000000"/>
                     </a:solidFill>
@@ -11798,7 +11801,7 @@
               </a:ln>
               <a:extLst>
                 <a:ext uri="{91240B29-F687-4f45-9708-019B960494DF}">
-                  <a14:hiddenLine xmlns="" xmlns:a14="http://schemas.microsoft.com/office/drawing/2010/main" w="9525">
+                  <a14:hiddenLine xmlns:a14="http://schemas.microsoft.com/office/drawing/2010/main" xmlns="" w="9525">
                     <a:solidFill>
                       <a:srgbClr val="000000"/>
                     </a:solidFill>
@@ -12628,6 +12631,203 @@
 </p:sld>
 </file>
 
+<file path=ppt/slides/slide10.xml><?xml version="1.0" encoding="utf-8"?>
+<p:sld xmlns:a="http://schemas.openxmlformats.org/drawingml/2006/main" xmlns:r="http://schemas.openxmlformats.org/officeDocument/2006/relationships" xmlns:p="http://schemas.openxmlformats.org/presentationml/2006/main">
+  <p:cSld>
+    <p:spTree>
+      <p:nvGrpSpPr>
+        <p:cNvPr id="1" name=""/>
+        <p:cNvGrpSpPr/>
+        <p:nvPr/>
+      </p:nvGrpSpPr>
+      <p:grpSpPr>
+        <a:xfrm>
+          <a:off x="0" y="0"/>
+          <a:ext cx="0" cy="0"/>
+          <a:chOff x="0" y="0"/>
+          <a:chExt cx="0" cy="0"/>
+        </a:xfrm>
+      </p:grpSpPr>
+      <p:sp>
+        <p:nvSpPr>
+          <p:cNvPr id="2" name="Titre 1"/>
+          <p:cNvSpPr>
+            <a:spLocks noGrp="1"/>
+          </p:cNvSpPr>
+          <p:nvPr>
+            <p:ph type="title"/>
+          </p:nvPr>
+        </p:nvSpPr>
+        <p:spPr>
+          <a:xfrm>
+            <a:off x="1046747" y="618518"/>
+            <a:ext cx="10000664" cy="1005745"/>
+          </a:xfrm>
+        </p:spPr>
+        <p:txBody>
+          <a:bodyPr>
+            <a:normAutofit fontScale="90000"/>
+          </a:bodyPr>
+          <a:lstStyle/>
+          <a:p>
+            <a:pPr algn="ctr"/>
+            <a:r>
+              <a:rPr lang="pt-BR" dirty="0"/>
+              <a:t>Em Que dominios é </a:t>
+            </a:r>
+            <a:r>
+              <a:rPr lang="pt-BR" dirty="0" smtClean="0"/>
+              <a:t>usado a </a:t>
+            </a:r>
+            <a:r>
+              <a:rPr lang="pt-BR" dirty="0"/>
+              <a:t>Interposição spline cubico </a:t>
+            </a:r>
+            <a:r>
+              <a:rPr lang="pt-BR" dirty="0" smtClean="0"/>
+              <a:t>?</a:t>
+            </a:r>
+            <a:endParaRPr lang="pt-BR" dirty="0"/>
+          </a:p>
+        </p:txBody>
+      </p:sp>
+      <p:sp>
+        <p:nvSpPr>
+          <p:cNvPr id="3" name="Espace réservé du contenu 2"/>
+          <p:cNvSpPr>
+            <a:spLocks noGrp="1"/>
+          </p:cNvSpPr>
+          <p:nvPr>
+            <p:ph idx="1"/>
+          </p:nvPr>
+        </p:nvSpPr>
+        <p:spPr>
+          <a:xfrm>
+            <a:off x="1141412" y="1756611"/>
+            <a:ext cx="9905999" cy="4034590"/>
+          </a:xfrm>
+        </p:spPr>
+        <p:txBody>
+          <a:bodyPr/>
+          <a:lstStyle/>
+          <a:p>
+            <a:endParaRPr lang="pt-BR"/>
+          </a:p>
+        </p:txBody>
+      </p:sp>
+    </p:spTree>
+    <p:extLst>
+      <p:ext uri="{BB962C8B-B14F-4D97-AF65-F5344CB8AC3E}">
+        <p14:creationId xmlns:p14="http://schemas.microsoft.com/office/powerpoint/2010/main" val="2701098342"/>
+      </p:ext>
+    </p:extLst>
+  </p:cSld>
+  <p:clrMapOvr>
+    <a:masterClrMapping/>
+  </p:clrMapOvr>
+  <p:timing>
+    <p:tnLst>
+      <p:par>
+        <p:cTn id="1" dur="indefinite" restart="never" nodeType="tmRoot"/>
+      </p:par>
+    </p:tnLst>
+  </p:timing>
+</p:sld>
+</file>
+
+<file path=ppt/slides/slide11.xml><?xml version="1.0" encoding="utf-8"?>
+<p:sld xmlns:a="http://schemas.openxmlformats.org/drawingml/2006/main" xmlns:r="http://schemas.openxmlformats.org/officeDocument/2006/relationships" xmlns:p="http://schemas.openxmlformats.org/presentationml/2006/main">
+  <p:cSld>
+    <p:spTree>
+      <p:nvGrpSpPr>
+        <p:cNvPr id="1" name=""/>
+        <p:cNvGrpSpPr/>
+        <p:nvPr/>
+      </p:nvGrpSpPr>
+      <p:grpSpPr>
+        <a:xfrm>
+          <a:off x="0" y="0"/>
+          <a:ext cx="0" cy="0"/>
+          <a:chOff x="0" y="0"/>
+          <a:chExt cx="0" cy="0"/>
+        </a:xfrm>
+      </p:grpSpPr>
+      <p:sp>
+        <p:nvSpPr>
+          <p:cNvPr id="2" name="Titre 1"/>
+          <p:cNvSpPr>
+            <a:spLocks noGrp="1"/>
+          </p:cNvSpPr>
+          <p:nvPr>
+            <p:ph type="title"/>
+          </p:nvPr>
+        </p:nvSpPr>
+        <p:spPr>
+          <a:xfrm>
+            <a:off x="1141413" y="618518"/>
+            <a:ext cx="9905998" cy="644798"/>
+          </a:xfrm>
+        </p:spPr>
+        <p:txBody>
+          <a:bodyPr/>
+          <a:lstStyle/>
+          <a:p>
+            <a:r>
+              <a:rPr lang="pt-BR" dirty="0"/>
+              <a:t>Exemplo e simulaçâo com o aplicativo </a:t>
+            </a:r>
+            <a:r>
+              <a:rPr lang="pt-BR" dirty="0" smtClean="0"/>
+              <a:t>VCN</a:t>
+            </a:r>
+            <a:endParaRPr lang="pt-BR" dirty="0"/>
+          </a:p>
+        </p:txBody>
+      </p:sp>
+      <p:sp>
+        <p:nvSpPr>
+          <p:cNvPr id="3" name="Espace réservé du contenu 2"/>
+          <p:cNvSpPr>
+            <a:spLocks noGrp="1"/>
+          </p:cNvSpPr>
+          <p:nvPr>
+            <p:ph idx="1"/>
+          </p:nvPr>
+        </p:nvSpPr>
+        <p:spPr>
+          <a:xfrm>
+            <a:off x="1141412" y="1503946"/>
+            <a:ext cx="9905999" cy="4439653"/>
+          </a:xfrm>
+        </p:spPr>
+        <p:txBody>
+          <a:bodyPr/>
+          <a:lstStyle/>
+          <a:p>
+            <a:endParaRPr lang="pt-BR" dirty="0"/>
+          </a:p>
+        </p:txBody>
+      </p:sp>
+    </p:spTree>
+    <p:extLst>
+      <p:ext uri="{BB962C8B-B14F-4D97-AF65-F5344CB8AC3E}">
+        <p14:creationId xmlns:p14="http://schemas.microsoft.com/office/powerpoint/2010/main" val="3293913685"/>
+      </p:ext>
+    </p:extLst>
+  </p:cSld>
+  <p:clrMapOvr>
+    <a:masterClrMapping/>
+  </p:clrMapOvr>
+  <p:timing>
+    <p:tnLst>
+      <p:par>
+        <p:cTn id="1" dur="indefinite" restart="never" nodeType="tmRoot"/>
+      </p:par>
+    </p:tnLst>
+  </p:timing>
+</p:sld>
+</file>
+
 <file path=ppt/slides/slide2.xml><?xml version="1.0" encoding="utf-8"?>
 <p:sld xmlns:a="http://schemas.openxmlformats.org/drawingml/2006/main" xmlns:r="http://schemas.openxmlformats.org/officeDocument/2006/relationships" xmlns:p="http://schemas.openxmlformats.org/presentationml/2006/main">
   <p:cSld>
@@ -12854,7 +13054,6 @@
               <a:rPr lang="pt-BR" dirty="0"/>
               <a:t> que aproximadamente se "encaixe" nestes dados pontuais, conferindo-lhes, então, a continuidade desejada.</a:t>
             </a:r>
-            <a:endParaRPr lang="pt-BR" dirty="0"/>
           </a:p>
         </p:txBody>
       </p:sp>
@@ -13102,7 +13301,6 @@
               <a:rPr lang="pt-BR" dirty="0"/>
               <a:t>, mas continua passando pelos pontos A e D.</a:t>
             </a:r>
-            <a:endParaRPr lang="pt-BR" dirty="0"/>
           </a:p>
         </p:txBody>
       </p:sp>
@@ -13409,37 +13607,188 @@
             <a:pPr algn="ctr"/>
             <a:r>
               <a:rPr lang="pt-BR" dirty="0"/>
-              <a:t>A forma pelo qual ela é implementada </a:t>
-            </a:r>
-            <a:r>
-              <a:rPr lang="pt-BR" dirty="0" smtClean="0"/>
-              <a:t>?</a:t>
+              <a:t>Em Particular um spline cubico ?</a:t>
             </a:r>
             <a:endParaRPr lang="pt-BR" dirty="0"/>
           </a:p>
         </p:txBody>
       </p:sp>
-      <p:sp>
-        <p:nvSpPr>
-          <p:cNvPr id="3" name="Espace réservé du contenu 2"/>
-          <p:cNvSpPr>
-            <a:spLocks noGrp="1"/>
-          </p:cNvSpPr>
+      <p:pic>
+        <p:nvPicPr>
+          <p:cNvPr id="4" name="Espace réservé du contenu 3"/>
+          <p:cNvPicPr>
+            <a:picLocks noGrp="1"/>
+          </p:cNvPicPr>
           <p:nvPr>
             <p:ph idx="1"/>
           </p:nvPr>
+        </p:nvPicPr>
+        <p:blipFill rotWithShape="1">
+          <a:blip r:embed="rId2"/>
+          <a:srcRect l="38653" t="54741" r="36213" b="39119"/>
+          <a:stretch/>
+        </p:blipFill>
+        <p:spPr bwMode="auto">
+          <a:xfrm>
+            <a:off x="4459301" y="2176593"/>
+            <a:ext cx="3270222" cy="449153"/>
+          </a:xfrm>
+          <a:prstGeom prst="rect">
+            <a:avLst/>
+          </a:prstGeom>
+          <a:ln>
+            <a:noFill/>
+          </a:ln>
+          <a:extLst>
+            <a:ext uri="{53640926-AAD7-44D8-BBD7-CCE9431645EC}">
+              <a14:shadowObscured xmlns:a14="http://schemas.microsoft.com/office/drawing/2010/main"/>
+            </a:ext>
+          </a:extLst>
+        </p:spPr>
+      </p:pic>
+      <p:sp>
+        <p:nvSpPr>
+          <p:cNvPr id="5" name="ZoneTexte 4"/>
+          <p:cNvSpPr txBox="1"/>
+          <p:nvPr/>
         </p:nvSpPr>
         <p:spPr>
           <a:xfrm>
-            <a:off x="1141412" y="1552074"/>
-            <a:ext cx="9905999" cy="4239127"/>
+            <a:off x="1141413" y="1335504"/>
+            <a:ext cx="10070432" cy="5262979"/>
           </a:xfrm>
+          <a:prstGeom prst="rect">
+            <a:avLst/>
+          </a:prstGeom>
+          <a:noFill/>
         </p:spPr>
         <p:txBody>
-          <a:bodyPr/>
+          <a:bodyPr wrap="square" rtlCol="0">
+            <a:spAutoFit/>
+          </a:bodyPr>
           <a:lstStyle/>
           <a:p>
-            <a:endParaRPr lang="pt-BR"/>
+            <a:r>
+              <a:rPr lang="pt-BR" sz="2400" dirty="0"/>
+              <a:t>O objetivo nos splines cubicos e determinar um polinomio de terceiro grau para cada intervalo entre os nos, como em </a:t>
+            </a:r>
+          </a:p>
+          <a:p>
+            <a:endParaRPr lang="pt-BR" sz="2400" dirty="0"/>
+          </a:p>
+          <a:p>
+            <a:r>
+              <a:rPr lang="pt-BR" sz="2400" dirty="0"/>
+              <a:t>onde </a:t>
+            </a:r>
+            <a:r>
+              <a:rPr lang="pt-BR" sz="2400" dirty="0"/>
+              <a:t>i = 1,2,···,</a:t>
+            </a:r>
+            <a:r>
+              <a:rPr lang="pt-BR" sz="2400" dirty="0"/>
+              <a:t>n. Logo</a:t>
+            </a:r>
+            <a:r>
+              <a:rPr lang="pt-BR" sz="2400" dirty="0"/>
+              <a:t>, para n + 1 pontos dados existem n intervalos e, consequentemente</a:t>
+            </a:r>
+          </a:p>
+          <a:p>
+            <a:r>
+              <a:rPr lang="pt-BR" sz="2400" dirty="0"/>
+              <a:t>4n constantes indeterminadas para calcular. </a:t>
+            </a:r>
+            <a:r>
+              <a:rPr lang="pt-BR" sz="2400" dirty="0"/>
+              <a:t>Exatamente 4n condições são </a:t>
+            </a:r>
+            <a:r>
+              <a:rPr lang="pt-BR" sz="2400" dirty="0"/>
+              <a:t>necessarias para calcular as incognitas. São elas</a:t>
+            </a:r>
+            <a:r>
+              <a:rPr lang="pt-BR" sz="2400" dirty="0"/>
+              <a:t>:</a:t>
+            </a:r>
+          </a:p>
+          <a:p>
+            <a:r>
+              <a:rPr lang="pt-BR" sz="2400" dirty="0"/>
+              <a:t>1</a:t>
+            </a:r>
+            <a:r>
+              <a:rPr lang="pt-BR" sz="2400" dirty="0"/>
+              <a:t>. Os valores da função e dos polinomios adjacentes devem ser iguais nos nos interiores (2n−2 condições). </a:t>
+            </a:r>
+          </a:p>
+          <a:p>
+            <a:r>
+              <a:rPr lang="pt-BR" sz="2400" dirty="0"/>
+              <a:t>2</a:t>
+            </a:r>
+            <a:r>
+              <a:rPr lang="pt-BR" sz="2400" dirty="0"/>
+              <a:t>. A primeira e a ultima função devem passar pelos pontos extremos (2 condições). </a:t>
+            </a:r>
+          </a:p>
+          <a:p>
+            <a:r>
+              <a:rPr lang="pt-BR" sz="2400" dirty="0"/>
+              <a:t>3. As primeiras derivadas nos nos interiores devem ser iguais (n−1 condições</a:t>
+            </a:r>
+            <a:r>
+              <a:rPr lang="pt-BR" sz="2400" dirty="0"/>
+              <a:t>).</a:t>
+            </a:r>
+          </a:p>
+          <a:p>
+            <a:r>
+              <a:rPr lang="pt-BR" sz="2400" dirty="0"/>
+              <a:t>4. As segundas derivadas nos nos interiores devem ser iguais </a:t>
+            </a:r>
+            <a:r>
+              <a:rPr lang="pt-BR" sz="2400" dirty="0"/>
+              <a:t>(n</a:t>
+            </a:r>
+            <a:r>
+              <a:rPr lang="pt-BR" sz="2400" dirty="0"/>
+              <a:t>−1 </a:t>
+            </a:r>
+            <a:r>
+              <a:rPr lang="pt-BR" sz="2400" dirty="0"/>
+              <a:t>condições</a:t>
+            </a:r>
+            <a:r>
+              <a:rPr lang="pt-BR" sz="2400" dirty="0"/>
+              <a:t>). </a:t>
+            </a:r>
+          </a:p>
+          <a:p>
+            <a:r>
+              <a:rPr lang="pt-BR" sz="2400" dirty="0"/>
+              <a:t>5. </a:t>
+            </a:r>
+            <a:r>
+              <a:rPr lang="pt-BR" sz="2400" dirty="0"/>
+              <a:t>As segundas derivadas nos nos extremos </a:t>
+            </a:r>
+            <a:r>
+              <a:rPr lang="pt-BR" sz="2400" dirty="0"/>
+              <a:t>são </a:t>
+            </a:r>
+            <a:r>
+              <a:rPr lang="pt-BR" sz="2400" dirty="0"/>
+              <a:t>nulas (2 </a:t>
+            </a:r>
+            <a:r>
+              <a:rPr lang="pt-BR" sz="2400" dirty="0"/>
+              <a:t>condições</a:t>
+            </a:r>
+            <a:r>
+              <a:rPr lang="pt-BR" sz="2400" dirty="0"/>
+              <a:t>). </a:t>
+            </a:r>
           </a:p>
         </p:txBody>
       </p:sp>
@@ -13492,65 +13841,51 @@
         </p:nvSpPr>
         <p:spPr>
           <a:xfrm>
-            <a:off x="1046747" y="618518"/>
-            <a:ext cx="10000664" cy="1005745"/>
-          </a:xfrm>
-        </p:spPr>
-        <p:txBody>
-          <a:bodyPr>
-            <a:normAutofit fontScale="90000"/>
-          </a:bodyPr>
-          <a:lstStyle/>
-          <a:p>
-            <a:pPr algn="ctr"/>
-            <a:r>
-              <a:rPr lang="pt-BR" dirty="0"/>
-              <a:t>Em Que dominios é </a:t>
-            </a:r>
-            <a:r>
-              <a:rPr lang="pt-BR" dirty="0" smtClean="0"/>
-              <a:t>usado a </a:t>
-            </a:r>
-            <a:r>
-              <a:rPr lang="pt-BR" dirty="0"/>
-              <a:t>Interposição spline cubico </a:t>
-            </a:r>
-            <a:r>
-              <a:rPr lang="pt-BR" dirty="0" smtClean="0"/>
-              <a:t>?</a:t>
-            </a:r>
-            <a:endParaRPr lang="pt-BR" dirty="0"/>
-          </a:p>
-        </p:txBody>
-      </p:sp>
-      <p:sp>
-        <p:nvSpPr>
-          <p:cNvPr id="3" name="Espace réservé du contenu 2"/>
-          <p:cNvSpPr>
-            <a:spLocks noGrp="1"/>
-          </p:cNvSpPr>
-          <p:nvPr>
-            <p:ph idx="1"/>
-          </p:nvPr>
-        </p:nvSpPr>
-        <p:spPr>
-          <a:xfrm>
-            <a:off x="1141412" y="1756611"/>
-            <a:ext cx="9905999" cy="4034590"/>
+            <a:off x="1141413" y="618518"/>
+            <a:ext cx="9905998" cy="741050"/>
           </a:xfrm>
         </p:spPr>
         <p:txBody>
           <a:bodyPr/>
           <a:lstStyle/>
           <a:p>
-            <a:endParaRPr lang="pt-BR"/>
+            <a:pPr algn="ctr"/>
+            <a:r>
+              <a:rPr lang="pt-BR" dirty="0" smtClean="0"/>
+              <a:t>Teorema </a:t>
+            </a:r>
+            <a:endParaRPr lang="pt-BR" dirty="0"/>
           </a:p>
         </p:txBody>
       </p:sp>
+      <p:pic>
+        <p:nvPicPr>
+          <p:cNvPr id="6" name="Image 5"/>
+          <p:cNvPicPr>
+            <a:picLocks noChangeAspect="1"/>
+          </p:cNvPicPr>
+          <p:nvPr/>
+        </p:nvPicPr>
+        <p:blipFill>
+          <a:blip r:embed="rId2"/>
+          <a:stretch>
+            <a:fillRect/>
+          </a:stretch>
+        </p:blipFill>
+        <p:spPr>
+          <a:xfrm>
+            <a:off x="980488" y="1590215"/>
+            <a:ext cx="10066923" cy="4690269"/>
+          </a:xfrm>
+          <a:prstGeom prst="rect">
+            <a:avLst/>
+          </a:prstGeom>
+        </p:spPr>
+      </p:pic>
     </p:spTree>
     <p:extLst>
       <p:ext uri="{BB962C8B-B14F-4D97-AF65-F5344CB8AC3E}">
-        <p14:creationId xmlns:p14="http://schemas.microsoft.com/office/powerpoint/2010/main" val="2701098342"/>
+        <p14:creationId xmlns:p14="http://schemas.microsoft.com/office/powerpoint/2010/main" val="2979571693"/>
       </p:ext>
     </p:extLst>
   </p:cSld>
@@ -13597,20 +13932,129 @@
         <p:spPr>
           <a:xfrm>
             <a:off x="1141413" y="618518"/>
-            <a:ext cx="9905998" cy="644798"/>
+            <a:ext cx="9905998" cy="741050"/>
           </a:xfrm>
         </p:spPr>
         <p:txBody>
           <a:bodyPr/>
           <a:lstStyle/>
           <a:p>
+            <a:pPr algn="ctr"/>
             <a:r>
               <a:rPr lang="pt-BR" dirty="0"/>
-              <a:t>Exemplo e simulaçâo com o aplicativo </a:t>
-            </a:r>
+              <a:t>As Formas de spline cubica</a:t>
+            </a:r>
+            <a:endParaRPr lang="pt-BR" dirty="0"/>
+          </a:p>
+        </p:txBody>
+      </p:sp>
+      <p:sp>
+        <p:nvSpPr>
+          <p:cNvPr id="3" name="Espace réservé du contenu 2"/>
+          <p:cNvSpPr>
+            <a:spLocks noGrp="1"/>
+          </p:cNvSpPr>
+          <p:nvPr>
+            <p:ph idx="1"/>
+          </p:nvPr>
+        </p:nvSpPr>
+        <p:spPr/>
+        <p:txBody>
+          <a:bodyPr/>
+          <a:lstStyle/>
+          <a:p>
+            <a:endParaRPr lang="pt-BR" dirty="0" smtClean="0"/>
+          </a:p>
+          <a:p>
+            <a:endParaRPr lang="pt-BR" dirty="0"/>
+          </a:p>
+        </p:txBody>
+      </p:sp>
+      <p:pic>
+        <p:nvPicPr>
+          <p:cNvPr id="4" name="Image 3"/>
+          <p:cNvPicPr>
+            <a:picLocks noChangeAspect="1"/>
+          </p:cNvPicPr>
+          <p:nvPr/>
+        </p:nvPicPr>
+        <p:blipFill>
+          <a:blip r:embed="rId2"/>
+          <a:stretch>
+            <a:fillRect/>
+          </a:stretch>
+        </p:blipFill>
+        <p:spPr>
+          <a:xfrm>
+            <a:off x="799108" y="1359568"/>
+            <a:ext cx="10582680" cy="5029200"/>
+          </a:xfrm>
+          <a:prstGeom prst="rect">
+            <a:avLst/>
+          </a:prstGeom>
+        </p:spPr>
+      </p:pic>
+    </p:spTree>
+    <p:extLst>
+      <p:ext uri="{BB962C8B-B14F-4D97-AF65-F5344CB8AC3E}">
+        <p14:creationId xmlns:p14="http://schemas.microsoft.com/office/powerpoint/2010/main" val="3670578565"/>
+      </p:ext>
+    </p:extLst>
+  </p:cSld>
+  <p:clrMapOvr>
+    <a:masterClrMapping/>
+  </p:clrMapOvr>
+  <p:timing>
+    <p:tnLst>
+      <p:par>
+        <p:cTn id="1" dur="indefinite" restart="never" nodeType="tmRoot"/>
+      </p:par>
+    </p:tnLst>
+  </p:timing>
+</p:sld>
+</file>
+
+<file path=ppt/slides/slide9.xml><?xml version="1.0" encoding="utf-8"?>
+<p:sld xmlns:a="http://schemas.openxmlformats.org/drawingml/2006/main" xmlns:r="http://schemas.openxmlformats.org/officeDocument/2006/relationships" xmlns:p="http://schemas.openxmlformats.org/presentationml/2006/main">
+  <p:cSld>
+    <p:spTree>
+      <p:nvGrpSpPr>
+        <p:cNvPr id="1" name=""/>
+        <p:cNvGrpSpPr/>
+        <p:nvPr/>
+      </p:nvGrpSpPr>
+      <p:grpSpPr>
+        <a:xfrm>
+          <a:off x="0" y="0"/>
+          <a:ext cx="0" cy="0"/>
+          <a:chOff x="0" y="0"/>
+          <a:chExt cx="0" cy="0"/>
+        </a:xfrm>
+      </p:grpSpPr>
+      <p:sp>
+        <p:nvSpPr>
+          <p:cNvPr id="2" name="Titre 1"/>
+          <p:cNvSpPr>
+            <a:spLocks noGrp="1"/>
+          </p:cNvSpPr>
+          <p:nvPr>
+            <p:ph type="title"/>
+          </p:nvPr>
+        </p:nvSpPr>
+        <p:spPr>
+          <a:xfrm>
+            <a:off x="1141413" y="618518"/>
+            <a:ext cx="9905998" cy="716987"/>
+          </a:xfrm>
+        </p:spPr>
+        <p:txBody>
+          <a:bodyPr/>
+          <a:lstStyle/>
+          <a:p>
+            <a:pPr algn="ctr"/>
             <a:r>
               <a:rPr lang="pt-BR" dirty="0" smtClean="0"/>
-              <a:t>VCN</a:t>
+              <a:t>A forma pelo qual é implementada ?</a:t>
             </a:r>
             <a:endParaRPr lang="pt-BR" dirty="0"/>
           </a:p>
@@ -13628,8 +14072,8 @@
         </p:nvSpPr>
         <p:spPr>
           <a:xfrm>
-            <a:off x="1141412" y="1503946"/>
-            <a:ext cx="9905999" cy="4439653"/>
+            <a:off x="1141412" y="2237874"/>
+            <a:ext cx="9905999" cy="3553327"/>
           </a:xfrm>
         </p:spPr>
         <p:txBody>
@@ -13643,7 +14087,7 @@
     </p:spTree>
     <p:extLst>
       <p:ext uri="{BB962C8B-B14F-4D97-AF65-F5344CB8AC3E}">
-        <p14:creationId xmlns:p14="http://schemas.microsoft.com/office/powerpoint/2010/main" val="3293913685"/>
+        <p14:creationId xmlns:p14="http://schemas.microsoft.com/office/powerpoint/2010/main" val="723588324"/>
       </p:ext>
     </p:extLst>
   </p:cSld>

--- a/RechercheInterpolaçãoSpline/InterpolaçãoSplineCubica.pptx
+++ b/RechercheInterpolaçãoSpline/InterpolaçãoSplineCubica.pptx
@@ -14,8 +14,7 @@
     <p:sldId id="264" r:id="rId8"/>
     <p:sldId id="265" r:id="rId9"/>
     <p:sldId id="266" r:id="rId10"/>
-    <p:sldId id="262" r:id="rId11"/>
-    <p:sldId id="263" r:id="rId12"/>
+    <p:sldId id="263" r:id="rId11"/>
   </p:sldIdLst>
   <p:sldSz cx="12192000" cy="6858000"/>
   <p:notesSz cx="6858000" cy="9144000"/>
@@ -172,7 +171,7 @@
           <a:noFill/>
           <a:extLst>
             <a:ext uri="{909E8E84-426E-40dd-AFC4-6F175D3DCCD1}">
-              <a14:hiddenFill xmlns:a14="http://schemas.microsoft.com/office/drawing/2010/main" xmlns="">
+              <a14:hiddenFill xmlns="" xmlns:a14="http://schemas.microsoft.com/office/drawing/2010/main">
                 <a:solidFill>
                   <a:srgbClr val="FFFFFF"/>
                 </a:solidFill>
@@ -232,7 +231,7 @@
             </a:ln>
             <a:extLst>
               <a:ext uri="{91240B29-F687-4f45-9708-019B960494DF}">
-                <a14:hiddenLine xmlns:a14="http://schemas.microsoft.com/office/drawing/2010/main" xmlns="" w="9525">
+                <a14:hiddenLine xmlns="" xmlns:a14="http://schemas.microsoft.com/office/drawing/2010/main" w="9525">
                   <a:solidFill>
                     <a:srgbClr val="000000"/>
                   </a:solidFill>
@@ -322,7 +321,7 @@
             </a:ln>
             <a:extLst>
               <a:ext uri="{91240B29-F687-4f45-9708-019B960494DF}">
-                <a14:hiddenLine xmlns:a14="http://schemas.microsoft.com/office/drawing/2010/main" xmlns="" w="9525">
+                <a14:hiddenLine xmlns="" xmlns:a14="http://schemas.microsoft.com/office/drawing/2010/main" w="9525">
                   <a:solidFill>
                     <a:srgbClr val="000000"/>
                   </a:solidFill>
@@ -412,7 +411,7 @@
             </a:ln>
             <a:extLst>
               <a:ext uri="{91240B29-F687-4f45-9708-019B960494DF}">
-                <a14:hiddenLine xmlns:a14="http://schemas.microsoft.com/office/drawing/2010/main" xmlns="" w="9525">
+                <a14:hiddenLine xmlns="" xmlns:a14="http://schemas.microsoft.com/office/drawing/2010/main" w="9525">
                   <a:solidFill>
                     <a:srgbClr val="000000"/>
                   </a:solidFill>
@@ -446,7 +445,7 @@
             </a:ln>
             <a:extLst>
               <a:ext uri="{91240B29-F687-4f45-9708-019B960494DF}">
-                <a14:hiddenLine xmlns:a14="http://schemas.microsoft.com/office/drawing/2010/main" xmlns="" w="9525">
+                <a14:hiddenLine xmlns="" xmlns:a14="http://schemas.microsoft.com/office/drawing/2010/main" w="9525">
                   <a:solidFill>
                     <a:srgbClr val="000000"/>
                   </a:solidFill>
@@ -536,7 +535,7 @@
             </a:ln>
             <a:extLst>
               <a:ext uri="{91240B29-F687-4f45-9708-019B960494DF}">
-                <a14:hiddenLine xmlns:a14="http://schemas.microsoft.com/office/drawing/2010/main" xmlns="" w="9525">
+                <a14:hiddenLine xmlns="" xmlns:a14="http://schemas.microsoft.com/office/drawing/2010/main" w="9525">
                   <a:solidFill>
                     <a:srgbClr val="000000"/>
                   </a:solidFill>
@@ -598,7 +597,7 @@
             </a:ln>
             <a:extLst>
               <a:ext uri="{91240B29-F687-4f45-9708-019B960494DF}">
-                <a14:hiddenLine xmlns:a14="http://schemas.microsoft.com/office/drawing/2010/main" xmlns="" w="9525">
+                <a14:hiddenLine xmlns="" xmlns:a14="http://schemas.microsoft.com/office/drawing/2010/main" w="9525">
                   <a:solidFill>
                     <a:srgbClr val="000000"/>
                   </a:solidFill>
@@ -660,7 +659,7 @@
             </a:ln>
             <a:extLst>
               <a:ext uri="{91240B29-F687-4f45-9708-019B960494DF}">
-                <a14:hiddenLine xmlns:a14="http://schemas.microsoft.com/office/drawing/2010/main" xmlns="" w="9525">
+                <a14:hiddenLine xmlns="" xmlns:a14="http://schemas.microsoft.com/office/drawing/2010/main" w="9525">
                   <a:solidFill>
                     <a:srgbClr val="000000"/>
                   </a:solidFill>
@@ -750,7 +749,7 @@
             </a:ln>
             <a:extLst>
               <a:ext uri="{91240B29-F687-4f45-9708-019B960494DF}">
-                <a14:hiddenLine xmlns:a14="http://schemas.microsoft.com/office/drawing/2010/main" xmlns="" w="9525">
+                <a14:hiddenLine xmlns="" xmlns:a14="http://schemas.microsoft.com/office/drawing/2010/main" w="9525">
                   <a:solidFill>
                     <a:srgbClr val="000000"/>
                   </a:solidFill>
@@ -812,7 +811,7 @@
             </a:ln>
             <a:extLst>
               <a:ext uri="{91240B29-F687-4f45-9708-019B960494DF}">
-                <a14:hiddenLine xmlns:a14="http://schemas.microsoft.com/office/drawing/2010/main" xmlns="" w="9525">
+                <a14:hiddenLine xmlns="" xmlns:a14="http://schemas.microsoft.com/office/drawing/2010/main" w="9525">
                   <a:solidFill>
                     <a:srgbClr val="000000"/>
                   </a:solidFill>
@@ -874,7 +873,7 @@
             </a:ln>
             <a:extLst>
               <a:ext uri="{91240B29-F687-4f45-9708-019B960494DF}">
-                <a14:hiddenLine xmlns:a14="http://schemas.microsoft.com/office/drawing/2010/main" xmlns="" w="9525">
+                <a14:hiddenLine xmlns="" xmlns:a14="http://schemas.microsoft.com/office/drawing/2010/main" w="9525">
                   <a:solidFill>
                     <a:srgbClr val="000000"/>
                   </a:solidFill>
@@ -964,7 +963,7 @@
             </a:ln>
             <a:extLst>
               <a:ext uri="{91240B29-F687-4f45-9708-019B960494DF}">
-                <a14:hiddenLine xmlns:a14="http://schemas.microsoft.com/office/drawing/2010/main" xmlns="" w="9525">
+                <a14:hiddenLine xmlns="" xmlns:a14="http://schemas.microsoft.com/office/drawing/2010/main" w="9525">
                   <a:solidFill>
                     <a:srgbClr val="000000"/>
                   </a:solidFill>
@@ -1054,7 +1053,7 @@
             </a:ln>
             <a:extLst>
               <a:ext uri="{91240B29-F687-4f45-9708-019B960494DF}">
-                <a14:hiddenLine xmlns:a14="http://schemas.microsoft.com/office/drawing/2010/main" xmlns="" w="9525">
+                <a14:hiddenLine xmlns="" xmlns:a14="http://schemas.microsoft.com/office/drawing/2010/main" w="9525">
                   <a:solidFill>
                     <a:srgbClr val="000000"/>
                   </a:solidFill>
@@ -1116,7 +1115,7 @@
             </a:ln>
             <a:extLst>
               <a:ext uri="{91240B29-F687-4f45-9708-019B960494DF}">
-                <a14:hiddenLine xmlns:a14="http://schemas.microsoft.com/office/drawing/2010/main" xmlns="" w="9525">
+                <a14:hiddenLine xmlns="" xmlns:a14="http://schemas.microsoft.com/office/drawing/2010/main" w="9525">
                   <a:solidFill>
                     <a:srgbClr val="000000"/>
                   </a:solidFill>
@@ -1226,7 +1225,7 @@
             </a:ln>
             <a:extLst>
               <a:ext uri="{91240B29-F687-4f45-9708-019B960494DF}">
-                <a14:hiddenLine xmlns:a14="http://schemas.microsoft.com/office/drawing/2010/main" xmlns="" w="9525">
+                <a14:hiddenLine xmlns="" xmlns:a14="http://schemas.microsoft.com/office/drawing/2010/main" w="9525">
                   <a:solidFill>
                     <a:srgbClr val="000000"/>
                   </a:solidFill>
@@ -1288,7 +1287,7 @@
             </a:ln>
             <a:extLst>
               <a:ext uri="{91240B29-F687-4f45-9708-019B960494DF}">
-                <a14:hiddenLine xmlns:a14="http://schemas.microsoft.com/office/drawing/2010/main" xmlns="" w="9525">
+                <a14:hiddenLine xmlns="" xmlns:a14="http://schemas.microsoft.com/office/drawing/2010/main" w="9525">
                   <a:solidFill>
                     <a:srgbClr val="000000"/>
                   </a:solidFill>
@@ -1378,7 +1377,7 @@
             </a:ln>
             <a:extLst>
               <a:ext uri="{91240B29-F687-4f45-9708-019B960494DF}">
-                <a14:hiddenLine xmlns:a14="http://schemas.microsoft.com/office/drawing/2010/main" xmlns="" w="9525">
+                <a14:hiddenLine xmlns="" xmlns:a14="http://schemas.microsoft.com/office/drawing/2010/main" w="9525">
                   <a:solidFill>
                     <a:srgbClr val="000000"/>
                   </a:solidFill>
@@ -1468,7 +1467,7 @@
             </a:ln>
             <a:extLst>
               <a:ext uri="{91240B29-F687-4f45-9708-019B960494DF}">
-                <a14:hiddenLine xmlns:a14="http://schemas.microsoft.com/office/drawing/2010/main" xmlns="" w="9525">
+                <a14:hiddenLine xmlns="" xmlns:a14="http://schemas.microsoft.com/office/drawing/2010/main" w="9525">
                   <a:solidFill>
                     <a:srgbClr val="000000"/>
                   </a:solidFill>
@@ -1530,7 +1529,7 @@
             </a:ln>
             <a:extLst>
               <a:ext uri="{91240B29-F687-4f45-9708-019B960494DF}">
-                <a14:hiddenLine xmlns:a14="http://schemas.microsoft.com/office/drawing/2010/main" xmlns="" w="9525">
+                <a14:hiddenLine xmlns="" xmlns:a14="http://schemas.microsoft.com/office/drawing/2010/main" w="9525">
                   <a:solidFill>
                     <a:srgbClr val="000000"/>
                   </a:solidFill>
@@ -1620,7 +1619,7 @@
             </a:ln>
             <a:extLst>
               <a:ext uri="{91240B29-F687-4f45-9708-019B960494DF}">
-                <a14:hiddenLine xmlns:a14="http://schemas.microsoft.com/office/drawing/2010/main" xmlns="" w="9525">
+                <a14:hiddenLine xmlns="" xmlns:a14="http://schemas.microsoft.com/office/drawing/2010/main" w="9525">
                   <a:solidFill>
                     <a:srgbClr val="000000"/>
                   </a:solidFill>
@@ -1710,7 +1709,7 @@
             </a:ln>
             <a:extLst>
               <a:ext uri="{91240B29-F687-4f45-9708-019B960494DF}">
-                <a14:hiddenLine xmlns:a14="http://schemas.microsoft.com/office/drawing/2010/main" xmlns="" w="9525">
+                <a14:hiddenLine xmlns="" xmlns:a14="http://schemas.microsoft.com/office/drawing/2010/main" w="9525">
                   <a:solidFill>
                     <a:srgbClr val="000000"/>
                   </a:solidFill>
@@ -1766,7 +1765,7 @@
             </a:ln>
             <a:extLst>
               <a:ext uri="{91240B29-F687-4f45-9708-019B960494DF}">
-                <a14:hiddenLine xmlns:a14="http://schemas.microsoft.com/office/drawing/2010/main" xmlns="" w="9525">
+                <a14:hiddenLine xmlns="" xmlns:a14="http://schemas.microsoft.com/office/drawing/2010/main" w="9525">
                   <a:solidFill>
                     <a:srgbClr val="000000"/>
                   </a:solidFill>
@@ -1856,7 +1855,7 @@
             </a:ln>
             <a:extLst>
               <a:ext uri="{91240B29-F687-4f45-9708-019B960494DF}">
-                <a14:hiddenLine xmlns:a14="http://schemas.microsoft.com/office/drawing/2010/main" xmlns="" w="9525">
+                <a14:hiddenLine xmlns="" xmlns:a14="http://schemas.microsoft.com/office/drawing/2010/main" w="9525">
                   <a:solidFill>
                     <a:srgbClr val="000000"/>
                   </a:solidFill>
@@ -1912,7 +1911,7 @@
             </a:ln>
             <a:extLst>
               <a:ext uri="{91240B29-F687-4f45-9708-019B960494DF}">
-                <a14:hiddenLine xmlns:a14="http://schemas.microsoft.com/office/drawing/2010/main" xmlns="" w="9525">
+                <a14:hiddenLine xmlns="" xmlns:a14="http://schemas.microsoft.com/office/drawing/2010/main" w="9525">
                   <a:solidFill>
                     <a:srgbClr val="000000"/>
                   </a:solidFill>
@@ -2002,7 +2001,7 @@
             </a:ln>
             <a:extLst>
               <a:ext uri="{91240B29-F687-4f45-9708-019B960494DF}">
-                <a14:hiddenLine xmlns:a14="http://schemas.microsoft.com/office/drawing/2010/main" xmlns="" w="9525">
+                <a14:hiddenLine xmlns="" xmlns:a14="http://schemas.microsoft.com/office/drawing/2010/main" w="9525">
                   <a:solidFill>
                     <a:srgbClr val="000000"/>
                   </a:solidFill>
@@ -2070,7 +2069,7 @@
             </a:ln>
             <a:extLst>
               <a:ext uri="{91240B29-F687-4f45-9708-019B960494DF}">
-                <a14:hiddenLine xmlns:a14="http://schemas.microsoft.com/office/drawing/2010/main" xmlns="" w="9525">
+                <a14:hiddenLine xmlns="" xmlns:a14="http://schemas.microsoft.com/office/drawing/2010/main" w="9525">
                   <a:solidFill>
                     <a:srgbClr val="000000"/>
                   </a:solidFill>
@@ -2160,7 +2159,7 @@
             </a:ln>
             <a:extLst>
               <a:ext uri="{91240B29-F687-4f45-9708-019B960494DF}">
-                <a14:hiddenLine xmlns:a14="http://schemas.microsoft.com/office/drawing/2010/main" xmlns="" w="9525">
+                <a14:hiddenLine xmlns="" xmlns:a14="http://schemas.microsoft.com/office/drawing/2010/main" w="9525">
                   <a:solidFill>
                     <a:srgbClr val="000000"/>
                   </a:solidFill>
@@ -2228,7 +2227,7 @@
             </a:ln>
             <a:extLst>
               <a:ext uri="{91240B29-F687-4f45-9708-019B960494DF}">
-                <a14:hiddenLine xmlns:a14="http://schemas.microsoft.com/office/drawing/2010/main" xmlns="" w="9525">
+                <a14:hiddenLine xmlns="" xmlns:a14="http://schemas.microsoft.com/office/drawing/2010/main" w="9525">
                   <a:solidFill>
                     <a:srgbClr val="000000"/>
                   </a:solidFill>
@@ -2318,7 +2317,7 @@
             </a:ln>
             <a:extLst>
               <a:ext uri="{91240B29-F687-4f45-9708-019B960494DF}">
-                <a14:hiddenLine xmlns:a14="http://schemas.microsoft.com/office/drawing/2010/main" xmlns="" w="9525">
+                <a14:hiddenLine xmlns="" xmlns:a14="http://schemas.microsoft.com/office/drawing/2010/main" w="9525">
                   <a:solidFill>
                     <a:srgbClr val="000000"/>
                   </a:solidFill>
@@ -2352,7 +2351,7 @@
             </a:ln>
             <a:extLst>
               <a:ext uri="{91240B29-F687-4f45-9708-019B960494DF}">
-                <a14:hiddenLine xmlns:a14="http://schemas.microsoft.com/office/drawing/2010/main" xmlns="" w="9525">
+                <a14:hiddenLine xmlns="" xmlns:a14="http://schemas.microsoft.com/office/drawing/2010/main" w="9525">
                   <a:solidFill>
                     <a:srgbClr val="000000"/>
                   </a:solidFill>
@@ -2442,7 +2441,7 @@
             </a:ln>
             <a:extLst>
               <a:ext uri="{91240B29-F687-4f45-9708-019B960494DF}">
-                <a14:hiddenLine xmlns:a14="http://schemas.microsoft.com/office/drawing/2010/main" xmlns="" w="9525">
+                <a14:hiddenLine xmlns="" xmlns:a14="http://schemas.microsoft.com/office/drawing/2010/main" w="9525">
                   <a:solidFill>
                     <a:srgbClr val="000000"/>
                   </a:solidFill>
@@ -2504,7 +2503,7 @@
             </a:ln>
             <a:extLst>
               <a:ext uri="{91240B29-F687-4f45-9708-019B960494DF}">
-                <a14:hiddenLine xmlns:a14="http://schemas.microsoft.com/office/drawing/2010/main" xmlns="" w="9525">
+                <a14:hiddenLine xmlns="" xmlns:a14="http://schemas.microsoft.com/office/drawing/2010/main" w="9525">
                   <a:solidFill>
                     <a:srgbClr val="000000"/>
                   </a:solidFill>
@@ -2566,7 +2565,7 @@
             </a:ln>
             <a:extLst>
               <a:ext uri="{91240B29-F687-4f45-9708-019B960494DF}">
-                <a14:hiddenLine xmlns:a14="http://schemas.microsoft.com/office/drawing/2010/main" xmlns="" w="9525">
+                <a14:hiddenLine xmlns="" xmlns:a14="http://schemas.microsoft.com/office/drawing/2010/main" w="9525">
                   <a:solidFill>
                     <a:srgbClr val="000000"/>
                   </a:solidFill>
@@ -2656,7 +2655,7 @@
             </a:ln>
             <a:extLst>
               <a:ext uri="{91240B29-F687-4f45-9708-019B960494DF}">
-                <a14:hiddenLine xmlns:a14="http://schemas.microsoft.com/office/drawing/2010/main" xmlns="" w="9525">
+                <a14:hiddenLine xmlns="" xmlns:a14="http://schemas.microsoft.com/office/drawing/2010/main" w="9525">
                   <a:solidFill>
                     <a:srgbClr val="000000"/>
                   </a:solidFill>
@@ -2724,7 +2723,7 @@
             </a:ln>
             <a:extLst>
               <a:ext uri="{91240B29-F687-4f45-9708-019B960494DF}">
-                <a14:hiddenLine xmlns:a14="http://schemas.microsoft.com/office/drawing/2010/main" xmlns="" w="9525">
+                <a14:hiddenLine xmlns="" xmlns:a14="http://schemas.microsoft.com/office/drawing/2010/main" w="9525">
                   <a:solidFill>
                     <a:srgbClr val="000000"/>
                   </a:solidFill>
@@ -2786,7 +2785,7 @@
             </a:ln>
             <a:extLst>
               <a:ext uri="{91240B29-F687-4f45-9708-019B960494DF}">
-                <a14:hiddenLine xmlns:a14="http://schemas.microsoft.com/office/drawing/2010/main" xmlns="" w="9525">
+                <a14:hiddenLine xmlns="" xmlns:a14="http://schemas.microsoft.com/office/drawing/2010/main" w="9525">
                   <a:solidFill>
                     <a:srgbClr val="000000"/>
                   </a:solidFill>
@@ -2876,7 +2875,7 @@
             </a:ln>
             <a:extLst>
               <a:ext uri="{91240B29-F687-4f45-9708-019B960494DF}">
-                <a14:hiddenLine xmlns:a14="http://schemas.microsoft.com/office/drawing/2010/main" xmlns="" w="9525">
+                <a14:hiddenLine xmlns="" xmlns:a14="http://schemas.microsoft.com/office/drawing/2010/main" w="9525">
                   <a:solidFill>
                     <a:srgbClr val="000000"/>
                   </a:solidFill>
@@ -2938,7 +2937,7 @@
             </a:ln>
             <a:extLst>
               <a:ext uri="{91240B29-F687-4f45-9708-019B960494DF}">
-                <a14:hiddenLine xmlns:a14="http://schemas.microsoft.com/office/drawing/2010/main" xmlns="" w="9525">
+                <a14:hiddenLine xmlns="" xmlns:a14="http://schemas.microsoft.com/office/drawing/2010/main" w="9525">
                   <a:solidFill>
                     <a:srgbClr val="000000"/>
                   </a:solidFill>
@@ -3028,7 +3027,7 @@
             </a:ln>
             <a:extLst>
               <a:ext uri="{91240B29-F687-4f45-9708-019B960494DF}">
-                <a14:hiddenLine xmlns:a14="http://schemas.microsoft.com/office/drawing/2010/main" xmlns="" w="9525">
+                <a14:hiddenLine xmlns="" xmlns:a14="http://schemas.microsoft.com/office/drawing/2010/main" w="9525">
                   <a:solidFill>
                     <a:srgbClr val="000000"/>
                   </a:solidFill>
@@ -3090,7 +3089,7 @@
             </a:ln>
             <a:extLst>
               <a:ext uri="{91240B29-F687-4f45-9708-019B960494DF}">
-                <a14:hiddenLine xmlns:a14="http://schemas.microsoft.com/office/drawing/2010/main" xmlns="" w="9525">
+                <a14:hiddenLine xmlns="" xmlns:a14="http://schemas.microsoft.com/office/drawing/2010/main" w="9525">
                   <a:solidFill>
                     <a:srgbClr val="000000"/>
                   </a:solidFill>
@@ -3180,7 +3179,7 @@
             </a:ln>
             <a:extLst>
               <a:ext uri="{91240B29-F687-4f45-9708-019B960494DF}">
-                <a14:hiddenLine xmlns:a14="http://schemas.microsoft.com/office/drawing/2010/main" xmlns="" w="9525">
+                <a14:hiddenLine xmlns="" xmlns:a14="http://schemas.microsoft.com/office/drawing/2010/main" w="9525">
                   <a:solidFill>
                     <a:srgbClr val="000000"/>
                   </a:solidFill>
@@ -3214,7 +3213,7 @@
             </a:ln>
             <a:extLst>
               <a:ext uri="{91240B29-F687-4f45-9708-019B960494DF}">
-                <a14:hiddenLine xmlns:a14="http://schemas.microsoft.com/office/drawing/2010/main" xmlns="" w="9525">
+                <a14:hiddenLine xmlns="" xmlns:a14="http://schemas.microsoft.com/office/drawing/2010/main" w="9525">
                   <a:solidFill>
                     <a:srgbClr val="000000"/>
                   </a:solidFill>
@@ -3279,7 +3278,7 @@
             </a:ln>
             <a:extLst>
               <a:ext uri="{91240B29-F687-4f45-9708-019B960494DF}">
-                <a14:hiddenLine xmlns:a14="http://schemas.microsoft.com/office/drawing/2010/main" xmlns="" w="9525">
+                <a14:hiddenLine xmlns="" xmlns:a14="http://schemas.microsoft.com/office/drawing/2010/main" w="9525">
                   <a:solidFill>
                     <a:srgbClr val="000000"/>
                   </a:solidFill>
@@ -3369,7 +3368,7 @@
             </a:ln>
             <a:extLst>
               <a:ext uri="{91240B29-F687-4f45-9708-019B960494DF}">
-                <a14:hiddenLine xmlns:a14="http://schemas.microsoft.com/office/drawing/2010/main" xmlns="" w="9525">
+                <a14:hiddenLine xmlns="" xmlns:a14="http://schemas.microsoft.com/office/drawing/2010/main" w="9525">
                   <a:solidFill>
                     <a:srgbClr val="000000"/>
                   </a:solidFill>
@@ -3431,7 +3430,7 @@
             </a:ln>
             <a:extLst>
               <a:ext uri="{91240B29-F687-4f45-9708-019B960494DF}">
-                <a14:hiddenLine xmlns:a14="http://schemas.microsoft.com/office/drawing/2010/main" xmlns="" w="9525">
+                <a14:hiddenLine xmlns="" xmlns:a14="http://schemas.microsoft.com/office/drawing/2010/main" w="9525">
                   <a:solidFill>
                     <a:srgbClr val="000000"/>
                   </a:solidFill>
@@ -3521,7 +3520,7 @@
             </a:ln>
             <a:extLst>
               <a:ext uri="{91240B29-F687-4f45-9708-019B960494DF}">
-                <a14:hiddenLine xmlns:a14="http://schemas.microsoft.com/office/drawing/2010/main" xmlns="" w="9525">
+                <a14:hiddenLine xmlns="" xmlns:a14="http://schemas.microsoft.com/office/drawing/2010/main" w="9525">
                   <a:solidFill>
                     <a:srgbClr val="000000"/>
                   </a:solidFill>
@@ -3611,7 +3610,7 @@
             </a:ln>
             <a:extLst>
               <a:ext uri="{91240B29-F687-4f45-9708-019B960494DF}">
-                <a14:hiddenLine xmlns:a14="http://schemas.microsoft.com/office/drawing/2010/main" xmlns="" w="9525">
+                <a14:hiddenLine xmlns="" xmlns:a14="http://schemas.microsoft.com/office/drawing/2010/main" w="9525">
                   <a:solidFill>
                     <a:srgbClr val="000000"/>
                   </a:solidFill>
@@ -3676,7 +3675,7 @@
             </a:ln>
             <a:extLst>
               <a:ext uri="{91240B29-F687-4f45-9708-019B960494DF}">
-                <a14:hiddenLine xmlns:a14="http://schemas.microsoft.com/office/drawing/2010/main" xmlns="" w="9525">
+                <a14:hiddenLine xmlns="" xmlns:a14="http://schemas.microsoft.com/office/drawing/2010/main" w="9525">
                   <a:solidFill>
                     <a:srgbClr val="000000"/>
                   </a:solidFill>
@@ -3738,7 +3737,7 @@
             </a:ln>
             <a:extLst>
               <a:ext uri="{91240B29-F687-4f45-9708-019B960494DF}">
-                <a14:hiddenLine xmlns:a14="http://schemas.microsoft.com/office/drawing/2010/main" xmlns="" w="9525">
+                <a14:hiddenLine xmlns="" xmlns:a14="http://schemas.microsoft.com/office/drawing/2010/main" w="9525">
                   <a:solidFill>
                     <a:srgbClr val="000000"/>
                   </a:solidFill>
@@ -3828,7 +3827,7 @@
             </a:ln>
             <a:extLst>
               <a:ext uri="{91240B29-F687-4f45-9708-019B960494DF}">
-                <a14:hiddenLine xmlns:a14="http://schemas.microsoft.com/office/drawing/2010/main" xmlns="" w="9525">
+                <a14:hiddenLine xmlns="" xmlns:a14="http://schemas.microsoft.com/office/drawing/2010/main" w="9525">
                   <a:solidFill>
                     <a:srgbClr val="000000"/>
                   </a:solidFill>
@@ -3918,7 +3917,7 @@
             </a:ln>
             <a:extLst>
               <a:ext uri="{91240B29-F687-4f45-9708-019B960494DF}">
-                <a14:hiddenLine xmlns:a14="http://schemas.microsoft.com/office/drawing/2010/main" xmlns="" w="9525">
+                <a14:hiddenLine xmlns="" xmlns:a14="http://schemas.microsoft.com/office/drawing/2010/main" w="9525">
                   <a:solidFill>
                     <a:srgbClr val="000000"/>
                   </a:solidFill>
@@ -3980,7 +3979,7 @@
             </a:ln>
             <a:extLst>
               <a:ext uri="{91240B29-F687-4f45-9708-019B960494DF}">
-                <a14:hiddenLine xmlns:a14="http://schemas.microsoft.com/office/drawing/2010/main" xmlns="" w="9525">
+                <a14:hiddenLine xmlns="" xmlns:a14="http://schemas.microsoft.com/office/drawing/2010/main" w="9525">
                   <a:solidFill>
                     <a:srgbClr val="000000"/>
                   </a:solidFill>
@@ -4100,7 +4099,7 @@
             </a:ln>
             <a:extLst>
               <a:ext uri="{91240B29-F687-4f45-9708-019B960494DF}">
-                <a14:hiddenLine xmlns:a14="http://schemas.microsoft.com/office/drawing/2010/main" xmlns="" w="9525">
+                <a14:hiddenLine xmlns="" xmlns:a14="http://schemas.microsoft.com/office/drawing/2010/main" w="9525">
                   <a:solidFill>
                     <a:srgbClr val="000000"/>
                   </a:solidFill>
@@ -4168,7 +4167,7 @@
             </a:ln>
             <a:extLst>
               <a:ext uri="{91240B29-F687-4f45-9708-019B960494DF}">
-                <a14:hiddenLine xmlns:a14="http://schemas.microsoft.com/office/drawing/2010/main" xmlns="" w="9525">
+                <a14:hiddenLine xmlns="" xmlns:a14="http://schemas.microsoft.com/office/drawing/2010/main" w="9525">
                   <a:solidFill>
                     <a:srgbClr val="000000"/>
                   </a:solidFill>
@@ -4258,7 +4257,7 @@
             </a:ln>
             <a:extLst>
               <a:ext uri="{91240B29-F687-4f45-9708-019B960494DF}">
-                <a14:hiddenLine xmlns:a14="http://schemas.microsoft.com/office/drawing/2010/main" xmlns="" w="9525">
+                <a14:hiddenLine xmlns="" xmlns:a14="http://schemas.microsoft.com/office/drawing/2010/main" w="9525">
                   <a:solidFill>
                     <a:srgbClr val="000000"/>
                   </a:solidFill>
@@ -4398,7 +4397,7 @@
           <a:p>
             <a:fld id="{48A87A34-81AB-432B-8DAE-1953F412C126}" type="datetimeFigureOut">
               <a:rPr lang="en-US" dirty="0"/>
-              <a:t>1/25/2018</a:t>
+              <a:t>1/26/2018</a:t>
             </a:fld>
             <a:endParaRPr lang="en-US" dirty="0"/>
           </a:p>
@@ -4450,7 +4449,7 @@
           <a:p>
             <a:fld id="{6D22F896-40B5-4ADD-8801-0D06FADFA095}" type="slidenum">
               <a:rPr lang="en-US" dirty="0"/>
-              <a:t>‹N°›</a:t>
+              <a:t>‹nº›</a:t>
             </a:fld>
             <a:endParaRPr lang="en-US" dirty="0"/>
           </a:p>
@@ -4660,7 +4659,7 @@
           <a:p>
             <a:fld id="{48A87A34-81AB-432B-8DAE-1953F412C126}" type="datetimeFigureOut">
               <a:rPr lang="en-US" dirty="0"/>
-              <a:t>1/25/2018</a:t>
+              <a:t>1/26/2018</a:t>
             </a:fld>
             <a:endParaRPr lang="en-US" dirty="0"/>
           </a:p>
@@ -4702,7 +4701,7 @@
           <a:p>
             <a:fld id="{6D22F896-40B5-4ADD-8801-0D06FADFA095}" type="slidenum">
               <a:rPr lang="en-US" dirty="0"/>
-              <a:t>‹N°›</a:t>
+              <a:t>‹nº›</a:t>
             </a:fld>
             <a:endParaRPr lang="en-US" dirty="0"/>
           </a:p>
@@ -4851,7 +4850,7 @@
           <a:p>
             <a:fld id="{48A87A34-81AB-432B-8DAE-1953F412C126}" type="datetimeFigureOut">
               <a:rPr lang="en-US" dirty="0"/>
-              <a:t>1/25/2018</a:t>
+              <a:t>1/26/2018</a:t>
             </a:fld>
             <a:endParaRPr lang="en-US" dirty="0"/>
           </a:p>
@@ -4893,7 +4892,7 @@
           <a:p>
             <a:fld id="{6D22F896-40B5-4ADD-8801-0D06FADFA095}" type="slidenum">
               <a:rPr lang="en-US" dirty="0"/>
-              <a:t>‹N°›</a:t>
+              <a:t>‹nº›</a:t>
             </a:fld>
             <a:endParaRPr lang="en-US" dirty="0"/>
           </a:p>
@@ -5109,7 +5108,7 @@
           <a:p>
             <a:fld id="{48A87A34-81AB-432B-8DAE-1953F412C126}" type="datetimeFigureOut">
               <a:rPr lang="en-US" dirty="0"/>
-              <a:t>1/25/2018</a:t>
+              <a:t>1/26/2018</a:t>
             </a:fld>
             <a:endParaRPr lang="en-US" dirty="0"/>
           </a:p>
@@ -5151,7 +5150,7 @@
           <a:p>
             <a:fld id="{6D22F896-40B5-4ADD-8801-0D06FADFA095}" type="slidenum">
               <a:rPr lang="en-US" dirty="0"/>
-              <a:t>‹N°›</a:t>
+              <a:t>‹nº›</a:t>
             </a:fld>
             <a:endParaRPr lang="en-US" dirty="0"/>
           </a:p>
@@ -5538,7 +5537,7 @@
           <a:p>
             <a:fld id="{48A87A34-81AB-432B-8DAE-1953F412C126}" type="datetimeFigureOut">
               <a:rPr lang="en-US" dirty="0"/>
-              <a:t>1/25/2018</a:t>
+              <a:t>1/26/2018</a:t>
             </a:fld>
             <a:endParaRPr lang="en-US" dirty="0"/>
           </a:p>
@@ -5580,7 +5579,7 @@
           <a:p>
             <a:fld id="{6D22F896-40B5-4ADD-8801-0D06FADFA095}" type="slidenum">
               <a:rPr lang="en-US" dirty="0"/>
-              <a:t>‹N°›</a:t>
+              <a:t>‹nº›</a:t>
             </a:fld>
             <a:endParaRPr lang="en-US" dirty="0"/>
           </a:p>
@@ -6079,7 +6078,7 @@
           <a:p>
             <a:fld id="{48A87A34-81AB-432B-8DAE-1953F412C126}" type="datetimeFigureOut">
               <a:rPr lang="en-US" dirty="0"/>
-              <a:t>1/25/2018</a:t>
+              <a:t>1/26/2018</a:t>
             </a:fld>
             <a:endParaRPr lang="en-US" dirty="0"/>
           </a:p>
@@ -6121,7 +6120,7 @@
           <a:p>
             <a:fld id="{6D22F896-40B5-4ADD-8801-0D06FADFA095}" type="slidenum">
               <a:rPr lang="en-US" dirty="0"/>
-              <a:t>‹N°›</a:t>
+              <a:t>‹nº›</a:t>
             </a:fld>
             <a:endParaRPr lang="en-US" dirty="0"/>
           </a:p>
@@ -6794,7 +6793,7 @@
           <a:p>
             <a:fld id="{48A87A34-81AB-432B-8DAE-1953F412C126}" type="datetimeFigureOut">
               <a:rPr lang="en-US" dirty="0"/>
-              <a:t>1/25/2018</a:t>
+              <a:t>1/26/2018</a:t>
             </a:fld>
             <a:endParaRPr lang="en-US" dirty="0"/>
           </a:p>
@@ -6836,7 +6835,7 @@
           <a:p>
             <a:fld id="{6D22F896-40B5-4ADD-8801-0D06FADFA095}" type="slidenum">
               <a:rPr lang="en-US" dirty="0"/>
-              <a:t>‹N°›</a:t>
+              <a:t>‹nº›</a:t>
             </a:fld>
             <a:endParaRPr lang="en-US" dirty="0"/>
           </a:p>
@@ -6959,7 +6958,7 @@
           <a:p>
             <a:fld id="{48A87A34-81AB-432B-8DAE-1953F412C126}" type="datetimeFigureOut">
               <a:rPr lang="en-US" dirty="0"/>
-              <a:t>1/25/2018</a:t>
+              <a:t>1/26/2018</a:t>
             </a:fld>
             <a:endParaRPr lang="en-US" dirty="0"/>
           </a:p>
@@ -7001,7 +7000,7 @@
           <a:p>
             <a:fld id="{6D22F896-40B5-4ADD-8801-0D06FADFA095}" type="slidenum">
               <a:rPr lang="en-US" dirty="0"/>
-              <a:t>‹N°›</a:t>
+              <a:t>‹nº›</a:t>
             </a:fld>
             <a:endParaRPr lang="en-US" dirty="0"/>
           </a:p>
@@ -7134,7 +7133,7 @@
           <a:p>
             <a:fld id="{48A87A34-81AB-432B-8DAE-1953F412C126}" type="datetimeFigureOut">
               <a:rPr lang="en-US" dirty="0"/>
-              <a:t>1/25/2018</a:t>
+              <a:t>1/26/2018</a:t>
             </a:fld>
             <a:endParaRPr lang="en-US" dirty="0"/>
           </a:p>
@@ -7176,7 +7175,7 @@
           <a:p>
             <a:fld id="{6D22F896-40B5-4ADD-8801-0D06FADFA095}" type="slidenum">
               <a:rPr lang="en-US" dirty="0"/>
-              <a:t>‹N°›</a:t>
+              <a:t>‹nº›</a:t>
             </a:fld>
             <a:endParaRPr lang="en-US" dirty="0"/>
           </a:p>
@@ -7299,7 +7298,7 @@
           <a:p>
             <a:fld id="{48A87A34-81AB-432B-8DAE-1953F412C126}" type="datetimeFigureOut">
               <a:rPr lang="en-US" dirty="0"/>
-              <a:t>1/25/2018</a:t>
+              <a:t>1/26/2018</a:t>
             </a:fld>
             <a:endParaRPr lang="en-US" dirty="0"/>
           </a:p>
@@ -7341,7 +7340,7 @@
           <a:p>
             <a:fld id="{6D22F896-40B5-4ADD-8801-0D06FADFA095}" type="slidenum">
               <a:rPr lang="en-US" dirty="0"/>
-              <a:t>‹N°›</a:t>
+              <a:t>‹nº›</a:t>
             </a:fld>
             <a:endParaRPr lang="en-US" dirty="0"/>
           </a:p>
@@ -7544,7 +7543,7 @@
           <a:p>
             <a:fld id="{48A87A34-81AB-432B-8DAE-1953F412C126}" type="datetimeFigureOut">
               <a:rPr lang="en-US" dirty="0"/>
-              <a:t>1/25/2018</a:t>
+              <a:t>1/26/2018</a:t>
             </a:fld>
             <a:endParaRPr lang="en-US" dirty="0"/>
           </a:p>
@@ -7586,7 +7585,7 @@
           <a:p>
             <a:fld id="{6D22F896-40B5-4ADD-8801-0D06FADFA095}" type="slidenum">
               <a:rPr lang="en-US" dirty="0"/>
-              <a:t>‹N°›</a:t>
+              <a:t>‹nº›</a:t>
             </a:fld>
             <a:endParaRPr lang="en-US" dirty="0"/>
           </a:p>
@@ -7771,7 +7770,7 @@
           <a:p>
             <a:fld id="{48A87A34-81AB-432B-8DAE-1953F412C126}" type="datetimeFigureOut">
               <a:rPr lang="en-US" dirty="0"/>
-              <a:t>1/25/2018</a:t>
+              <a:t>1/26/2018</a:t>
             </a:fld>
             <a:endParaRPr lang="en-US" dirty="0"/>
           </a:p>
@@ -7813,7 +7812,7 @@
           <a:p>
             <a:fld id="{6D22F896-40B5-4ADD-8801-0D06FADFA095}" type="slidenum">
               <a:rPr lang="en-US" dirty="0"/>
-              <a:t>‹N°›</a:t>
+              <a:t>‹nº›</a:t>
             </a:fld>
             <a:endParaRPr lang="en-US" dirty="0"/>
           </a:p>
@@ -8147,7 +8146,7 @@
           <a:p>
             <a:fld id="{48A87A34-81AB-432B-8DAE-1953F412C126}" type="datetimeFigureOut">
               <a:rPr lang="en-US" dirty="0"/>
-              <a:t>1/25/2018</a:t>
+              <a:t>1/26/2018</a:t>
             </a:fld>
             <a:endParaRPr lang="en-US" dirty="0"/>
           </a:p>
@@ -8189,7 +8188,7 @@
           <a:p>
             <a:fld id="{6D22F896-40B5-4ADD-8801-0D06FADFA095}" type="slidenum">
               <a:rPr lang="en-US" dirty="0"/>
-              <a:t>‹N°›</a:t>
+              <a:t>‹nº›</a:t>
             </a:fld>
             <a:endParaRPr lang="en-US" dirty="0"/>
           </a:p>
@@ -8260,7 +8259,7 @@
           <a:p>
             <a:fld id="{48A87A34-81AB-432B-8DAE-1953F412C126}" type="datetimeFigureOut">
               <a:rPr lang="en-US" dirty="0"/>
-              <a:t>1/25/2018</a:t>
+              <a:t>1/26/2018</a:t>
             </a:fld>
             <a:endParaRPr lang="en-US" dirty="0"/>
           </a:p>
@@ -8302,7 +8301,7 @@
           <a:p>
             <a:fld id="{6D22F896-40B5-4ADD-8801-0D06FADFA095}" type="slidenum">
               <a:rPr lang="en-US" dirty="0"/>
-              <a:t>‹N°›</a:t>
+              <a:t>‹nº›</a:t>
             </a:fld>
             <a:endParaRPr lang="en-US" dirty="0"/>
           </a:p>
@@ -8350,7 +8349,7 @@
           <a:p>
             <a:fld id="{48A87A34-81AB-432B-8DAE-1953F412C126}" type="datetimeFigureOut">
               <a:rPr lang="en-US" dirty="0"/>
-              <a:t>1/25/2018</a:t>
+              <a:t>1/26/2018</a:t>
             </a:fld>
             <a:endParaRPr lang="en-US" dirty="0"/>
           </a:p>
@@ -8392,7 +8391,7 @@
           <a:p>
             <a:fld id="{6D22F896-40B5-4ADD-8801-0D06FADFA095}" type="slidenum">
               <a:rPr lang="en-US" dirty="0"/>
-              <a:t>‹N°›</a:t>
+              <a:t>‹nº›</a:t>
             </a:fld>
             <a:endParaRPr lang="en-US" dirty="0"/>
           </a:p>
@@ -8594,7 +8593,7 @@
           <a:p>
             <a:fld id="{48A87A34-81AB-432B-8DAE-1953F412C126}" type="datetimeFigureOut">
               <a:rPr lang="en-US" dirty="0"/>
-              <a:t>1/25/2018</a:t>
+              <a:t>1/26/2018</a:t>
             </a:fld>
             <a:endParaRPr lang="en-US" dirty="0"/>
           </a:p>
@@ -8636,7 +8635,7 @@
           <a:p>
             <a:fld id="{6D22F896-40B5-4ADD-8801-0D06FADFA095}" type="slidenum">
               <a:rPr lang="en-US" dirty="0"/>
-              <a:t>‹N°›</a:t>
+              <a:t>‹nº›</a:t>
             </a:fld>
             <a:endParaRPr lang="en-US" dirty="0"/>
           </a:p>
@@ -8869,7 +8868,7 @@
           <a:p>
             <a:fld id="{48A87A34-81AB-432B-8DAE-1953F412C126}" type="datetimeFigureOut">
               <a:rPr lang="en-US" dirty="0"/>
-              <a:t>1/25/2018</a:t>
+              <a:t>1/26/2018</a:t>
             </a:fld>
             <a:endParaRPr lang="en-US" dirty="0"/>
           </a:p>
@@ -8911,7 +8910,7 @@
           <a:p>
             <a:fld id="{6D22F896-40B5-4ADD-8801-0D06FADFA095}" type="slidenum">
               <a:rPr lang="en-US" dirty="0"/>
-              <a:t>‹N°›</a:t>
+              <a:t>‹nº›</a:t>
             </a:fld>
             <a:endParaRPr lang="en-US" dirty="0"/>
           </a:p>
@@ -8980,7 +8979,7 @@
           <a:noFill/>
           <a:extLst>
             <a:ext uri="{909E8E84-426E-40dd-AFC4-6F175D3DCCD1}">
-              <a14:hiddenFill xmlns:a14="http://schemas.microsoft.com/office/drawing/2010/main" xmlns="">
+              <a14:hiddenFill xmlns="" xmlns:a14="http://schemas.microsoft.com/office/drawing/2010/main">
                 <a:solidFill>
                   <a:srgbClr val="FFFFFF"/>
                 </a:solidFill>
@@ -9054,7 +9053,7 @@
               </a:ln>
               <a:extLst>
                 <a:ext uri="{91240B29-F687-4f45-9708-019B960494DF}">
-                  <a14:hiddenLine xmlns:a14="http://schemas.microsoft.com/office/drawing/2010/main" xmlns="" w="9525">
+                  <a14:hiddenLine xmlns="" xmlns:a14="http://schemas.microsoft.com/office/drawing/2010/main" w="9525">
                     <a:solidFill>
                       <a:srgbClr val="000000"/>
                     </a:solidFill>
@@ -9144,7 +9143,7 @@
               </a:ln>
               <a:extLst>
                 <a:ext uri="{91240B29-F687-4f45-9708-019B960494DF}">
-                  <a14:hiddenLine xmlns:a14="http://schemas.microsoft.com/office/drawing/2010/main" xmlns="" w="9525">
+                  <a14:hiddenLine xmlns="" xmlns:a14="http://schemas.microsoft.com/office/drawing/2010/main" w="9525">
                     <a:solidFill>
                       <a:srgbClr val="000000"/>
                     </a:solidFill>
@@ -9234,7 +9233,7 @@
               </a:ln>
               <a:extLst>
                 <a:ext uri="{91240B29-F687-4f45-9708-019B960494DF}">
-                  <a14:hiddenLine xmlns:a14="http://schemas.microsoft.com/office/drawing/2010/main" xmlns="" w="9525">
+                  <a14:hiddenLine xmlns="" xmlns:a14="http://schemas.microsoft.com/office/drawing/2010/main" w="9525">
                     <a:solidFill>
                       <a:srgbClr val="000000"/>
                     </a:solidFill>
@@ -9296,7 +9295,7 @@
               </a:ln>
               <a:extLst>
                 <a:ext uri="{91240B29-F687-4f45-9708-019B960494DF}">
-                  <a14:hiddenLine xmlns:a14="http://schemas.microsoft.com/office/drawing/2010/main" xmlns="" w="9525">
+                  <a14:hiddenLine xmlns="" xmlns:a14="http://schemas.microsoft.com/office/drawing/2010/main" w="9525">
                     <a:solidFill>
                       <a:srgbClr val="000000"/>
                     </a:solidFill>
@@ -9386,7 +9385,7 @@
               </a:ln>
               <a:extLst>
                 <a:ext uri="{91240B29-F687-4f45-9708-019B960494DF}">
-                  <a14:hiddenLine xmlns:a14="http://schemas.microsoft.com/office/drawing/2010/main" xmlns="" w="9525">
+                  <a14:hiddenLine xmlns="" xmlns:a14="http://schemas.microsoft.com/office/drawing/2010/main" w="9525">
                     <a:solidFill>
                       <a:srgbClr val="000000"/>
                     </a:solidFill>
@@ -9448,7 +9447,7 @@
               </a:ln>
               <a:extLst>
                 <a:ext uri="{91240B29-F687-4f45-9708-019B960494DF}">
-                  <a14:hiddenLine xmlns:a14="http://schemas.microsoft.com/office/drawing/2010/main" xmlns="" w="9525">
+                  <a14:hiddenLine xmlns="" xmlns:a14="http://schemas.microsoft.com/office/drawing/2010/main" w="9525">
                     <a:solidFill>
                       <a:srgbClr val="000000"/>
                     </a:solidFill>
@@ -9510,7 +9509,7 @@
               </a:ln>
               <a:extLst>
                 <a:ext uri="{91240B29-F687-4f45-9708-019B960494DF}">
-                  <a14:hiddenLine xmlns:a14="http://schemas.microsoft.com/office/drawing/2010/main" xmlns="" w="9525">
+                  <a14:hiddenLine xmlns="" xmlns:a14="http://schemas.microsoft.com/office/drawing/2010/main" w="9525">
                     <a:solidFill>
                       <a:srgbClr val="000000"/>
                     </a:solidFill>
@@ -9600,7 +9599,7 @@
               </a:ln>
               <a:extLst>
                 <a:ext uri="{91240B29-F687-4f45-9708-019B960494DF}">
-                  <a14:hiddenLine xmlns:a14="http://schemas.microsoft.com/office/drawing/2010/main" xmlns="" w="9525">
+                  <a14:hiddenLine xmlns="" xmlns:a14="http://schemas.microsoft.com/office/drawing/2010/main" w="9525">
                     <a:solidFill>
                       <a:srgbClr val="000000"/>
                     </a:solidFill>
@@ -9690,7 +9689,7 @@
               </a:ln>
               <a:extLst>
                 <a:ext uri="{91240B29-F687-4f45-9708-019B960494DF}">
-                  <a14:hiddenLine xmlns:a14="http://schemas.microsoft.com/office/drawing/2010/main" xmlns="" w="9525">
+                  <a14:hiddenLine xmlns="" xmlns:a14="http://schemas.microsoft.com/office/drawing/2010/main" w="9525">
                     <a:solidFill>
                       <a:srgbClr val="000000"/>
                     </a:solidFill>
@@ -9752,7 +9751,7 @@
               </a:ln>
               <a:extLst>
                 <a:ext uri="{91240B29-F687-4f45-9708-019B960494DF}">
-                  <a14:hiddenLine xmlns:a14="http://schemas.microsoft.com/office/drawing/2010/main" xmlns="" w="9525">
+                  <a14:hiddenLine xmlns="" xmlns:a14="http://schemas.microsoft.com/office/drawing/2010/main" w="9525">
                     <a:solidFill>
                       <a:srgbClr val="000000"/>
                     </a:solidFill>
@@ -9862,7 +9861,7 @@
               </a:ln>
               <a:extLst>
                 <a:ext uri="{91240B29-F687-4f45-9708-019B960494DF}">
-                  <a14:hiddenLine xmlns:a14="http://schemas.microsoft.com/office/drawing/2010/main" xmlns="" w="9525">
+                  <a14:hiddenLine xmlns="" xmlns:a14="http://schemas.microsoft.com/office/drawing/2010/main" w="9525">
                     <a:solidFill>
                       <a:srgbClr val="000000"/>
                     </a:solidFill>
@@ -9946,7 +9945,7 @@
               </a:ln>
               <a:extLst>
                 <a:ext uri="{91240B29-F687-4f45-9708-019B960494DF}">
-                  <a14:hiddenLine xmlns:a14="http://schemas.microsoft.com/office/drawing/2010/main" xmlns="" w="9525">
+                  <a14:hiddenLine xmlns="" xmlns:a14="http://schemas.microsoft.com/office/drawing/2010/main" w="9525">
                     <a:solidFill>
                       <a:srgbClr val="000000"/>
                     </a:solidFill>
@@ -10008,7 +10007,7 @@
               </a:ln>
               <a:extLst>
                 <a:ext uri="{91240B29-F687-4f45-9708-019B960494DF}">
-                  <a14:hiddenLine xmlns:a14="http://schemas.microsoft.com/office/drawing/2010/main" xmlns="" w="9525">
+                  <a14:hiddenLine xmlns="" xmlns:a14="http://schemas.microsoft.com/office/drawing/2010/main" w="9525">
                     <a:solidFill>
                       <a:srgbClr val="000000"/>
                     </a:solidFill>
@@ -10070,7 +10069,7 @@
               </a:ln>
               <a:extLst>
                 <a:ext uri="{91240B29-F687-4f45-9708-019B960494DF}">
-                  <a14:hiddenLine xmlns:a14="http://schemas.microsoft.com/office/drawing/2010/main" xmlns="" w="9525">
+                  <a14:hiddenLine xmlns="" xmlns:a14="http://schemas.microsoft.com/office/drawing/2010/main" w="9525">
                     <a:solidFill>
                       <a:srgbClr val="000000"/>
                     </a:solidFill>
@@ -10160,7 +10159,7 @@
               </a:ln>
               <a:extLst>
                 <a:ext uri="{91240B29-F687-4f45-9708-019B960494DF}">
-                  <a14:hiddenLine xmlns:a14="http://schemas.microsoft.com/office/drawing/2010/main" xmlns="" w="9525">
+                  <a14:hiddenLine xmlns="" xmlns:a14="http://schemas.microsoft.com/office/drawing/2010/main" w="9525">
                     <a:solidFill>
                       <a:srgbClr val="000000"/>
                     </a:solidFill>
@@ -10194,7 +10193,7 @@
               </a:ln>
               <a:extLst>
                 <a:ext uri="{91240B29-F687-4f45-9708-019B960494DF}">
-                  <a14:hiddenLine xmlns:a14="http://schemas.microsoft.com/office/drawing/2010/main" xmlns="" w="9525">
+                  <a14:hiddenLine xmlns="" xmlns:a14="http://schemas.microsoft.com/office/drawing/2010/main" w="9525">
                     <a:solidFill>
                       <a:srgbClr val="000000"/>
                     </a:solidFill>
@@ -10259,7 +10258,7 @@
               </a:ln>
               <a:extLst>
                 <a:ext uri="{91240B29-F687-4f45-9708-019B960494DF}">
-                  <a14:hiddenLine xmlns:a14="http://schemas.microsoft.com/office/drawing/2010/main" xmlns="" w="9525">
+                  <a14:hiddenLine xmlns="" xmlns:a14="http://schemas.microsoft.com/office/drawing/2010/main" w="9525">
                     <a:solidFill>
                       <a:srgbClr val="000000"/>
                     </a:solidFill>
@@ -10349,7 +10348,7 @@
               </a:ln>
               <a:extLst>
                 <a:ext uri="{91240B29-F687-4f45-9708-019B960494DF}">
-                  <a14:hiddenLine xmlns:a14="http://schemas.microsoft.com/office/drawing/2010/main" xmlns="" w="9525">
+                  <a14:hiddenLine xmlns="" xmlns:a14="http://schemas.microsoft.com/office/drawing/2010/main" w="9525">
                     <a:solidFill>
                       <a:srgbClr val="000000"/>
                     </a:solidFill>
@@ -10411,7 +10410,7 @@
               </a:ln>
               <a:extLst>
                 <a:ext uri="{91240B29-F687-4f45-9708-019B960494DF}">
-                  <a14:hiddenLine xmlns:a14="http://schemas.microsoft.com/office/drawing/2010/main" xmlns="" w="9525">
+                  <a14:hiddenLine xmlns="" xmlns:a14="http://schemas.microsoft.com/office/drawing/2010/main" w="9525">
                     <a:solidFill>
                       <a:srgbClr val="000000"/>
                     </a:solidFill>
@@ -10501,7 +10500,7 @@
               </a:ln>
               <a:extLst>
                 <a:ext uri="{91240B29-F687-4f45-9708-019B960494DF}">
-                  <a14:hiddenLine xmlns:a14="http://schemas.microsoft.com/office/drawing/2010/main" xmlns="" w="9525">
+                  <a14:hiddenLine xmlns="" xmlns:a14="http://schemas.microsoft.com/office/drawing/2010/main" w="9525">
                     <a:solidFill>
                       <a:srgbClr val="000000"/>
                     </a:solidFill>
@@ -10566,7 +10565,7 @@
               </a:ln>
               <a:extLst>
                 <a:ext uri="{91240B29-F687-4f45-9708-019B960494DF}">
-                  <a14:hiddenLine xmlns:a14="http://schemas.microsoft.com/office/drawing/2010/main" xmlns="" w="9525">
+                  <a14:hiddenLine xmlns="" xmlns:a14="http://schemas.microsoft.com/office/drawing/2010/main" w="9525">
                     <a:solidFill>
                       <a:srgbClr val="000000"/>
                     </a:solidFill>
@@ -10628,7 +10627,7 @@
               </a:ln>
               <a:extLst>
                 <a:ext uri="{91240B29-F687-4f45-9708-019B960494DF}">
-                  <a14:hiddenLine xmlns:a14="http://schemas.microsoft.com/office/drawing/2010/main" xmlns="" w="9525">
+                  <a14:hiddenLine xmlns="" xmlns:a14="http://schemas.microsoft.com/office/drawing/2010/main" w="9525">
                     <a:solidFill>
                       <a:srgbClr val="000000"/>
                     </a:solidFill>
@@ -10718,7 +10717,7 @@
               </a:ln>
               <a:extLst>
                 <a:ext uri="{91240B29-F687-4f45-9708-019B960494DF}">
-                  <a14:hiddenLine xmlns:a14="http://schemas.microsoft.com/office/drawing/2010/main" xmlns="" w="9525">
+                  <a14:hiddenLine xmlns="" xmlns:a14="http://schemas.microsoft.com/office/drawing/2010/main" w="9525">
                     <a:solidFill>
                       <a:srgbClr val="000000"/>
                     </a:solidFill>
@@ -10808,7 +10807,7 @@
               </a:ln>
               <a:extLst>
                 <a:ext uri="{91240B29-F687-4f45-9708-019B960494DF}">
-                  <a14:hiddenLine xmlns:a14="http://schemas.microsoft.com/office/drawing/2010/main" xmlns="" w="9525">
+                  <a14:hiddenLine xmlns="" xmlns:a14="http://schemas.microsoft.com/office/drawing/2010/main" w="9525">
                     <a:solidFill>
                       <a:srgbClr val="000000"/>
                     </a:solidFill>
@@ -10873,7 +10872,7 @@
               </a:ln>
               <a:extLst>
                 <a:ext uri="{91240B29-F687-4f45-9708-019B960494DF}">
-                  <a14:hiddenLine xmlns:a14="http://schemas.microsoft.com/office/drawing/2010/main" xmlns="" w="9525">
+                  <a14:hiddenLine xmlns="" xmlns:a14="http://schemas.microsoft.com/office/drawing/2010/main" w="9525">
                     <a:solidFill>
                       <a:srgbClr val="000000"/>
                     </a:solidFill>
@@ -10993,7 +10992,7 @@
               </a:ln>
               <a:extLst>
                 <a:ext uri="{91240B29-F687-4f45-9708-019B960494DF}">
-                  <a14:hiddenLine xmlns:a14="http://schemas.microsoft.com/office/drawing/2010/main" xmlns="" w="9525">
+                  <a14:hiddenLine xmlns="" xmlns:a14="http://schemas.microsoft.com/office/drawing/2010/main" w="9525">
                     <a:solidFill>
                       <a:srgbClr val="000000"/>
                     </a:solidFill>
@@ -11091,7 +11090,7 @@
               </a:ln>
               <a:extLst>
                 <a:ext uri="{91240B29-F687-4f45-9708-019B960494DF}">
-                  <a14:hiddenLine xmlns:a14="http://schemas.microsoft.com/office/drawing/2010/main" xmlns="" w="9525">
+                  <a14:hiddenLine xmlns="" xmlns:a14="http://schemas.microsoft.com/office/drawing/2010/main" w="9525">
                     <a:solidFill>
                       <a:srgbClr val="000000"/>
                     </a:solidFill>
@@ -11206,7 +11205,7 @@
               </a:ln>
               <a:extLst>
                 <a:ext uri="{91240B29-F687-4f45-9708-019B960494DF}">
-                  <a14:hiddenLine xmlns:a14="http://schemas.microsoft.com/office/drawing/2010/main" xmlns="" w="9525">
+                  <a14:hiddenLine xmlns="" xmlns:a14="http://schemas.microsoft.com/office/drawing/2010/main" w="9525">
                     <a:solidFill>
                       <a:srgbClr val="000000"/>
                     </a:solidFill>
@@ -11296,7 +11295,7 @@
               </a:ln>
               <a:extLst>
                 <a:ext uri="{91240B29-F687-4f45-9708-019B960494DF}">
-                  <a14:hiddenLine xmlns:a14="http://schemas.microsoft.com/office/drawing/2010/main" xmlns="" w="9525">
+                  <a14:hiddenLine xmlns="" xmlns:a14="http://schemas.microsoft.com/office/drawing/2010/main" w="9525">
                     <a:solidFill>
                       <a:srgbClr val="000000"/>
                     </a:solidFill>
@@ -11361,7 +11360,7 @@
               </a:ln>
               <a:extLst>
                 <a:ext uri="{91240B29-F687-4f45-9708-019B960494DF}">
-                  <a14:hiddenLine xmlns:a14="http://schemas.microsoft.com/office/drawing/2010/main" xmlns="" w="9525">
+                  <a14:hiddenLine xmlns="" xmlns:a14="http://schemas.microsoft.com/office/drawing/2010/main" w="9525">
                     <a:solidFill>
                       <a:srgbClr val="000000"/>
                     </a:solidFill>
@@ -11451,7 +11450,7 @@
               </a:ln>
               <a:extLst>
                 <a:ext uri="{91240B29-F687-4f45-9708-019B960494DF}">
-                  <a14:hiddenLine xmlns:a14="http://schemas.microsoft.com/office/drawing/2010/main" xmlns="" w="9525">
+                  <a14:hiddenLine xmlns="" xmlns:a14="http://schemas.microsoft.com/office/drawing/2010/main" w="9525">
                     <a:solidFill>
                       <a:srgbClr val="000000"/>
                     </a:solidFill>
@@ -11519,7 +11518,7 @@
               </a:ln>
               <a:extLst>
                 <a:ext uri="{91240B29-F687-4f45-9708-019B960494DF}">
-                  <a14:hiddenLine xmlns:a14="http://schemas.microsoft.com/office/drawing/2010/main" xmlns="" w="9525">
+                  <a14:hiddenLine xmlns="" xmlns:a14="http://schemas.microsoft.com/office/drawing/2010/main" w="9525">
                     <a:solidFill>
                       <a:srgbClr val="000000"/>
                     </a:solidFill>
@@ -11609,7 +11608,7 @@
               </a:ln>
               <a:extLst>
                 <a:ext uri="{91240B29-F687-4f45-9708-019B960494DF}">
-                  <a14:hiddenLine xmlns:a14="http://schemas.microsoft.com/office/drawing/2010/main" xmlns="" w="9525">
+                  <a14:hiddenLine xmlns="" xmlns:a14="http://schemas.microsoft.com/office/drawing/2010/main" w="9525">
                     <a:solidFill>
                       <a:srgbClr val="000000"/>
                     </a:solidFill>
@@ -11677,7 +11676,7 @@
               </a:ln>
               <a:extLst>
                 <a:ext uri="{91240B29-F687-4f45-9708-019B960494DF}">
-                  <a14:hiddenLine xmlns:a14="http://schemas.microsoft.com/office/drawing/2010/main" xmlns="" w="9525">
+                  <a14:hiddenLine xmlns="" xmlns:a14="http://schemas.microsoft.com/office/drawing/2010/main" w="9525">
                     <a:solidFill>
                       <a:srgbClr val="000000"/>
                     </a:solidFill>
@@ -11767,7 +11766,7 @@
               </a:ln>
               <a:extLst>
                 <a:ext uri="{91240B29-F687-4f45-9708-019B960494DF}">
-                  <a14:hiddenLine xmlns:a14="http://schemas.microsoft.com/office/drawing/2010/main" xmlns="" w="9525">
+                  <a14:hiddenLine xmlns="" xmlns:a14="http://schemas.microsoft.com/office/drawing/2010/main" w="9525">
                     <a:solidFill>
                       <a:srgbClr val="000000"/>
                     </a:solidFill>
@@ -11801,7 +11800,7 @@
               </a:ln>
               <a:extLst>
                 <a:ext uri="{91240B29-F687-4f45-9708-019B960494DF}">
-                  <a14:hiddenLine xmlns:a14="http://schemas.microsoft.com/office/drawing/2010/main" xmlns="" w="9525">
+                  <a14:hiddenLine xmlns="" xmlns:a14="http://schemas.microsoft.com/office/drawing/2010/main" w="9525">
                     <a:solidFill>
                       <a:srgbClr val="000000"/>
                     </a:solidFill>
@@ -11942,7 +11941,7 @@
             <a:fld id="{48A87A34-81AB-432B-8DAE-1953F412C126}" type="datetimeFigureOut">
               <a:rPr lang="en-US" dirty="0"/>
               <a:pPr/>
-              <a:t>1/25/2018</a:t>
+              <a:t>1/26/2018</a:t>
             </a:fld>
             <a:endParaRPr lang="en-US" dirty="0"/>
           </a:p>
@@ -12021,7 +12020,7 @@
             <a:fld id="{6D22F896-40B5-4ADD-8801-0D06FADFA095}" type="slidenum">
               <a:rPr lang="en-US" dirty="0"/>
               <a:pPr/>
-              <a:t>‹N°›</a:t>
+              <a:t>‹nº›</a:t>
             </a:fld>
             <a:endParaRPr lang="en-US" dirty="0"/>
           </a:p>
@@ -12660,110 +12659,6 @@
         </p:nvSpPr>
         <p:spPr>
           <a:xfrm>
-            <a:off x="1046747" y="618518"/>
-            <a:ext cx="10000664" cy="1005745"/>
-          </a:xfrm>
-        </p:spPr>
-        <p:txBody>
-          <a:bodyPr>
-            <a:normAutofit fontScale="90000"/>
-          </a:bodyPr>
-          <a:lstStyle/>
-          <a:p>
-            <a:pPr algn="ctr"/>
-            <a:r>
-              <a:rPr lang="pt-BR" dirty="0"/>
-              <a:t>Em Que dominios é </a:t>
-            </a:r>
-            <a:r>
-              <a:rPr lang="pt-BR" dirty="0" smtClean="0"/>
-              <a:t>usado a </a:t>
-            </a:r>
-            <a:r>
-              <a:rPr lang="pt-BR" dirty="0"/>
-              <a:t>Interposição spline cubico </a:t>
-            </a:r>
-            <a:r>
-              <a:rPr lang="pt-BR" dirty="0" smtClean="0"/>
-              <a:t>?</a:t>
-            </a:r>
-            <a:endParaRPr lang="pt-BR" dirty="0"/>
-          </a:p>
-        </p:txBody>
-      </p:sp>
-      <p:sp>
-        <p:nvSpPr>
-          <p:cNvPr id="3" name="Espace réservé du contenu 2"/>
-          <p:cNvSpPr>
-            <a:spLocks noGrp="1"/>
-          </p:cNvSpPr>
-          <p:nvPr>
-            <p:ph idx="1"/>
-          </p:nvPr>
-        </p:nvSpPr>
-        <p:spPr>
-          <a:xfrm>
-            <a:off x="1141412" y="1756611"/>
-            <a:ext cx="9905999" cy="4034590"/>
-          </a:xfrm>
-        </p:spPr>
-        <p:txBody>
-          <a:bodyPr/>
-          <a:lstStyle/>
-          <a:p>
-            <a:endParaRPr lang="pt-BR"/>
-          </a:p>
-        </p:txBody>
-      </p:sp>
-    </p:spTree>
-    <p:extLst>
-      <p:ext uri="{BB962C8B-B14F-4D97-AF65-F5344CB8AC3E}">
-        <p14:creationId xmlns:p14="http://schemas.microsoft.com/office/powerpoint/2010/main" val="2701098342"/>
-      </p:ext>
-    </p:extLst>
-  </p:cSld>
-  <p:clrMapOvr>
-    <a:masterClrMapping/>
-  </p:clrMapOvr>
-  <p:timing>
-    <p:tnLst>
-      <p:par>
-        <p:cTn id="1" dur="indefinite" restart="never" nodeType="tmRoot"/>
-      </p:par>
-    </p:tnLst>
-  </p:timing>
-</p:sld>
-</file>
-
-<file path=ppt/slides/slide11.xml><?xml version="1.0" encoding="utf-8"?>
-<p:sld xmlns:a="http://schemas.openxmlformats.org/drawingml/2006/main" xmlns:r="http://schemas.openxmlformats.org/officeDocument/2006/relationships" xmlns:p="http://schemas.openxmlformats.org/presentationml/2006/main">
-  <p:cSld>
-    <p:spTree>
-      <p:nvGrpSpPr>
-        <p:cNvPr id="1" name=""/>
-        <p:cNvGrpSpPr/>
-        <p:nvPr/>
-      </p:nvGrpSpPr>
-      <p:grpSpPr>
-        <a:xfrm>
-          <a:off x="0" y="0"/>
-          <a:ext cx="0" cy="0"/>
-          <a:chOff x="0" y="0"/>
-          <a:chExt cx="0" cy="0"/>
-        </a:xfrm>
-      </p:grpSpPr>
-      <p:sp>
-        <p:nvSpPr>
-          <p:cNvPr id="2" name="Titre 1"/>
-          <p:cNvSpPr>
-            <a:spLocks noGrp="1"/>
-          </p:cNvSpPr>
-          <p:nvPr>
-            <p:ph type="title"/>
-          </p:nvPr>
-        </p:nvSpPr>
-        <p:spPr>
-          <a:xfrm>
             <a:off x="1141413" y="618518"/>
             <a:ext cx="9905998" cy="644798"/>
           </a:xfrm>
@@ -12886,7 +12781,11 @@
           <a:p>
             <a:r>
               <a:rPr lang="pt-BR" dirty="0" smtClean="0"/>
-              <a:t>- O que é uma interpolação ?</a:t>
+              <a:t>O </a:t>
+            </a:r>
+            <a:r>
+              <a:rPr lang="pt-BR" dirty="0" smtClean="0"/>
+              <a:t>que é uma interpolação ?</a:t>
             </a:r>
           </a:p>
           <a:p>
@@ -12898,25 +12797,40 @@
           <a:p>
             <a:r>
               <a:rPr lang="pt-BR" dirty="0" smtClean="0"/>
-              <a:t>- Em Particular um spline cubico ?</a:t>
-            </a:r>
-          </a:p>
-          <a:p>
+              <a:t>Em </a:t>
+            </a:r>
             <a:r>
               <a:rPr lang="pt-BR" dirty="0" smtClean="0"/>
-              <a:t>- A forma pelo qual ela é implementada ?</a:t>
-            </a:r>
-          </a:p>
-          <a:p>
+              <a:t>Particular um spline </a:t>
+            </a:r>
             <a:r>
               <a:rPr lang="pt-BR" dirty="0" smtClean="0"/>
-              <a:t>- Em Que dominios é usadoa Interposição spline cubico </a:t>
-            </a:r>
+              <a:t>cubico</a:t>
+            </a:r>
+            <a:endParaRPr lang="pt-BR" dirty="0" smtClean="0"/>
           </a:p>
           <a:p>
             <a:r>
               <a:rPr lang="pt-BR" dirty="0" smtClean="0"/>
-              <a:t>- Exemplo e simulaçâo com o aplicativo VCN</a:t>
+              <a:t>A </a:t>
+            </a:r>
+            <a:r>
+              <a:rPr lang="pt-BR" dirty="0" smtClean="0"/>
+              <a:t>forma pelo qual ela é </a:t>
+            </a:r>
+            <a:r>
+              <a:rPr lang="pt-BR" dirty="0" smtClean="0"/>
+              <a:t>implementado nos domínios</a:t>
+            </a:r>
+          </a:p>
+          <a:p>
+            <a:r>
+              <a:rPr lang="pt-BR" dirty="0" smtClean="0"/>
+              <a:t>Exemplo </a:t>
+            </a:r>
+            <a:r>
+              <a:rPr lang="pt-BR" dirty="0" smtClean="0"/>
+              <a:t>e simulaçâo com o aplicativo VCN</a:t>
             </a:r>
             <a:endParaRPr lang="pt-BR" dirty="0"/>
           </a:p>
@@ -13609,7 +13523,6 @@
               <a:rPr lang="pt-BR" dirty="0"/>
               <a:t>Em Particular um spline cubico ?</a:t>
             </a:r>
-            <a:endParaRPr lang="pt-BR" dirty="0"/>
           </a:p>
         </p:txBody>
       </p:sp>
@@ -13679,115 +13592,43 @@
           <a:p>
             <a:r>
               <a:rPr lang="pt-BR" sz="2400" dirty="0"/>
-              <a:t>onde </a:t>
-            </a:r>
+              <a:t>onde i = 1,2,···,n. Logo, para n + 1 pontos dados existem n intervalos e, consequentemente</a:t>
+            </a:r>
+          </a:p>
+          <a:p>
             <a:r>
               <a:rPr lang="pt-BR" sz="2400" dirty="0"/>
-              <a:t>i = 1,2,···,</a:t>
-            </a:r>
+              <a:t>4n constantes indeterminadas para calcular. Exatamente 4n condições são necessarias para calcular as incognitas. São elas:</a:t>
+            </a:r>
+          </a:p>
+          <a:p>
             <a:r>
               <a:rPr lang="pt-BR" sz="2400" dirty="0"/>
-              <a:t>n. Logo</a:t>
-            </a:r>
+              <a:t>1. Os valores da função e dos polinomios adjacentes devem ser iguais nos nos interiores (2n−2 condições). </a:t>
+            </a:r>
+          </a:p>
+          <a:p>
             <a:r>
               <a:rPr lang="pt-BR" sz="2400" dirty="0"/>
-              <a:t>, para n + 1 pontos dados existem n intervalos e, consequentemente</a:t>
+              <a:t>2. A primeira e a ultima função devem passar pelos pontos extremos (2 condições). </a:t>
             </a:r>
           </a:p>
           <a:p>
             <a:r>
               <a:rPr lang="pt-BR" sz="2400" dirty="0"/>
-              <a:t>4n constantes indeterminadas para calcular. </a:t>
-            </a:r>
+              <a:t>3. As primeiras derivadas nos nos interiores devem ser iguais (n−1 condições).</a:t>
+            </a:r>
+          </a:p>
+          <a:p>
             <a:r>
               <a:rPr lang="pt-BR" sz="2400" dirty="0"/>
-              <a:t>Exatamente 4n condições são </a:t>
-            </a:r>
+              <a:t>4. As segundas derivadas nos nos interiores devem ser iguais (n−1 condições). </a:t>
+            </a:r>
+          </a:p>
+          <a:p>
             <a:r>
               <a:rPr lang="pt-BR" sz="2400" dirty="0"/>
-              <a:t>necessarias para calcular as incognitas. São elas</a:t>
-            </a:r>
-            <a:r>
-              <a:rPr lang="pt-BR" sz="2400" dirty="0"/>
-              <a:t>:</a:t>
-            </a:r>
-          </a:p>
-          <a:p>
-            <a:r>
-              <a:rPr lang="pt-BR" sz="2400" dirty="0"/>
-              <a:t>1</a:t>
-            </a:r>
-            <a:r>
-              <a:rPr lang="pt-BR" sz="2400" dirty="0"/>
-              <a:t>. Os valores da função e dos polinomios adjacentes devem ser iguais nos nos interiores (2n−2 condições). </a:t>
-            </a:r>
-          </a:p>
-          <a:p>
-            <a:r>
-              <a:rPr lang="pt-BR" sz="2400" dirty="0"/>
-              <a:t>2</a:t>
-            </a:r>
-            <a:r>
-              <a:rPr lang="pt-BR" sz="2400" dirty="0"/>
-              <a:t>. A primeira e a ultima função devem passar pelos pontos extremos (2 condições). </a:t>
-            </a:r>
-          </a:p>
-          <a:p>
-            <a:r>
-              <a:rPr lang="pt-BR" sz="2400" dirty="0"/>
-              <a:t>3. As primeiras derivadas nos nos interiores devem ser iguais (n−1 condições</a:t>
-            </a:r>
-            <a:r>
-              <a:rPr lang="pt-BR" sz="2400" dirty="0"/>
-              <a:t>).</a:t>
-            </a:r>
-          </a:p>
-          <a:p>
-            <a:r>
-              <a:rPr lang="pt-BR" sz="2400" dirty="0"/>
-              <a:t>4. As segundas derivadas nos nos interiores devem ser iguais </a:t>
-            </a:r>
-            <a:r>
-              <a:rPr lang="pt-BR" sz="2400" dirty="0"/>
-              <a:t>(n</a:t>
-            </a:r>
-            <a:r>
-              <a:rPr lang="pt-BR" sz="2400" dirty="0"/>
-              <a:t>−1 </a:t>
-            </a:r>
-            <a:r>
-              <a:rPr lang="pt-BR" sz="2400" dirty="0"/>
-              <a:t>condições</a:t>
-            </a:r>
-            <a:r>
-              <a:rPr lang="pt-BR" sz="2400" dirty="0"/>
-              <a:t>). </a:t>
-            </a:r>
-          </a:p>
-          <a:p>
-            <a:r>
-              <a:rPr lang="pt-BR" sz="2400" dirty="0"/>
-              <a:t>5. </a:t>
-            </a:r>
-            <a:r>
-              <a:rPr lang="pt-BR" sz="2400" dirty="0"/>
-              <a:t>As segundas derivadas nos nos extremos </a:t>
-            </a:r>
-            <a:r>
-              <a:rPr lang="pt-BR" sz="2400" dirty="0"/>
-              <a:t>são </a:t>
-            </a:r>
-            <a:r>
-              <a:rPr lang="pt-BR" sz="2400" dirty="0"/>
-              <a:t>nulas (2 </a:t>
-            </a:r>
-            <a:r>
-              <a:rPr lang="pt-BR" sz="2400" dirty="0"/>
-              <a:t>condições</a:t>
-            </a:r>
-            <a:r>
-              <a:rPr lang="pt-BR" sz="2400" dirty="0"/>
-              <a:t>). </a:t>
+              <a:t>5. As segundas derivadas nos nos extremos são nulas (2 condições). </a:t>
             </a:r>
           </a:p>
         </p:txBody>
@@ -13944,7 +13785,6 @@
               <a:rPr lang="pt-BR" dirty="0"/>
               <a:t>As Formas de spline cubica</a:t>
             </a:r>
-            <a:endParaRPr lang="pt-BR" dirty="0"/>
           </a:p>
         </p:txBody>
       </p:sp>
@@ -14048,13 +13888,19 @@
           </a:xfrm>
         </p:spPr>
         <p:txBody>
-          <a:bodyPr/>
+          <a:bodyPr>
+            <a:normAutofit fontScale="90000"/>
+          </a:bodyPr>
           <a:lstStyle/>
           <a:p>
             <a:pPr algn="ctr"/>
             <a:r>
               <a:rPr lang="pt-BR" dirty="0" smtClean="0"/>
-              <a:t>A forma pelo qual é implementada ?</a:t>
+              <a:t>A forma pelo qual é implementada </a:t>
+            </a:r>
+            <a:r>
+              <a:rPr lang="pt-BR" dirty="0" smtClean="0"/>
+              <a:t>nos domínios?</a:t>
             </a:r>
             <a:endParaRPr lang="pt-BR" dirty="0"/>
           </a:p>
@@ -14080,7 +13926,30 @@
           <a:bodyPr/>
           <a:lstStyle/>
           <a:p>
-            <a:endParaRPr lang="pt-BR" dirty="0"/>
+            <a:r>
+              <a:rPr lang="pt-BR" dirty="0" smtClean="0"/>
+              <a:t>É frequentemente usada para analisar conjunto de dados em vários aspectos</a:t>
+            </a:r>
+            <a:r>
+              <a:rPr lang="pt-BR" dirty="0"/>
+              <a:t> </a:t>
+            </a:r>
+            <a:r>
+              <a:rPr lang="pt-BR" dirty="0" smtClean="0"/>
+              <a:t>de engenharia e problemas científicos.</a:t>
+            </a:r>
+          </a:p>
+          <a:p>
+            <a:pPr algn="just"/>
+            <a:r>
+              <a:rPr lang="pt-BR" dirty="0" smtClean="0"/>
+              <a:t>Devido a necessidade de grande precisão nos conjuntos de dados, interpola-los se torna uma tarefa difícil manualmente e mesmo com </a:t>
+            </a:r>
+            <a:r>
+              <a:rPr lang="pt-BR" smtClean="0"/>
+              <a:t>algoritmos tradicionais.</a:t>
+            </a:r>
+            <a:endParaRPr lang="pt-BR" dirty="0" smtClean="0"/>
           </a:p>
         </p:txBody>
       </p:sp>
